--- a/slides/module-1-overview.pptx
+++ b/slides/module-1-overview.pptx
@@ -216,7 +216,7 @@
           <a:p>
             <a:fld id="{56E592D9-FAC2-4174-B354-B1C57D4DE40F}" type="datetimeFigureOut">
               <a:rPr lang="en-US" smtClean="0"/>
-              <a:t>10/31/15</a:t>
+              <a:t>3/20/16</a:t>
             </a:fld>
             <a:endParaRPr lang="en-US"/>
           </a:p>
@@ -932,7 +932,7 @@
           <a:p>
             <a:fld id="{AD706CFD-827E-4D2E-A90D-56E23410CEDA}" type="datetimeFigureOut">
               <a:rPr lang="en-US" smtClean="0"/>
-              <a:t>10/31/15</a:t>
+              <a:t>3/20/16</a:t>
             </a:fld>
             <a:endParaRPr lang="en-US"/>
           </a:p>
@@ -1109,7 +1109,7 @@
           <a:p>
             <a:fld id="{AD706CFD-827E-4D2E-A90D-56E23410CEDA}" type="datetimeFigureOut">
               <a:rPr lang="en-US" smtClean="0"/>
-              <a:t>10/31/15</a:t>
+              <a:t>3/20/16</a:t>
             </a:fld>
             <a:endParaRPr lang="en-US"/>
           </a:p>
@@ -1289,7 +1289,7 @@
           <a:p>
             <a:fld id="{AD706CFD-827E-4D2E-A90D-56E23410CEDA}" type="datetimeFigureOut">
               <a:rPr lang="en-US" smtClean="0"/>
-              <a:t>10/31/15</a:t>
+              <a:t>3/20/16</a:t>
             </a:fld>
             <a:endParaRPr lang="en-US"/>
           </a:p>
@@ -1481,7 +1481,7 @@
           <a:p>
             <a:fld id="{AD706CFD-827E-4D2E-A90D-56E23410CEDA}" type="datetimeFigureOut">
               <a:rPr lang="en-US" smtClean="0"/>
-              <a:t>10/31/15</a:t>
+              <a:t>3/20/16</a:t>
             </a:fld>
             <a:endParaRPr lang="en-US"/>
           </a:p>
@@ -1734,7 +1734,7 @@
           <a:p>
             <a:fld id="{AD706CFD-827E-4D2E-A90D-56E23410CEDA}" type="datetimeFigureOut">
               <a:rPr lang="en-US" smtClean="0"/>
-              <a:t>10/31/15</a:t>
+              <a:t>3/20/16</a:t>
             </a:fld>
             <a:endParaRPr lang="en-US"/>
           </a:p>
@@ -2022,7 +2022,7 @@
           <a:p>
             <a:fld id="{AD706CFD-827E-4D2E-A90D-56E23410CEDA}" type="datetimeFigureOut">
               <a:rPr lang="en-US" smtClean="0"/>
-              <a:t>10/31/15</a:t>
+              <a:t>3/20/16</a:t>
             </a:fld>
             <a:endParaRPr lang="en-US"/>
           </a:p>
@@ -2449,7 +2449,7 @@
           <a:p>
             <a:fld id="{AD706CFD-827E-4D2E-A90D-56E23410CEDA}" type="datetimeFigureOut">
               <a:rPr lang="en-US" smtClean="0"/>
-              <a:t>10/31/15</a:t>
+              <a:t>3/20/16</a:t>
             </a:fld>
             <a:endParaRPr lang="en-US"/>
           </a:p>
@@ -2567,7 +2567,7 @@
           <a:p>
             <a:fld id="{AD706CFD-827E-4D2E-A90D-56E23410CEDA}" type="datetimeFigureOut">
               <a:rPr lang="en-US" smtClean="0"/>
-              <a:t>10/31/15</a:t>
+              <a:t>3/20/16</a:t>
             </a:fld>
             <a:endParaRPr lang="en-US"/>
           </a:p>
@@ -2669,7 +2669,7 @@
           <a:p>
             <a:fld id="{AD706CFD-827E-4D2E-A90D-56E23410CEDA}" type="datetimeFigureOut">
               <a:rPr lang="en-US" smtClean="0"/>
-              <a:t>10/31/15</a:t>
+              <a:t>3/20/16</a:t>
             </a:fld>
             <a:endParaRPr lang="en-US"/>
           </a:p>
@@ -2946,7 +2946,7 @@
           <a:p>
             <a:fld id="{AD706CFD-827E-4D2E-A90D-56E23410CEDA}" type="datetimeFigureOut">
               <a:rPr lang="en-US" smtClean="0"/>
-              <a:t>10/31/15</a:t>
+              <a:t>3/20/16</a:t>
             </a:fld>
             <a:endParaRPr lang="en-US"/>
           </a:p>
@@ -3199,7 +3199,7 @@
           <a:p>
             <a:fld id="{AD706CFD-827E-4D2E-A90D-56E23410CEDA}" type="datetimeFigureOut">
               <a:rPr lang="en-US" smtClean="0"/>
-              <a:t>10/31/15</a:t>
+              <a:t>3/20/16</a:t>
             </a:fld>
             <a:endParaRPr lang="en-US"/>
           </a:p>
@@ -3412,7 +3412,7 @@
           <a:p>
             <a:fld id="{AD706CFD-827E-4D2E-A90D-56E23410CEDA}" type="datetimeFigureOut">
               <a:rPr lang="en-US" smtClean="0"/>
-              <a:t>10/31/15</a:t>
+              <a:t>3/20/16</a:t>
             </a:fld>
             <a:endParaRPr lang="en-US"/>
           </a:p>
@@ -5542,13 +5542,6 @@
               </a:rPr>
               <a:t>capabilities</a:t>
             </a:r>
-            <a:endParaRPr lang="en-US" sz="2800" i="1" dirty="0" smtClean="0">
-              <a:solidFill>
-                <a:srgbClr val="000000"/>
-              </a:solidFill>
-              <a:ea typeface="Verdana" panose="020B0604030504040204" pitchFamily="34" charset="0"/>
-              <a:cs typeface="Calibri Light"/>
-            </a:endParaRPr>
           </a:p>
         </p:txBody>
       </p:sp>
@@ -5693,20 +5686,7 @@
                 <a:latin typeface="+mn-lt"/>
                 <a:cs typeface="Calibri Light"/>
               </a:rPr>
-              <a:t>NETCONF </a:t>
-            </a:r>
-            <a:r>
-              <a:rPr lang="en-US" sz="4600" dirty="0" smtClean="0">
-                <a:solidFill>
-                  <a:schemeClr val="tx1">
-                    <a:lumMod val="90000"/>
-                    <a:lumOff val="10000"/>
-                  </a:schemeClr>
-                </a:solidFill>
-                <a:latin typeface="+mn-lt"/>
-                <a:cs typeface="Calibri Light"/>
-              </a:rPr>
-              <a:t>Capabilities</a:t>
+              <a:t>NETCONF Capabilities</a:t>
             </a:r>
             <a:endParaRPr lang="en-US" sz="4600" dirty="0">
               <a:solidFill>
@@ -11405,10 +11385,10 @@
                 </a:solidFill>
                 <a:cs typeface="Calibri Light"/>
               </a:rPr>
-              <a:t> 	             &lt;cancel-commit</a:t>
-            </a:r>
-            <a:r>
-              <a:rPr lang="en-US" sz="3000" dirty="0">
+              <a:t> 	             </a:t>
+            </a:r>
+            <a:r>
+              <a:rPr lang="en-US" sz="3000" dirty="0" smtClean="0">
                 <a:solidFill>
                   <a:schemeClr val="tx1">
                     <a:lumMod val="90000"/>
@@ -11417,8 +11397,17 @@
                 </a:solidFill>
                 <a:cs typeface="Calibri Light"/>
               </a:rPr>
-              <a:t>&gt;</a:t>
-            </a:r>
+              <a:t>      &lt;validate&gt;</a:t>
+            </a:r>
+            <a:endParaRPr lang="en-US" sz="3000" dirty="0">
+              <a:solidFill>
+                <a:schemeClr val="tx1">
+                  <a:lumMod val="90000"/>
+                  <a:lumOff val="10000"/>
+                </a:schemeClr>
+              </a:solidFill>
+              <a:cs typeface="Calibri Light"/>
+            </a:endParaRPr>
           </a:p>
           <a:p>
             <a:pPr marL="0" indent="0">
@@ -11607,8 +11596,8 @@
         </p:nvSpPr>
         <p:spPr>
           <a:xfrm>
-            <a:off x="10119359" y="4964370"/>
-            <a:ext cx="3657601" cy="2308324"/>
+            <a:off x="9753601" y="4964370"/>
+            <a:ext cx="4023360" cy="1938992"/>
           </a:xfrm>
           <a:prstGeom prst="rect">
             <a:avLst/>
@@ -13056,33 +13045,7 @@
                 <a:latin typeface="+mn-lt"/>
                 <a:cs typeface="Calibri Light"/>
               </a:rPr>
-              <a:t>NETCONF </a:t>
-            </a:r>
-            <a:r>
-              <a:rPr lang="en-US" dirty="0" smtClean="0">
-                <a:solidFill>
-                  <a:schemeClr val="tx1">
-                    <a:lumMod val="90000"/>
-                    <a:lumOff val="10000"/>
-                  </a:schemeClr>
-                </a:solidFill>
-                <a:latin typeface="+mn-lt"/>
-                <a:cs typeface="Calibri Light"/>
-              </a:rPr>
-              <a:t>and </a:t>
-            </a:r>
-            <a:r>
-              <a:rPr lang="en-US" dirty="0" smtClean="0">
-                <a:solidFill>
-                  <a:schemeClr val="tx1">
-                    <a:lumMod val="90000"/>
-                    <a:lumOff val="10000"/>
-                  </a:schemeClr>
-                </a:solidFill>
-                <a:latin typeface="+mn-lt"/>
-                <a:cs typeface="Calibri Light"/>
-              </a:rPr>
-              <a:t>YANG</a:t>
+              <a:t>NETCONF and YANG</a:t>
             </a:r>
             <a:endParaRPr lang="en-US" dirty="0">
               <a:latin typeface="+mn-lt"/>
@@ -13125,12 +13088,6 @@
               </a:rPr>
               <a:t>NETCONF</a:t>
             </a:r>
-            <a:endParaRPr lang="en-US" sz="3200" dirty="0" smtClean="0">
-              <a:solidFill>
-                <a:srgbClr val="0F142A"/>
-              </a:solidFill>
-              <a:cs typeface="Calibri"/>
-            </a:endParaRPr>
           </a:p>
         </p:txBody>
       </p:sp>
@@ -13346,12 +13303,6 @@
               </a:rPr>
               <a:t>YANG </a:t>
             </a:r>
-            <a:endParaRPr lang="en-US" sz="3200" dirty="0" smtClean="0">
-              <a:solidFill>
-                <a:srgbClr val="0F142A"/>
-              </a:solidFill>
-              <a:cs typeface="Calibri"/>
-            </a:endParaRPr>
           </a:p>
         </p:txBody>
       </p:sp>
@@ -13418,10 +13369,10 @@
                 </a:solidFill>
                 <a:cs typeface="Calibri Light"/>
               </a:rPr>
-              <a:t>install</a:t>
-            </a:r>
-            <a:r>
-              <a:rPr lang="en-US" dirty="0" smtClean="0">
+              <a:t>install, manipulate</a:t>
+            </a:r>
+            <a:r>
+              <a:rPr lang="en-US" dirty="0">
                 <a:solidFill>
                   <a:schemeClr val="tx1">
                     <a:lumMod val="90000"/>
@@ -13430,10 +13381,10 @@
                 </a:solidFill>
                 <a:cs typeface="Calibri Light"/>
               </a:rPr>
-              <a:t>, manipulate</a:t>
-            </a:r>
-            <a:r>
-              <a:rPr lang="en-US" dirty="0">
+              <a:t>, and delete the configuration </a:t>
+            </a:r>
+            <a:r>
+              <a:rPr lang="en-US" dirty="0" smtClean="0">
                 <a:solidFill>
                   <a:schemeClr val="tx1">
                     <a:lumMod val="90000"/>
@@ -13442,10 +13393,10 @@
                 </a:solidFill>
                 <a:cs typeface="Calibri Light"/>
               </a:rPr>
-              <a:t>, and delete the configuration </a:t>
-            </a:r>
-            <a:r>
-              <a:rPr lang="en-US" dirty="0" smtClean="0">
+              <a:t>of </a:t>
+            </a:r>
+            <a:r>
+              <a:rPr lang="en-US" dirty="0">
                 <a:solidFill>
                   <a:schemeClr val="tx1">
                     <a:lumMod val="90000"/>
@@ -13454,10 +13405,10 @@
                 </a:solidFill>
                 <a:cs typeface="Calibri Light"/>
               </a:rPr>
-              <a:t>of </a:t>
-            </a:r>
-            <a:r>
-              <a:rPr lang="en-US" dirty="0">
+              <a:t>network </a:t>
+            </a:r>
+            <a:r>
+              <a:rPr lang="en-US" dirty="0" smtClean="0">
                 <a:solidFill>
                   <a:schemeClr val="tx1">
                     <a:lumMod val="90000"/>
@@ -13466,29 +13417,8 @@
                 </a:solidFill>
                 <a:cs typeface="Calibri Light"/>
               </a:rPr>
-              <a:t>network </a:t>
-            </a:r>
-            <a:r>
-              <a:rPr lang="en-US" dirty="0" smtClean="0">
-                <a:solidFill>
-                  <a:schemeClr val="tx1">
-                    <a:lumMod val="90000"/>
-                    <a:lumOff val="10000"/>
-                  </a:schemeClr>
-                </a:solidFill>
-                <a:cs typeface="Calibri Light"/>
-              </a:rPr>
               <a:t>devices</a:t>
             </a:r>
-            <a:endParaRPr lang="en-US" dirty="0" smtClean="0">
-              <a:solidFill>
-                <a:schemeClr val="tx1">
-                  <a:lumMod val="90000"/>
-                  <a:lumOff val="10000"/>
-                </a:schemeClr>
-              </a:solidFill>
-              <a:cs typeface="Calibri Light"/>
-            </a:endParaRPr>
           </a:p>
           <a:p>
             <a:pPr marL="457200" indent="-457200">
@@ -17174,20 +17104,7 @@
                 <a:latin typeface="+mn-lt"/>
                 <a:cs typeface="Calibri Light"/>
               </a:rPr>
-              <a:t>NETCONF </a:t>
-            </a:r>
-            <a:r>
-              <a:rPr lang="en-US" sz="4600" smtClean="0">
-                <a:solidFill>
-                  <a:schemeClr val="tx1">
-                    <a:lumMod val="90000"/>
-                    <a:lumOff val="10000"/>
-                  </a:schemeClr>
-                </a:solidFill>
-                <a:latin typeface="+mn-lt"/>
-                <a:cs typeface="Calibri Light"/>
-              </a:rPr>
-              <a:t>and YANG </a:t>
+              <a:t>NETCONF and YANG </a:t>
             </a:r>
             <a:r>
               <a:rPr lang="en-US" sz="4600" dirty="0" smtClean="0">

--- a/slides/module-1-overview.pptx
+++ b/slides/module-1-overview.pptx
@@ -34,7 +34,7 @@
   <p:sldSz cx="14630400" cy="8229600"/>
   <p:notesSz cx="6858000" cy="9144000"/>
   <p:custDataLst>
-    <p:tags r:id="rId26"/>
+    <p:tags r:id="rId25"/>
   </p:custDataLst>
   <p:defaultTextStyle>
     <a:defPPr>
@@ -131,6 +131,32 @@
       </a:defRPr>
     </a:lvl9pPr>
   </p:defaultTextStyle>
+  <p:extLst>
+    <p:ext uri="{EFAFB233-063F-42B5-8137-9DF3F51BA10A}">
+      <p15:sldGuideLst xmlns:p15="http://schemas.microsoft.com/office/powerpoint/2012/main">
+        <p15:guide id="1" orient="horz" pos="4368">
+          <p15:clr>
+            <a:srgbClr val="A4A3A4"/>
+          </p15:clr>
+        </p15:guide>
+        <p15:guide id="2" orient="horz" pos="3456">
+          <p15:clr>
+            <a:srgbClr val="A4A3A4"/>
+          </p15:clr>
+        </p15:guide>
+        <p15:guide id="3" orient="horz" pos="3312">
+          <p15:clr>
+            <a:srgbClr val="A4A3A4"/>
+          </p15:clr>
+        </p15:guide>
+        <p15:guide id="4" pos="4656">
+          <p15:clr>
+            <a:srgbClr val="A4A3A4"/>
+          </p15:clr>
+        </p15:guide>
+      </p15:sldGuideLst>
+    </p:ext>
+  </p:extLst>
 </p:presentation>
 </file>
 
@@ -216,7 +242,7 @@
           <a:p>
             <a:fld id="{56E592D9-FAC2-4174-B354-B1C57D4DE40F}" type="datetimeFigureOut">
               <a:rPr lang="en-US" smtClean="0"/>
-              <a:t>3/20/16</a:t>
+              <a:t>2/2/18</a:t>
             </a:fld>
             <a:endParaRPr lang="en-US"/>
           </a:p>
@@ -280,38 +306,37 @@
           <a:p>
             <a:pPr lvl="0"/>
             <a:r>
-              <a:rPr lang="en-US" smtClean="0"/>
+              <a:rPr lang="en-US"/>
               <a:t>Click to edit Master text styles</a:t>
             </a:r>
           </a:p>
           <a:p>
             <a:pPr lvl="1"/>
             <a:r>
-              <a:rPr lang="en-US" smtClean="0"/>
+              <a:rPr lang="en-US"/>
               <a:t>Second level</a:t>
             </a:r>
           </a:p>
           <a:p>
             <a:pPr lvl="2"/>
             <a:r>
-              <a:rPr lang="en-US" smtClean="0"/>
+              <a:rPr lang="en-US"/>
               <a:t>Third level</a:t>
             </a:r>
           </a:p>
           <a:p>
             <a:pPr lvl="3"/>
             <a:r>
-              <a:rPr lang="en-US" smtClean="0"/>
+              <a:rPr lang="en-US"/>
               <a:t>Fourth level</a:t>
             </a:r>
           </a:p>
           <a:p>
             <a:pPr lvl="4"/>
             <a:r>
-              <a:rPr lang="en-US" smtClean="0"/>
+              <a:rPr lang="en-US"/>
               <a:t>Fifth level</a:t>
             </a:r>
-            <a:endParaRPr lang="en-US"/>
           </a:p>
         </p:txBody>
       </p:sp>
@@ -618,95 +643,95 @@
           <a:lstStyle/>
           <a:p>
             <a:r>
-              <a:rPr lang="en-US" sz="1600" dirty="0" smtClean="0"/>
+              <a:rPr lang="en-US" sz="1600" dirty="0"/>
               <a:t>Everything must be configured manually from CLI</a:t>
             </a:r>
           </a:p>
           <a:p>
             <a:pPr lvl="1"/>
             <a:r>
-              <a:rPr lang="en-US" sz="1600" dirty="0" smtClean="0"/>
+              <a:rPr lang="en-US" sz="1600" dirty="0"/>
               <a:t>Manually configuring from Excel, Word or printed doc</a:t>
             </a:r>
           </a:p>
           <a:p>
             <a:r>
-              <a:rPr lang="en-US" sz="1600" dirty="0" smtClean="0"/>
+              <a:rPr lang="en-US" sz="1600" dirty="0"/>
               <a:t>All devices have a different syntax or configuration file</a:t>
             </a:r>
           </a:p>
           <a:p>
             <a:pPr lvl="1"/>
             <a:r>
-              <a:rPr lang="en-US" sz="1600" dirty="0" smtClean="0"/>
+              <a:rPr lang="en-US" sz="1600" dirty="0"/>
               <a:t>No common database schema</a:t>
             </a:r>
           </a:p>
           <a:p>
             <a:r>
-              <a:rPr lang="en-US" sz="1600" dirty="0" smtClean="0"/>
+              <a:rPr lang="en-US" sz="1600" dirty="0"/>
               <a:t>It is Hard to figure out what I can manage</a:t>
             </a:r>
           </a:p>
           <a:p>
             <a:pPr lvl="1"/>
             <a:r>
-              <a:rPr lang="en-US" sz="1600" dirty="0" smtClean="0"/>
+              <a:rPr lang="en-US" sz="1600" dirty="0"/>
               <a:t>No distinction between </a:t>
             </a:r>
             <a:r>
-              <a:rPr lang="en-US" sz="1600" dirty="0" err="1" smtClean="0"/>
+              <a:rPr lang="en-US" sz="1600" dirty="0" err="1"/>
               <a:t>config</a:t>
             </a:r>
             <a:r>
-              <a:rPr lang="en-US" sz="1600" dirty="0" smtClean="0"/>
+              <a:rPr lang="en-US" sz="1600" dirty="0"/>
               <a:t> and state data </a:t>
             </a:r>
           </a:p>
           <a:p>
             <a:r>
-              <a:rPr lang="en-US" sz="1600" dirty="0" smtClean="0"/>
+              <a:rPr lang="en-US" sz="1600" dirty="0"/>
               <a:t>I need to configure a service on the network not individual devices</a:t>
             </a:r>
           </a:p>
           <a:p>
             <a:pPr lvl="1"/>
             <a:r>
-              <a:rPr lang="en-US" sz="1600" dirty="0" smtClean="0"/>
+              <a:rPr lang="en-US" sz="1600" dirty="0"/>
               <a:t>Unable to configure multiple devices concurrently</a:t>
             </a:r>
           </a:p>
           <a:p>
             <a:r>
-              <a:rPr lang="en-US" sz="1600" dirty="0" smtClean="0"/>
+              <a:rPr lang="en-US" sz="1600" dirty="0"/>
               <a:t>If I find an error while configuring several devices, I must go back and reconfigure all devices back to the way they were</a:t>
             </a:r>
           </a:p>
           <a:p>
             <a:pPr lvl="1"/>
             <a:r>
-              <a:rPr lang="en-US" sz="1600" dirty="0" smtClean="0"/>
+              <a:rPr lang="en-US" sz="1600" dirty="0"/>
               <a:t>No </a:t>
             </a:r>
             <a:r>
-              <a:rPr lang="en-US" sz="1600" dirty="0" err="1" smtClean="0"/>
+              <a:rPr lang="en-US" sz="1600" dirty="0" err="1"/>
               <a:t>automantic</a:t>
             </a:r>
             <a:r>
-              <a:rPr lang="en-US" sz="1600" dirty="0" smtClean="0"/>
+              <a:rPr lang="en-US" sz="1600" dirty="0"/>
               <a:t> rollback if something fails</a:t>
             </a:r>
           </a:p>
           <a:p>
             <a:r>
-              <a:rPr lang="en-US" sz="1600" dirty="0" smtClean="0"/>
+              <a:rPr lang="en-US" sz="1600" dirty="0"/>
               <a:t>I cannot test a configuration before  implementing it</a:t>
             </a:r>
           </a:p>
           <a:p>
             <a:pPr lvl="1"/>
             <a:r>
-              <a:rPr lang="en-US" sz="1600" dirty="0" smtClean="0"/>
+              <a:rPr lang="en-US" sz="1600" dirty="0"/>
               <a:t>There is no sandbox to test or validate</a:t>
             </a:r>
           </a:p>
@@ -789,10 +814,9 @@
           <a:lstStyle/>
           <a:p>
             <a:r>
-              <a:rPr lang="en-US" smtClean="0"/>
+              <a:rPr lang="en-US"/>
               <a:t>Click to edit Master title style</a:t>
             </a:r>
-            <a:endParaRPr lang="en-US"/>
           </a:p>
         </p:txBody>
       </p:sp>
@@ -908,10 +932,9 @@
           </a:lstStyle>
           <a:p>
             <a:r>
-              <a:rPr lang="en-US" smtClean="0"/>
+              <a:rPr lang="en-US"/>
               <a:t>Click to edit Master subtitle style</a:t>
             </a:r>
-            <a:endParaRPr lang="en-US"/>
           </a:p>
         </p:txBody>
       </p:sp>
@@ -932,7 +955,7 @@
           <a:p>
             <a:fld id="{AD706CFD-827E-4D2E-A90D-56E23410CEDA}" type="datetimeFigureOut">
               <a:rPr lang="en-US" smtClean="0"/>
-              <a:t>3/20/16</a:t>
+              <a:t>2/2/18</a:t>
             </a:fld>
             <a:endParaRPr lang="en-US"/>
           </a:p>
@@ -990,13 +1013,6 @@
   <p:clrMapOvr>
     <a:masterClrMapping/>
   </p:clrMapOvr>
-  <p:timing>
-    <p:tnLst>
-      <p:par>
-        <p:cTn xmlns:p14="http://schemas.microsoft.com/office/powerpoint/2010/main" id="1" dur="indefinite" restart="never" nodeType="tmRoot"/>
-      </p:par>
-    </p:tnLst>
-  </p:timing>
 </p:sldLayout>
 </file>
 
@@ -1033,10 +1049,9 @@
           <a:lstStyle/>
           <a:p>
             <a:r>
-              <a:rPr lang="en-US" smtClean="0"/>
+              <a:rPr lang="en-US"/>
               <a:t>Click to edit Master title style</a:t>
             </a:r>
-            <a:endParaRPr lang="en-US"/>
           </a:p>
         </p:txBody>
       </p:sp>
@@ -1057,38 +1072,37 @@
           <a:p>
             <a:pPr lvl="0"/>
             <a:r>
-              <a:rPr lang="en-US" smtClean="0"/>
+              <a:rPr lang="en-US"/>
               <a:t>Click to edit Master text styles</a:t>
             </a:r>
           </a:p>
           <a:p>
             <a:pPr lvl="1"/>
             <a:r>
-              <a:rPr lang="en-US" smtClean="0"/>
+              <a:rPr lang="en-US"/>
               <a:t>Second level</a:t>
             </a:r>
           </a:p>
           <a:p>
             <a:pPr lvl="2"/>
             <a:r>
-              <a:rPr lang="en-US" smtClean="0"/>
+              <a:rPr lang="en-US"/>
               <a:t>Third level</a:t>
             </a:r>
           </a:p>
           <a:p>
             <a:pPr lvl="3"/>
             <a:r>
-              <a:rPr lang="en-US" smtClean="0"/>
+              <a:rPr lang="en-US"/>
               <a:t>Fourth level</a:t>
             </a:r>
           </a:p>
           <a:p>
             <a:pPr lvl="4"/>
             <a:r>
-              <a:rPr lang="en-US" smtClean="0"/>
+              <a:rPr lang="en-US"/>
               <a:t>Fifth level</a:t>
             </a:r>
-            <a:endParaRPr lang="en-US"/>
           </a:p>
         </p:txBody>
       </p:sp>
@@ -1109,7 +1123,7 @@
           <a:p>
             <a:fld id="{AD706CFD-827E-4D2E-A90D-56E23410CEDA}" type="datetimeFigureOut">
               <a:rPr lang="en-US" smtClean="0"/>
-              <a:t>3/20/16</a:t>
+              <a:t>2/2/18</a:t>
             </a:fld>
             <a:endParaRPr lang="en-US"/>
           </a:p>
@@ -1208,10 +1222,9 @@
           <a:lstStyle/>
           <a:p>
             <a:r>
-              <a:rPr lang="en-US" smtClean="0"/>
+              <a:rPr lang="en-US"/>
               <a:t>Click to edit Master title style</a:t>
             </a:r>
-            <a:endParaRPr lang="en-US"/>
           </a:p>
         </p:txBody>
       </p:sp>
@@ -1237,38 +1250,37 @@
           <a:p>
             <a:pPr lvl="0"/>
             <a:r>
-              <a:rPr lang="en-US" smtClean="0"/>
+              <a:rPr lang="en-US"/>
               <a:t>Click to edit Master text styles</a:t>
             </a:r>
           </a:p>
           <a:p>
             <a:pPr lvl="1"/>
             <a:r>
-              <a:rPr lang="en-US" smtClean="0"/>
+              <a:rPr lang="en-US"/>
               <a:t>Second level</a:t>
             </a:r>
           </a:p>
           <a:p>
             <a:pPr lvl="2"/>
             <a:r>
-              <a:rPr lang="en-US" smtClean="0"/>
+              <a:rPr lang="en-US"/>
               <a:t>Third level</a:t>
             </a:r>
           </a:p>
           <a:p>
             <a:pPr lvl="3"/>
             <a:r>
-              <a:rPr lang="en-US" smtClean="0"/>
+              <a:rPr lang="en-US"/>
               <a:t>Fourth level</a:t>
             </a:r>
           </a:p>
           <a:p>
             <a:pPr lvl="4"/>
             <a:r>
-              <a:rPr lang="en-US" smtClean="0"/>
+              <a:rPr lang="en-US"/>
               <a:t>Fifth level</a:t>
             </a:r>
-            <a:endParaRPr lang="en-US"/>
           </a:p>
         </p:txBody>
       </p:sp>
@@ -1289,7 +1301,7 @@
           <a:p>
             <a:fld id="{AD706CFD-827E-4D2E-A90D-56E23410CEDA}" type="datetimeFigureOut">
               <a:rPr lang="en-US" smtClean="0"/>
-              <a:t>3/20/16</a:t>
+              <a:t>2/2/18</a:t>
             </a:fld>
             <a:endParaRPr lang="en-US"/>
           </a:p>
@@ -1389,10 +1401,9 @@
           </a:lstStyle>
           <a:p>
             <a:r>
-              <a:rPr lang="en-US" dirty="0" smtClean="0"/>
+              <a:rPr lang="en-US" dirty="0"/>
               <a:t>Click to edit Master title style</a:t>
             </a:r>
-            <a:endParaRPr lang="en-US" dirty="0"/>
           </a:p>
         </p:txBody>
       </p:sp>
@@ -1429,38 +1440,37 @@
           <a:p>
             <a:pPr lvl="0"/>
             <a:r>
-              <a:rPr lang="en-US" dirty="0" smtClean="0"/>
+              <a:rPr lang="en-US" dirty="0"/>
               <a:t>Click to edit Master text styles</a:t>
             </a:r>
           </a:p>
           <a:p>
             <a:pPr lvl="1"/>
             <a:r>
-              <a:rPr lang="en-US" dirty="0" smtClean="0"/>
+              <a:rPr lang="en-US" dirty="0"/>
               <a:t>Second level</a:t>
             </a:r>
           </a:p>
           <a:p>
             <a:pPr lvl="2"/>
             <a:r>
-              <a:rPr lang="en-US" dirty="0" smtClean="0"/>
+              <a:rPr lang="en-US" dirty="0"/>
               <a:t>Third level</a:t>
             </a:r>
           </a:p>
           <a:p>
             <a:pPr lvl="3"/>
             <a:r>
-              <a:rPr lang="en-US" dirty="0" smtClean="0"/>
+              <a:rPr lang="en-US" dirty="0"/>
               <a:t>Fourth level</a:t>
             </a:r>
           </a:p>
           <a:p>
             <a:pPr lvl="4"/>
             <a:r>
-              <a:rPr lang="en-US" dirty="0" smtClean="0"/>
+              <a:rPr lang="en-US" dirty="0"/>
               <a:t>Fifth level</a:t>
             </a:r>
-            <a:endParaRPr lang="en-US" dirty="0"/>
           </a:p>
         </p:txBody>
       </p:sp>
@@ -1481,7 +1491,7 @@
           <a:p>
             <a:fld id="{AD706CFD-827E-4D2E-A90D-56E23410CEDA}" type="datetimeFigureOut">
               <a:rPr lang="en-US" smtClean="0"/>
-              <a:t>3/20/16</a:t>
+              <a:t>2/2/18</a:t>
             </a:fld>
             <a:endParaRPr lang="en-US"/>
           </a:p>
@@ -1539,13 +1549,6 @@
   <p:clrMapOvr>
     <a:masterClrMapping/>
   </p:clrMapOvr>
-  <p:timing>
-    <p:tnLst>
-      <p:par>
-        <p:cTn xmlns:p14="http://schemas.microsoft.com/office/powerpoint/2010/main" id="1" dur="indefinite" restart="never" nodeType="tmRoot"/>
-      </p:par>
-    </p:tnLst>
-  </p:timing>
 </p:sldLayout>
 </file>
 
@@ -1591,10 +1594,9 @@
           </a:lstStyle>
           <a:p>
             <a:r>
-              <a:rPr lang="en-US" smtClean="0"/>
+              <a:rPr lang="en-US"/>
               <a:t>Click to edit Master title style</a:t>
             </a:r>
-            <a:endParaRPr lang="en-US"/>
           </a:p>
         </p:txBody>
       </p:sp>
@@ -1711,7 +1713,7 @@
           <a:p>
             <a:pPr lvl="0"/>
             <a:r>
-              <a:rPr lang="en-US" smtClean="0"/>
+              <a:rPr lang="en-US"/>
               <a:t>Click to edit Master text styles</a:t>
             </a:r>
           </a:p>
@@ -1734,7 +1736,7 @@
           <a:p>
             <a:fld id="{AD706CFD-827E-4D2E-A90D-56E23410CEDA}" type="datetimeFigureOut">
               <a:rPr lang="en-US" smtClean="0"/>
-              <a:t>3/20/16</a:t>
+              <a:t>2/2/18</a:t>
             </a:fld>
             <a:endParaRPr lang="en-US"/>
           </a:p>
@@ -1828,10 +1830,9 @@
           <a:lstStyle/>
           <a:p>
             <a:r>
-              <a:rPr lang="en-US" smtClean="0"/>
+              <a:rPr lang="en-US"/>
               <a:t>Click to edit Master title style</a:t>
             </a:r>
-            <a:endParaRPr lang="en-US"/>
           </a:p>
         </p:txBody>
       </p:sp>
@@ -1885,38 +1886,37 @@
           <a:p>
             <a:pPr lvl="0"/>
             <a:r>
-              <a:rPr lang="en-US" smtClean="0"/>
+              <a:rPr lang="en-US"/>
               <a:t>Click to edit Master text styles</a:t>
             </a:r>
           </a:p>
           <a:p>
             <a:pPr lvl="1"/>
             <a:r>
-              <a:rPr lang="en-US" smtClean="0"/>
+              <a:rPr lang="en-US"/>
               <a:t>Second level</a:t>
             </a:r>
           </a:p>
           <a:p>
             <a:pPr lvl="2"/>
             <a:r>
-              <a:rPr lang="en-US" smtClean="0"/>
+              <a:rPr lang="en-US"/>
               <a:t>Third level</a:t>
             </a:r>
           </a:p>
           <a:p>
             <a:pPr lvl="3"/>
             <a:r>
-              <a:rPr lang="en-US" smtClean="0"/>
+              <a:rPr lang="en-US"/>
               <a:t>Fourth level</a:t>
             </a:r>
           </a:p>
           <a:p>
             <a:pPr lvl="4"/>
             <a:r>
-              <a:rPr lang="en-US" smtClean="0"/>
+              <a:rPr lang="en-US"/>
               <a:t>Fifth level</a:t>
             </a:r>
-            <a:endParaRPr lang="en-US"/>
           </a:p>
         </p:txBody>
       </p:sp>
@@ -1970,38 +1970,37 @@
           <a:p>
             <a:pPr lvl="0"/>
             <a:r>
-              <a:rPr lang="en-US" smtClean="0"/>
+              <a:rPr lang="en-US"/>
               <a:t>Click to edit Master text styles</a:t>
             </a:r>
           </a:p>
           <a:p>
             <a:pPr lvl="1"/>
             <a:r>
-              <a:rPr lang="en-US" smtClean="0"/>
+              <a:rPr lang="en-US"/>
               <a:t>Second level</a:t>
             </a:r>
           </a:p>
           <a:p>
             <a:pPr lvl="2"/>
             <a:r>
-              <a:rPr lang="en-US" smtClean="0"/>
+              <a:rPr lang="en-US"/>
               <a:t>Third level</a:t>
             </a:r>
           </a:p>
           <a:p>
             <a:pPr lvl="3"/>
             <a:r>
-              <a:rPr lang="en-US" smtClean="0"/>
+              <a:rPr lang="en-US"/>
               <a:t>Fourth level</a:t>
             </a:r>
           </a:p>
           <a:p>
             <a:pPr lvl="4"/>
             <a:r>
-              <a:rPr lang="en-US" smtClean="0"/>
+              <a:rPr lang="en-US"/>
               <a:t>Fifth level</a:t>
             </a:r>
-            <a:endParaRPr lang="en-US"/>
           </a:p>
         </p:txBody>
       </p:sp>
@@ -2022,7 +2021,7 @@
           <a:p>
             <a:fld id="{AD706CFD-827E-4D2E-A90D-56E23410CEDA}" type="datetimeFigureOut">
               <a:rPr lang="en-US" smtClean="0"/>
-              <a:t>3/20/16</a:t>
+              <a:t>2/2/18</a:t>
             </a:fld>
             <a:endParaRPr lang="en-US"/>
           </a:p>
@@ -2125,10 +2124,9 @@
           </a:lstStyle>
           <a:p>
             <a:r>
-              <a:rPr lang="en-US" smtClean="0"/>
+              <a:rPr lang="en-US"/>
               <a:t>Click to edit Master title style</a:t>
             </a:r>
-            <a:endParaRPr lang="en-US"/>
           </a:p>
         </p:txBody>
       </p:sp>
@@ -2191,7 +2189,7 @@
           <a:p>
             <a:pPr lvl="0"/>
             <a:r>
-              <a:rPr lang="en-US" smtClean="0"/>
+              <a:rPr lang="en-US"/>
               <a:t>Click to edit Master text styles</a:t>
             </a:r>
           </a:p>
@@ -2247,38 +2245,37 @@
           <a:p>
             <a:pPr lvl="0"/>
             <a:r>
-              <a:rPr lang="en-US" smtClean="0"/>
+              <a:rPr lang="en-US"/>
               <a:t>Click to edit Master text styles</a:t>
             </a:r>
           </a:p>
           <a:p>
             <a:pPr lvl="1"/>
             <a:r>
-              <a:rPr lang="en-US" smtClean="0"/>
+              <a:rPr lang="en-US"/>
               <a:t>Second level</a:t>
             </a:r>
           </a:p>
           <a:p>
             <a:pPr lvl="2"/>
             <a:r>
-              <a:rPr lang="en-US" smtClean="0"/>
+              <a:rPr lang="en-US"/>
               <a:t>Third level</a:t>
             </a:r>
           </a:p>
           <a:p>
             <a:pPr lvl="3"/>
             <a:r>
-              <a:rPr lang="en-US" smtClean="0"/>
+              <a:rPr lang="en-US"/>
               <a:t>Fourth level</a:t>
             </a:r>
           </a:p>
           <a:p>
             <a:pPr lvl="4"/>
             <a:r>
-              <a:rPr lang="en-US" smtClean="0"/>
+              <a:rPr lang="en-US"/>
               <a:t>Fifth level</a:t>
             </a:r>
-            <a:endParaRPr lang="en-US"/>
           </a:p>
         </p:txBody>
       </p:sp>
@@ -2341,7 +2338,7 @@
           <a:p>
             <a:pPr lvl="0"/>
             <a:r>
-              <a:rPr lang="en-US" smtClean="0"/>
+              <a:rPr lang="en-US"/>
               <a:t>Click to edit Master text styles</a:t>
             </a:r>
           </a:p>
@@ -2397,38 +2394,37 @@
           <a:p>
             <a:pPr lvl="0"/>
             <a:r>
-              <a:rPr lang="en-US" smtClean="0"/>
+              <a:rPr lang="en-US"/>
               <a:t>Click to edit Master text styles</a:t>
             </a:r>
           </a:p>
           <a:p>
             <a:pPr lvl="1"/>
             <a:r>
-              <a:rPr lang="en-US" smtClean="0"/>
+              <a:rPr lang="en-US"/>
               <a:t>Second level</a:t>
             </a:r>
           </a:p>
           <a:p>
             <a:pPr lvl="2"/>
             <a:r>
-              <a:rPr lang="en-US" smtClean="0"/>
+              <a:rPr lang="en-US"/>
               <a:t>Third level</a:t>
             </a:r>
           </a:p>
           <a:p>
             <a:pPr lvl="3"/>
             <a:r>
-              <a:rPr lang="en-US" smtClean="0"/>
+              <a:rPr lang="en-US"/>
               <a:t>Fourth level</a:t>
             </a:r>
           </a:p>
           <a:p>
             <a:pPr lvl="4"/>
             <a:r>
-              <a:rPr lang="en-US" smtClean="0"/>
+              <a:rPr lang="en-US"/>
               <a:t>Fifth level</a:t>
             </a:r>
-            <a:endParaRPr lang="en-US"/>
           </a:p>
         </p:txBody>
       </p:sp>
@@ -2449,7 +2445,7 @@
           <a:p>
             <a:fld id="{AD706CFD-827E-4D2E-A90D-56E23410CEDA}" type="datetimeFigureOut">
               <a:rPr lang="en-US" smtClean="0"/>
-              <a:t>3/20/16</a:t>
+              <a:t>2/2/18</a:t>
             </a:fld>
             <a:endParaRPr lang="en-US"/>
           </a:p>
@@ -2543,10 +2539,9 @@
           <a:lstStyle/>
           <a:p>
             <a:r>
-              <a:rPr lang="en-US" smtClean="0"/>
+              <a:rPr lang="en-US"/>
               <a:t>Click to edit Master title style</a:t>
             </a:r>
-            <a:endParaRPr lang="en-US"/>
           </a:p>
         </p:txBody>
       </p:sp>
@@ -2567,7 +2562,7 @@
           <a:p>
             <a:fld id="{AD706CFD-827E-4D2E-A90D-56E23410CEDA}" type="datetimeFigureOut">
               <a:rPr lang="en-US" smtClean="0"/>
-              <a:t>3/20/16</a:t>
+              <a:t>2/2/18</a:t>
             </a:fld>
             <a:endParaRPr lang="en-US"/>
           </a:p>
@@ -2625,13 +2620,6 @@
   <p:clrMapOvr>
     <a:masterClrMapping/>
   </p:clrMapOvr>
-  <p:timing>
-    <p:tnLst>
-      <p:par>
-        <p:cTn xmlns:p14="http://schemas.microsoft.com/office/powerpoint/2010/main" id="1" dur="indefinite" restart="never" nodeType="tmRoot"/>
-      </p:par>
-    </p:tnLst>
-  </p:timing>
 </p:sldLayout>
 </file>
 
@@ -2669,7 +2657,7 @@
           <a:p>
             <a:fld id="{AD706CFD-827E-4D2E-A90D-56E23410CEDA}" type="datetimeFigureOut">
               <a:rPr lang="en-US" smtClean="0"/>
-              <a:t>3/20/16</a:t>
+              <a:t>2/2/18</a:t>
             </a:fld>
             <a:endParaRPr lang="en-US"/>
           </a:p>
@@ -2772,10 +2760,9 @@
           </a:lstStyle>
           <a:p>
             <a:r>
-              <a:rPr lang="en-US" smtClean="0"/>
+              <a:rPr lang="en-US"/>
               <a:t>Click to edit Master title style</a:t>
             </a:r>
-            <a:endParaRPr lang="en-US"/>
           </a:p>
         </p:txBody>
       </p:sp>
@@ -2829,38 +2816,37 @@
           <a:p>
             <a:pPr lvl="0"/>
             <a:r>
-              <a:rPr lang="en-US" smtClean="0"/>
+              <a:rPr lang="en-US"/>
               <a:t>Click to edit Master text styles</a:t>
             </a:r>
           </a:p>
           <a:p>
             <a:pPr lvl="1"/>
             <a:r>
-              <a:rPr lang="en-US" smtClean="0"/>
+              <a:rPr lang="en-US"/>
               <a:t>Second level</a:t>
             </a:r>
           </a:p>
           <a:p>
             <a:pPr lvl="2"/>
             <a:r>
-              <a:rPr lang="en-US" smtClean="0"/>
+              <a:rPr lang="en-US"/>
               <a:t>Third level</a:t>
             </a:r>
           </a:p>
           <a:p>
             <a:pPr lvl="3"/>
             <a:r>
-              <a:rPr lang="en-US" smtClean="0"/>
+              <a:rPr lang="en-US"/>
               <a:t>Fourth level</a:t>
             </a:r>
           </a:p>
           <a:p>
             <a:pPr lvl="4"/>
             <a:r>
-              <a:rPr lang="en-US" smtClean="0"/>
+              <a:rPr lang="en-US"/>
               <a:t>Fifth level</a:t>
             </a:r>
-            <a:endParaRPr lang="en-US"/>
           </a:p>
         </p:txBody>
       </p:sp>
@@ -2923,7 +2909,7 @@
           <a:p>
             <a:pPr lvl="0"/>
             <a:r>
-              <a:rPr lang="en-US" smtClean="0"/>
+              <a:rPr lang="en-US"/>
               <a:t>Click to edit Master text styles</a:t>
             </a:r>
           </a:p>
@@ -2946,7 +2932,7 @@
           <a:p>
             <a:fld id="{AD706CFD-827E-4D2E-A90D-56E23410CEDA}" type="datetimeFigureOut">
               <a:rPr lang="en-US" smtClean="0"/>
-              <a:t>3/20/16</a:t>
+              <a:t>2/2/18</a:t>
             </a:fld>
             <a:endParaRPr lang="en-US"/>
           </a:p>
@@ -3049,10 +3035,9 @@
           </a:lstStyle>
           <a:p>
             <a:r>
-              <a:rPr lang="en-US" smtClean="0"/>
+              <a:rPr lang="en-US"/>
               <a:t>Click to edit Master title style</a:t>
             </a:r>
-            <a:endParaRPr lang="en-US"/>
           </a:p>
         </p:txBody>
       </p:sp>
@@ -3176,7 +3161,7 @@
           <a:p>
             <a:pPr lvl="0"/>
             <a:r>
-              <a:rPr lang="en-US" smtClean="0"/>
+              <a:rPr lang="en-US"/>
               <a:t>Click to edit Master text styles</a:t>
             </a:r>
           </a:p>
@@ -3199,7 +3184,7 @@
           <a:p>
             <a:fld id="{AD706CFD-827E-4D2E-A90D-56E23410CEDA}" type="datetimeFigureOut">
               <a:rPr lang="en-US" smtClean="0"/>
-              <a:t>3/20/16</a:t>
+              <a:t>2/2/18</a:t>
             </a:fld>
             <a:endParaRPr lang="en-US"/>
           </a:p>
@@ -3308,10 +3293,9 @@
           <a:lstStyle/>
           <a:p>
             <a:r>
-              <a:rPr lang="en-US" dirty="0" smtClean="0"/>
+              <a:rPr lang="en-US" dirty="0"/>
               <a:t>Click to edit Master title style</a:t>
             </a:r>
-            <a:endParaRPr lang="en-US" dirty="0"/>
           </a:p>
         </p:txBody>
       </p:sp>
@@ -3342,38 +3326,37 @@
           <a:p>
             <a:pPr lvl="0"/>
             <a:r>
-              <a:rPr lang="en-US" dirty="0" smtClean="0"/>
+              <a:rPr lang="en-US" dirty="0"/>
               <a:t>Click to edit Master text styles</a:t>
             </a:r>
           </a:p>
           <a:p>
             <a:pPr lvl="1"/>
             <a:r>
-              <a:rPr lang="en-US" dirty="0" smtClean="0"/>
+              <a:rPr lang="en-US" dirty="0"/>
               <a:t>Second level</a:t>
             </a:r>
           </a:p>
           <a:p>
             <a:pPr lvl="2"/>
             <a:r>
-              <a:rPr lang="en-US" dirty="0" smtClean="0"/>
+              <a:rPr lang="en-US" dirty="0"/>
               <a:t>Third level</a:t>
             </a:r>
           </a:p>
           <a:p>
             <a:pPr lvl="3"/>
             <a:r>
-              <a:rPr lang="en-US" dirty="0" smtClean="0"/>
+              <a:rPr lang="en-US" dirty="0"/>
               <a:t>Fourth level</a:t>
             </a:r>
           </a:p>
           <a:p>
             <a:pPr lvl="4"/>
             <a:r>
-              <a:rPr lang="en-US" dirty="0" smtClean="0"/>
+              <a:rPr lang="en-US" dirty="0"/>
               <a:t>Fifth level</a:t>
             </a:r>
-            <a:endParaRPr lang="en-US" dirty="0"/>
           </a:p>
         </p:txBody>
       </p:sp>
@@ -3412,7 +3395,7 @@
           <a:p>
             <a:fld id="{AD706CFD-827E-4D2E-A90D-56E23410CEDA}" type="datetimeFigureOut">
               <a:rPr lang="en-US" smtClean="0"/>
-              <a:t>3/20/16</a:t>
+              <a:t>2/2/18</a:t>
             </a:fld>
             <a:endParaRPr lang="en-US"/>
           </a:p>
@@ -3517,13 +3500,6 @@
     <p:sldLayoutId id="2147483658" r:id="rId10"/>
     <p:sldLayoutId id="2147483659" r:id="rId11"/>
   </p:sldLayoutIdLst>
-  <p:timing>
-    <p:tnLst>
-      <p:par>
-        <p:cTn xmlns:p14="http://schemas.microsoft.com/office/powerpoint/2010/main" id="1" dur="indefinite" restart="never" nodeType="tmRoot"/>
-      </p:par>
-    </p:tnLst>
-  </p:timing>
   <p:txStyles>
     <p:titleStyle>
       <a:lvl1pPr algn="l" defTabSz="1374983" rtl="0" eaLnBrk="1" latinLnBrk="0" hangingPunct="1">
@@ -3847,7 +3823,7 @@
           <a:lstStyle/>
           <a:p>
             <a:r>
-              <a:rPr lang="en-US" sz="9600" b="1" dirty="0" smtClean="0">
+              <a:rPr lang="en-US" sz="9600" b="1" dirty="0">
                 <a:solidFill>
                   <a:schemeClr val="bg1">
                     <a:lumMod val="95000"/>
@@ -3858,15 +3834,6 @@
               </a:rPr>
               <a:t>NETCONF / YANG </a:t>
             </a:r>
-            <a:endParaRPr lang="en-US" sz="9600" b="1" dirty="0">
-              <a:solidFill>
-                <a:schemeClr val="bg1">
-                  <a:lumMod val="95000"/>
-                </a:schemeClr>
-              </a:solidFill>
-              <a:latin typeface="Arial"/>
-              <a:cs typeface="Arial"/>
-            </a:endParaRPr>
           </a:p>
         </p:txBody>
       </p:sp>
@@ -3900,7 +3867,7 @@
           <a:lstStyle/>
           <a:p>
             <a:r>
-              <a:rPr lang="en-US" sz="6000" dirty="0" smtClean="0">
+              <a:rPr lang="en-US" sz="6000" dirty="0">
                 <a:solidFill>
                   <a:schemeClr val="bg1">
                     <a:lumMod val="95000"/>
@@ -3911,15 +3878,6 @@
               </a:rPr>
               <a:t>Overview</a:t>
             </a:r>
-            <a:endParaRPr lang="en-US" sz="6000" dirty="0">
-              <a:solidFill>
-                <a:schemeClr val="bg1">
-                  <a:lumMod val="95000"/>
-                </a:schemeClr>
-              </a:solidFill>
-              <a:latin typeface="Arial"/>
-              <a:cs typeface="Arial"/>
-            </a:endParaRPr>
           </a:p>
         </p:txBody>
       </p:sp>
@@ -4034,7 +3992,7 @@
           <a:p>
             <a:pPr algn="ctr"/>
             <a:r>
-              <a:rPr lang="en-US" dirty="0" smtClean="0">
+              <a:rPr lang="en-US" dirty="0">
                 <a:solidFill>
                   <a:schemeClr val="bg1">
                     <a:lumMod val="95000"/>
@@ -4043,13 +4001,6 @@
               </a:rPr>
               <a:t>a</a:t>
             </a:r>
-            <a:endParaRPr lang="en-US" dirty="0">
-              <a:solidFill>
-                <a:schemeClr val="bg1">
-                  <a:lumMod val="95000"/>
-                </a:schemeClr>
-              </a:solidFill>
-            </a:endParaRPr>
           </a:p>
         </p:txBody>
       </p:sp>
@@ -4063,13 +4014,6 @@
   <p:clrMapOvr>
     <a:masterClrMapping/>
   </p:clrMapOvr>
-  <p:timing>
-    <p:tnLst>
-      <p:par>
-        <p:cTn xmlns:p14="http://schemas.microsoft.com/office/powerpoint/2010/main" id="1" dur="indefinite" restart="never" nodeType="tmRoot"/>
-      </p:par>
-    </p:tnLst>
-  </p:timing>
 </p:sld>
 </file>
 
@@ -4108,7 +4052,7 @@
           <a:lstStyle/>
           <a:p>
             <a:r>
-              <a:rPr lang="en-US" sz="4600" dirty="0" smtClean="0">
+              <a:rPr lang="en-US" sz="4600" dirty="0">
                 <a:solidFill>
                   <a:schemeClr val="tx1">
                     <a:lumMod val="90000"/>
@@ -4120,16 +4064,6 @@
               </a:rPr>
               <a:t>NETCONF Operations</a:t>
             </a:r>
-            <a:endParaRPr lang="en-US" sz="4600" dirty="0">
-              <a:solidFill>
-                <a:schemeClr val="tx1">
-                  <a:lumMod val="90000"/>
-                  <a:lumOff val="10000"/>
-                </a:schemeClr>
-              </a:solidFill>
-              <a:latin typeface="+mn-lt"/>
-              <a:cs typeface="Calibri Light"/>
-            </a:endParaRPr>
           </a:p>
         </p:txBody>
       </p:sp>
@@ -4163,7 +4097,7 @@
               <a:buChar char="•"/>
             </a:pPr>
             <a:r>
-              <a:rPr lang="en-US" sz="3200" dirty="0" smtClean="0">
+              <a:rPr lang="en-US" sz="3200" dirty="0">
                 <a:solidFill>
                   <a:schemeClr val="tx1">
                     <a:lumMod val="90000"/>
@@ -4184,7 +4118,7 @@
               <a:buChar char="•"/>
             </a:pPr>
             <a:r>
-              <a:rPr lang="en-US" sz="3200" dirty="0" smtClean="0">
+              <a:rPr lang="en-US" sz="3200" dirty="0">
                 <a:solidFill>
                   <a:schemeClr val="tx1">
                     <a:lumMod val="90000"/>
@@ -4195,15 +4129,6 @@
               </a:rPr>
               <a:t>Additional Operations (Capabilities)</a:t>
             </a:r>
-            <a:endParaRPr lang="en-US" sz="3200" dirty="0">
-              <a:solidFill>
-                <a:schemeClr val="tx1">
-                  <a:lumMod val="90000"/>
-                  <a:lumOff val="10000"/>
-                </a:schemeClr>
-              </a:solidFill>
-              <a:cs typeface="Calibri Light"/>
-            </a:endParaRPr>
           </a:p>
         </p:txBody>
       </p:sp>
@@ -4312,20 +4237,7 @@
                 <a:latin typeface="Courier"/>
                 <a:cs typeface="Courier"/>
               </a:rPr>
-              <a:t>="urn:ietf:params:xml:ns:netconf:base:</a:t>
-            </a:r>
-            <a:r>
-              <a:rPr lang="en-US" sz="2000" dirty="0" smtClean="0">
-                <a:solidFill>
-                  <a:schemeClr val="tx1">
-                    <a:lumMod val="90000"/>
-                    <a:lumOff val="10000"/>
-                  </a:schemeClr>
-                </a:solidFill>
-                <a:latin typeface="Courier"/>
-                <a:cs typeface="Courier"/>
-              </a:rPr>
-              <a:t>1.0"&gt;</a:t>
+              <a:t>="urn:ietf:params:xml:ns:netconf:base:1.0"&gt;</a:t>
             </a:r>
           </a:p>
           <a:p>
@@ -4339,7 +4251,7 @@
               </a:tabLst>
             </a:pPr>
             <a:r>
-              <a:rPr lang="en-US" sz="2000" b="1" dirty="0" smtClean="0">
+              <a:rPr lang="en-US" sz="2000" b="1" dirty="0">
                 <a:solidFill>
                   <a:schemeClr val="tx1">
                     <a:lumMod val="90000"/>
@@ -4352,7 +4264,7 @@
               <a:t>&lt;get-</a:t>
             </a:r>
             <a:r>
-              <a:rPr lang="en-US" sz="2000" b="1" dirty="0" err="1" smtClean="0">
+              <a:rPr lang="en-US" sz="2000" b="1" dirty="0" err="1">
                 <a:solidFill>
                   <a:schemeClr val="tx1">
                     <a:lumMod val="90000"/>
@@ -4365,7 +4277,7 @@
               <a:t>config</a:t>
             </a:r>
             <a:r>
-              <a:rPr lang="en-US" sz="2000" b="1" dirty="0" smtClean="0">
+              <a:rPr lang="en-US" sz="2000" b="1" dirty="0">
                 <a:solidFill>
                   <a:schemeClr val="tx1">
                     <a:lumMod val="90000"/>
@@ -4389,7 +4301,7 @@
               </a:tabLst>
             </a:pPr>
             <a:r>
-              <a:rPr lang="en-US" sz="2000" dirty="0" smtClean="0">
+              <a:rPr lang="en-US" sz="2000" dirty="0">
                 <a:solidFill>
                   <a:schemeClr val="tx1">
                     <a:lumMod val="90000"/>
@@ -4399,20 +4311,7 @@
                 <a:latin typeface="Courier"/>
                 <a:cs typeface="Courier"/>
               </a:rPr>
-              <a:t>&lt;</a:t>
-            </a:r>
-            <a:r>
-              <a:rPr lang="en-US" sz="2000" dirty="0">
-                <a:solidFill>
-                  <a:schemeClr val="tx1">
-                    <a:lumMod val="90000"/>
-                    <a:lumOff val="10000"/>
-                  </a:schemeClr>
-                </a:solidFill>
-                <a:latin typeface="Courier"/>
-                <a:cs typeface="Courier"/>
-              </a:rPr>
-              <a:t>source&gt;</a:t>
+              <a:t>&lt;source&gt;</a:t>
             </a:r>
           </a:p>
           <a:p>
@@ -4426,7 +4325,7 @@
               </a:tabLst>
             </a:pPr>
             <a:r>
-              <a:rPr lang="en-US" sz="2000" dirty="0" smtClean="0">
+              <a:rPr lang="en-US" sz="2000" dirty="0">
                 <a:solidFill>
                   <a:schemeClr val="tx1">
                     <a:lumMod val="90000"/>
@@ -4436,20 +4335,7 @@
                 <a:latin typeface="Courier"/>
                 <a:cs typeface="Courier"/>
               </a:rPr>
-              <a:t>	&lt;</a:t>
-            </a:r>
-            <a:r>
-              <a:rPr lang="en-US" sz="2000" dirty="0">
-                <a:solidFill>
-                  <a:schemeClr val="tx1">
-                    <a:lumMod val="90000"/>
-                    <a:lumOff val="10000"/>
-                  </a:schemeClr>
-                </a:solidFill>
-                <a:latin typeface="Courier"/>
-                <a:cs typeface="Courier"/>
-              </a:rPr>
-              <a:t>running/&gt;</a:t>
+              <a:t>	&lt;running/&gt;</a:t>
             </a:r>
           </a:p>
           <a:p>
@@ -4473,20 +4359,7 @@
                 <a:latin typeface="Courier"/>
                 <a:cs typeface="Courier"/>
               </a:rPr>
-              <a:t>&lt;/source</a:t>
-            </a:r>
-            <a:r>
-              <a:rPr lang="en-US" sz="2000" dirty="0" smtClean="0">
-                <a:solidFill>
-                  <a:schemeClr val="tx1">
-                    <a:lumMod val="90000"/>
-                    <a:lumOff val="10000"/>
-                  </a:schemeClr>
-                </a:solidFill>
-                <a:latin typeface="Courier"/>
-                <a:cs typeface="Courier"/>
-              </a:rPr>
-              <a:t>&gt;</a:t>
+              <a:t>&lt;/source&gt;</a:t>
             </a:r>
           </a:p>
           <a:p>
@@ -4500,7 +4373,7 @@
               </a:tabLst>
             </a:pPr>
             <a:r>
-              <a:rPr lang="en-US" sz="2000" b="1" dirty="0" smtClean="0">
+              <a:rPr lang="en-US" sz="2000" b="1" dirty="0">
                 <a:solidFill>
                   <a:schemeClr val="tx1">
                     <a:lumMod val="90000"/>
@@ -4513,7 +4386,7 @@
               <a:t>&lt;/get-</a:t>
             </a:r>
             <a:r>
-              <a:rPr lang="en-US" sz="2000" b="1" dirty="0" err="1" smtClean="0">
+              <a:rPr lang="en-US" sz="2000" b="1" dirty="0" err="1">
                 <a:solidFill>
                   <a:schemeClr val="tx1">
                     <a:lumMod val="90000"/>
@@ -4526,7 +4399,7 @@
               <a:t>config</a:t>
             </a:r>
             <a:r>
-              <a:rPr lang="en-US" sz="2000" b="1" dirty="0" smtClean="0">
+              <a:rPr lang="en-US" sz="2000" b="1" dirty="0">
                 <a:solidFill>
                   <a:schemeClr val="tx1">
                     <a:lumMod val="90000"/>
@@ -4550,7 +4423,7 @@
               </a:tabLst>
             </a:pPr>
             <a:r>
-              <a:rPr lang="en-US" sz="2000" dirty="0" smtClean="0">
+              <a:rPr lang="en-US" sz="2000" dirty="0">
                 <a:solidFill>
                   <a:schemeClr val="tx1">
                     <a:lumMod val="90000"/>
@@ -4560,20 +4433,7 @@
                 <a:latin typeface="Courier"/>
                 <a:cs typeface="Courier"/>
               </a:rPr>
-              <a:t>&lt;</a:t>
-            </a:r>
-            <a:r>
-              <a:rPr lang="en-US" sz="2000" dirty="0">
-                <a:solidFill>
-                  <a:schemeClr val="tx1">
-                    <a:lumMod val="90000"/>
-                    <a:lumOff val="10000"/>
-                  </a:schemeClr>
-                </a:solidFill>
-                <a:latin typeface="Courier"/>
-                <a:cs typeface="Courier"/>
-              </a:rPr>
-              <a:t>/</a:t>
+              <a:t>&lt;/</a:t>
             </a:r>
             <a:r>
               <a:rPr lang="en-US" sz="2000" dirty="0" err="1">
@@ -4674,7 +4534,7 @@
                 <a:defRPr/>
               </a:pPr>
               <a:r>
-                <a:rPr kumimoji="0" lang="en-US" sz="2400" b="0" i="0" u="none" strike="noStrike" kern="0" cap="none" spc="0" normalizeH="0" baseline="0" noProof="0" dirty="0" smtClean="0">
+                <a:rPr kumimoji="0" lang="en-US" sz="2400" b="0" i="0" u="none" strike="noStrike" kern="0" cap="none" spc="0" normalizeH="0" baseline="0" noProof="0" dirty="0">
                   <a:ln>
                     <a:noFill/>
                   </a:ln>
@@ -4746,7 +4606,7 @@
                 <a:defRPr/>
               </a:pPr>
               <a:r>
-                <a:rPr kumimoji="0" lang="en-US" sz="2400" b="0" i="0" u="none" strike="noStrike" kern="0" cap="none" spc="0" normalizeH="0" baseline="0" noProof="0" dirty="0" smtClean="0">
+                <a:rPr kumimoji="0" lang="en-US" sz="2400" b="0" i="0" u="none" strike="noStrike" kern="0" cap="none" spc="0" normalizeH="0" baseline="0" noProof="0" dirty="0">
                   <a:ln>
                     <a:noFill/>
                   </a:ln>
@@ -4820,7 +4680,7 @@
                 <a:defRPr/>
               </a:pPr>
               <a:r>
-                <a:rPr kumimoji="0" lang="en-US" sz="2400" b="0" i="0" u="none" strike="noStrike" kern="0" cap="none" spc="0" normalizeH="0" baseline="0" noProof="0" dirty="0" smtClean="0">
+                <a:rPr kumimoji="0" lang="en-US" sz="2400" b="0" i="0" u="none" strike="noStrike" kern="0" cap="none" spc="0" normalizeH="0" baseline="0" noProof="0" dirty="0">
                   <a:ln>
                     <a:noFill/>
                   </a:ln>
@@ -4896,7 +4756,7 @@
                 <a:defRPr/>
               </a:pPr>
               <a:r>
-                <a:rPr kumimoji="0" lang="en-US" sz="2400" b="0" i="0" u="none" strike="noStrike" kern="0" cap="none" spc="0" normalizeH="0" baseline="0" noProof="0" dirty="0" smtClean="0">
+                <a:rPr kumimoji="0" lang="en-US" sz="2400" b="0" i="0" u="none" strike="noStrike" kern="0" cap="none" spc="0" normalizeH="0" baseline="0" noProof="0" dirty="0">
                   <a:ln>
                     <a:noFill/>
                   </a:ln>
@@ -4976,13 +4836,6 @@
   <p:clrMapOvr>
     <a:masterClrMapping/>
   </p:clrMapOvr>
-  <p:timing>
-    <p:tnLst>
-      <p:par>
-        <p:cTn xmlns:p14="http://schemas.microsoft.com/office/powerpoint/2010/main" id="1" dur="indefinite" restart="never" nodeType="tmRoot"/>
-      </p:par>
-    </p:tnLst>
-  </p:timing>
 </p:sld>
 </file>
 
@@ -5021,7 +4874,7 @@
           <a:lstStyle/>
           <a:p>
             <a:r>
-              <a:rPr lang="en-US" sz="4600" dirty="0" smtClean="0">
+              <a:rPr lang="en-US" sz="4600" dirty="0">
                 <a:solidFill>
                   <a:srgbClr val="000000"/>
                 </a:solidFill>
@@ -5030,13 +4883,6 @@
               </a:rPr>
               <a:t>Base Operations</a:t>
             </a:r>
-            <a:endParaRPr lang="en-US" sz="4600" dirty="0">
-              <a:solidFill>
-                <a:srgbClr val="000000"/>
-              </a:solidFill>
-              <a:latin typeface="+mn-lt"/>
-              <a:cs typeface="Calibri Light"/>
-            </a:endParaRPr>
           </a:p>
         </p:txBody>
       </p:sp>
@@ -5087,32 +4933,15 @@
               <a:buChar char="•"/>
             </a:pPr>
             <a:r>
-              <a:rPr lang="en-US" sz="2000" dirty="0" smtClean="0">
+              <a:rPr lang="en-US" sz="2000" dirty="0">
                 <a:solidFill>
                   <a:srgbClr val="000000"/>
                 </a:solidFill>
                 <a:latin typeface="Courier"/>
                 <a:cs typeface="Courier"/>
               </a:rPr>
-              <a:t>&lt;</a:t>
-            </a:r>
-            <a:r>
-              <a:rPr lang="en-US" sz="2000" dirty="0">
-                <a:solidFill>
-                  <a:srgbClr val="000000"/>
-                </a:solidFill>
-                <a:latin typeface="Courier"/>
-                <a:cs typeface="Courier"/>
-              </a:rPr>
-              <a:t>get&gt; </a:t>
-            </a:r>
-            <a:endParaRPr lang="en-US" sz="2000" dirty="0" smtClean="0">
-              <a:solidFill>
-                <a:srgbClr val="000000"/>
-              </a:solidFill>
-              <a:latin typeface="Courier"/>
-              <a:cs typeface="Courier"/>
-            </a:endParaRPr>
+              <a:t>&lt;get&gt; </a:t>
+            </a:r>
           </a:p>
           <a:p>
             <a:pPr>
@@ -5123,37 +4952,27 @@
               <a:buChar char="•"/>
             </a:pPr>
             <a:r>
-              <a:rPr lang="en-US" sz="2000" dirty="0" smtClean="0">
+              <a:rPr lang="en-US" sz="2000" dirty="0">
                 <a:solidFill>
                   <a:srgbClr val="000000"/>
                 </a:solidFill>
                 <a:latin typeface="Courier"/>
                 <a:cs typeface="Courier"/>
               </a:rPr>
-              <a:t>&lt;</a:t>
-            </a:r>
-            <a:r>
-              <a:rPr lang="en-US" sz="2000" dirty="0">
+              <a:t>&lt;get-</a:t>
+            </a:r>
+            <a:r>
+              <a:rPr lang="en-US" sz="2000" dirty="0" err="1">
                 <a:solidFill>
                   <a:srgbClr val="000000"/>
                 </a:solidFill>
                 <a:latin typeface="Courier"/>
                 <a:cs typeface="Courier"/>
               </a:rPr>
-              <a:t>get-</a:t>
-            </a:r>
-            <a:r>
-              <a:rPr lang="en-US" sz="2000" dirty="0" err="1">
-                <a:solidFill>
-                  <a:srgbClr val="000000"/>
-                </a:solidFill>
-                <a:latin typeface="Courier"/>
-                <a:cs typeface="Courier"/>
-              </a:rPr>
               <a:t>config</a:t>
             </a:r>
             <a:r>
-              <a:rPr lang="en-US" sz="2000" dirty="0" smtClean="0">
+              <a:rPr lang="en-US" sz="2000" dirty="0">
                 <a:solidFill>
                   <a:srgbClr val="000000"/>
                 </a:solidFill>
@@ -5172,37 +4991,27 @@
               <a:buChar char="•"/>
             </a:pPr>
             <a:r>
-              <a:rPr lang="en-US" sz="2000" dirty="0" smtClean="0">
+              <a:rPr lang="en-US" sz="2000" dirty="0">
                 <a:solidFill>
                   <a:srgbClr val="000000"/>
                 </a:solidFill>
                 <a:latin typeface="Courier"/>
                 <a:cs typeface="Courier"/>
               </a:rPr>
-              <a:t>&lt;</a:t>
-            </a:r>
-            <a:r>
-              <a:rPr lang="en-US" sz="2000" dirty="0">
+              <a:t>&lt;edit-</a:t>
+            </a:r>
+            <a:r>
+              <a:rPr lang="en-US" sz="2000" dirty="0" err="1">
                 <a:solidFill>
                   <a:srgbClr val="000000"/>
                 </a:solidFill>
                 <a:latin typeface="Courier"/>
                 <a:cs typeface="Courier"/>
               </a:rPr>
-              <a:t>edit-</a:t>
-            </a:r>
-            <a:r>
-              <a:rPr lang="en-US" sz="2000" dirty="0" err="1">
-                <a:solidFill>
-                  <a:srgbClr val="000000"/>
-                </a:solidFill>
-                <a:latin typeface="Courier"/>
-                <a:cs typeface="Courier"/>
-              </a:rPr>
               <a:t>config</a:t>
             </a:r>
             <a:r>
-              <a:rPr lang="en-US" sz="2000" dirty="0" smtClean="0">
+              <a:rPr lang="en-US" sz="2000" dirty="0">
                 <a:solidFill>
                   <a:srgbClr val="000000"/>
                 </a:solidFill>
@@ -5221,37 +5030,27 @@
               <a:buChar char="•"/>
             </a:pPr>
             <a:r>
-              <a:rPr lang="en-US" sz="2000" dirty="0" smtClean="0">
+              <a:rPr lang="en-US" sz="2000" dirty="0">
                 <a:solidFill>
                   <a:srgbClr val="000000"/>
                 </a:solidFill>
                 <a:latin typeface="Courier"/>
                 <a:cs typeface="Courier"/>
               </a:rPr>
-              <a:t>&lt;</a:t>
-            </a:r>
-            <a:r>
-              <a:rPr lang="en-US" sz="2000" dirty="0">
+              <a:t>&lt;copy-</a:t>
+            </a:r>
+            <a:r>
+              <a:rPr lang="en-US" sz="2000" dirty="0" err="1">
                 <a:solidFill>
                   <a:srgbClr val="000000"/>
                 </a:solidFill>
                 <a:latin typeface="Courier"/>
                 <a:cs typeface="Courier"/>
               </a:rPr>
-              <a:t>copy-</a:t>
-            </a:r>
-            <a:r>
-              <a:rPr lang="en-US" sz="2000" dirty="0" err="1">
-                <a:solidFill>
-                  <a:srgbClr val="000000"/>
-                </a:solidFill>
-                <a:latin typeface="Courier"/>
-                <a:cs typeface="Courier"/>
-              </a:rPr>
               <a:t>config</a:t>
             </a:r>
             <a:r>
-              <a:rPr lang="en-US" sz="2000" dirty="0" smtClean="0">
+              <a:rPr lang="en-US" sz="2000" dirty="0">
                 <a:solidFill>
                   <a:srgbClr val="000000"/>
                 </a:solidFill>
@@ -5270,37 +5069,27 @@
               <a:buChar char="•"/>
             </a:pPr>
             <a:r>
-              <a:rPr lang="en-US" sz="2000" dirty="0" smtClean="0">
+              <a:rPr lang="en-US" sz="2000" dirty="0">
                 <a:solidFill>
                   <a:srgbClr val="000000"/>
                 </a:solidFill>
                 <a:latin typeface="Courier"/>
                 <a:cs typeface="Courier"/>
               </a:rPr>
-              <a:t>&lt;</a:t>
-            </a:r>
-            <a:r>
-              <a:rPr lang="en-US" sz="2000" dirty="0">
+              <a:t>&lt;delete-</a:t>
+            </a:r>
+            <a:r>
+              <a:rPr lang="en-US" sz="2000" dirty="0" err="1">
                 <a:solidFill>
                   <a:srgbClr val="000000"/>
                 </a:solidFill>
                 <a:latin typeface="Courier"/>
                 <a:cs typeface="Courier"/>
               </a:rPr>
-              <a:t>delete-</a:t>
-            </a:r>
-            <a:r>
-              <a:rPr lang="en-US" sz="2000" dirty="0" err="1">
-                <a:solidFill>
-                  <a:srgbClr val="000000"/>
-                </a:solidFill>
-                <a:latin typeface="Courier"/>
-                <a:cs typeface="Courier"/>
-              </a:rPr>
               <a:t>config</a:t>
             </a:r>
             <a:r>
-              <a:rPr lang="en-US" sz="2000" dirty="0" smtClean="0">
+              <a:rPr lang="en-US" sz="2000" dirty="0">
                 <a:solidFill>
                   <a:srgbClr val="000000"/>
                 </a:solidFill>
@@ -5341,22 +5130,13 @@
               <a:buNone/>
             </a:pPr>
             <a:r>
-              <a:rPr lang="en-US" sz="2800" b="1" dirty="0" smtClean="0">
+              <a:rPr lang="en-US" sz="2800" b="1" dirty="0">
                 <a:solidFill>
                   <a:srgbClr val="000000"/>
                 </a:solidFill>
                 <a:cs typeface="Calibri"/>
               </a:rPr>
-              <a:t>Session </a:t>
-            </a:r>
-            <a:r>
-              <a:rPr lang="en-US" sz="2800" b="1" dirty="0">
-                <a:solidFill>
-                  <a:srgbClr val="000000"/>
-                </a:solidFill>
-                <a:cs typeface="Calibri"/>
-              </a:rPr>
-              <a:t>Management</a:t>
+              <a:t>Session Management</a:t>
             </a:r>
           </a:p>
           <a:p>
@@ -5366,34 +5146,14 @@
               </a:lnSpc>
             </a:pPr>
             <a:r>
-              <a:rPr lang="en-US" sz="2000" dirty="0" smtClean="0">
+              <a:rPr lang="en-US" sz="2000" dirty="0">
                 <a:solidFill>
                   <a:srgbClr val="000000"/>
                 </a:solidFill>
                 <a:latin typeface="Courier"/>
                 <a:cs typeface="Courier"/>
               </a:rPr>
-              <a:t>&lt;</a:t>
-            </a:r>
-            <a:r>
-              <a:rPr lang="en-US" sz="2000" dirty="0">
-                <a:solidFill>
-                  <a:srgbClr val="000000"/>
-                </a:solidFill>
-                <a:latin typeface="Courier"/>
-                <a:cs typeface="Courier"/>
-              </a:rPr>
-              <a:t>close-session</a:t>
-            </a:r>
-            <a:r>
-              <a:rPr lang="en-US" sz="2000" dirty="0" smtClean="0">
-                <a:solidFill>
-                  <a:srgbClr val="000000"/>
-                </a:solidFill>
-                <a:latin typeface="Courier"/>
-                <a:cs typeface="Courier"/>
-              </a:rPr>
-              <a:t>&gt;</a:t>
+              <a:t>&lt;close-session&gt;</a:t>
             </a:r>
           </a:p>
           <a:p>
@@ -5403,24 +5163,14 @@
               </a:lnSpc>
             </a:pPr>
             <a:r>
-              <a:rPr lang="en-US" sz="2000" dirty="0" smtClean="0">
+              <a:rPr lang="en-US" sz="2000" dirty="0">
                 <a:solidFill>
                   <a:srgbClr val="000000"/>
                 </a:solidFill>
                 <a:latin typeface="Courier"/>
                 <a:cs typeface="Courier"/>
               </a:rPr>
-              <a:t>&lt;</a:t>
-            </a:r>
-            <a:r>
-              <a:rPr lang="en-US" sz="2000" dirty="0">
-                <a:solidFill>
-                  <a:srgbClr val="000000"/>
-                </a:solidFill>
-                <a:latin typeface="Courier"/>
-                <a:cs typeface="Courier"/>
-              </a:rPr>
-              <a:t>kill-session&gt;</a:t>
+              <a:t>&lt;kill-session&gt;</a:t>
             </a:r>
           </a:p>
           <a:p>
@@ -5468,35 +5218,8 @@
                 <a:ea typeface="Verdana" panose="020B0604030504040204" pitchFamily="34" charset="0"/>
                 <a:cs typeface="Calibri Light"/>
               </a:rPr>
-              <a:t>Base NETCONF specification provides </a:t>
-            </a:r>
-            <a:r>
-              <a:rPr lang="en-US" sz="3000" dirty="0" smtClean="0">
-                <a:solidFill>
-                  <a:srgbClr val="000000"/>
-                </a:solidFill>
-                <a:ea typeface="Verdana" panose="020B0604030504040204" pitchFamily="34" charset="0"/>
-                <a:cs typeface="Calibri Light"/>
-              </a:rPr>
-              <a:t>restricted </a:t>
-            </a:r>
-            <a:r>
-              <a:rPr lang="en-US" sz="3000" dirty="0">
-                <a:solidFill>
-                  <a:srgbClr val="000000"/>
-                </a:solidFill>
-                <a:ea typeface="Verdana" panose="020B0604030504040204" pitchFamily="34" charset="0"/>
-                <a:cs typeface="Calibri Light"/>
-              </a:rPr>
-              <a:t>set of operations </a:t>
-            </a:r>
-            <a:endParaRPr lang="en-US" sz="3000" dirty="0" smtClean="0">
-              <a:solidFill>
-                <a:srgbClr val="000000"/>
-              </a:solidFill>
-              <a:ea typeface="Verdana" panose="020B0604030504040204" pitchFamily="34" charset="0"/>
-              <a:cs typeface="Calibri Light"/>
-            </a:endParaRPr>
+              <a:t>Base NETCONF specification provides restricted set of operations </a:t>
+            </a:r>
           </a:p>
         </p:txBody>
       </p:sp>
@@ -5523,7 +5246,7 @@
           <a:lstStyle/>
           <a:p>
             <a:r>
-              <a:rPr lang="en-US" sz="2800" dirty="0" smtClean="0">
+              <a:rPr lang="en-US" sz="2800" dirty="0">
                 <a:solidFill>
                   <a:srgbClr val="000000"/>
                 </a:solidFill>
@@ -5533,7 +5256,7 @@
               <a:t>Additional operations are defined as </a:t>
             </a:r>
             <a:r>
-              <a:rPr lang="en-US" sz="2800" i="1" dirty="0" smtClean="0">
+              <a:rPr lang="en-US" sz="2800" i="1" dirty="0">
                 <a:solidFill>
                   <a:srgbClr val="000000"/>
                 </a:solidFill>
@@ -5631,13 +5354,6 @@
   <p:clrMapOvr>
     <a:masterClrMapping/>
   </p:clrMapOvr>
-  <p:timing>
-    <p:tnLst>
-      <p:par>
-        <p:cTn xmlns:p14="http://schemas.microsoft.com/office/powerpoint/2010/main" id="1" dur="indefinite" restart="never" nodeType="tmRoot"/>
-      </p:par>
-    </p:tnLst>
-  </p:timing>
 </p:sld>
 </file>
 
@@ -5676,7 +5392,7 @@
           <a:lstStyle/>
           <a:p>
             <a:r>
-              <a:rPr lang="en-US" sz="4600" dirty="0" smtClean="0">
+              <a:rPr lang="en-US" sz="4600" dirty="0">
                 <a:solidFill>
                   <a:schemeClr val="tx1">
                     <a:lumMod val="90000"/>
@@ -5688,16 +5404,6 @@
               </a:rPr>
               <a:t>NETCONF Capabilities</a:t>
             </a:r>
-            <a:endParaRPr lang="en-US" sz="4600" dirty="0">
-              <a:solidFill>
-                <a:schemeClr val="tx1">
-                  <a:lumMod val="90000"/>
-                  <a:lumOff val="10000"/>
-                </a:schemeClr>
-              </a:solidFill>
-              <a:latin typeface="+mn-lt"/>
-              <a:cs typeface="Calibri Light"/>
-            </a:endParaRPr>
           </a:p>
         </p:txBody>
       </p:sp>
@@ -5729,7 +5435,7 @@
               </a:lnSpc>
             </a:pPr>
             <a:r>
-              <a:rPr lang="en-US" sz="2000" b="1" dirty="0" smtClean="0">
+              <a:rPr lang="en-US" sz="2000" b="1" dirty="0">
                 <a:solidFill>
                   <a:srgbClr val="000000"/>
                 </a:solidFill>
@@ -5748,16 +5454,12 @@
               <a:buChar char="–"/>
             </a:pPr>
             <a:r>
-              <a:rPr lang="en-US" sz="2000" dirty="0" smtClean="0">
+              <a:rPr lang="en-US" sz="2000" dirty="0">
                 <a:ea typeface="Verdana" panose="020B0604030504040204" pitchFamily="34" charset="0"/>
                 <a:cs typeface="Calibri Light"/>
               </a:rPr>
               <a:t>:candidate, </a:t>
             </a:r>
-            <a:endParaRPr lang="en-US" sz="2000" dirty="0">
-              <a:ea typeface="Verdana" panose="020B0604030504040204" pitchFamily="34" charset="0"/>
-              <a:cs typeface="Calibri Light"/>
-            </a:endParaRPr>
           </a:p>
           <a:p>
             <a:pPr marL="457200" indent="-457200">
@@ -5768,7 +5470,7 @@
               <a:buChar char="–"/>
             </a:pPr>
             <a:r>
-              <a:rPr lang="en-US" sz="2000" dirty="0" smtClean="0">
+              <a:rPr lang="en-US" sz="2000" dirty="0">
                 <a:ea typeface="Verdana" panose="020B0604030504040204" pitchFamily="34" charset="0"/>
                 <a:cs typeface="Calibri Light"/>
               </a:rPr>
@@ -5784,13 +5486,13 @@
               <a:buChar char="–"/>
             </a:pPr>
             <a:r>
-              <a:rPr lang="en-US" sz="2000" dirty="0" smtClean="0">
+              <a:rPr lang="en-US" sz="2000" dirty="0">
                 <a:ea typeface="Verdana" panose="020B0604030504040204" pitchFamily="34" charset="0"/>
                 <a:cs typeface="Calibri Light"/>
               </a:rPr>
               <a:t>:startup</a:t>
             </a:r>
-            <a:endParaRPr lang="en-US" sz="2000" dirty="0" smtClean="0">
+            <a:endParaRPr lang="en-US" sz="2000" dirty="0">
               <a:ea typeface="Verdana" panose="020B0604030504040204" pitchFamily="34" charset="0"/>
               <a:cs typeface="Verdana" panose="020B0604030504040204" pitchFamily="34" charset="0"/>
             </a:endParaRPr>
@@ -5820,7 +5522,7 @@
           <a:p>
             <a:pPr algn="ctr"/>
             <a:r>
-              <a:rPr lang="en-US" sz="1800" dirty="0" smtClean="0">
+              <a:rPr lang="en-US" sz="1800" dirty="0">
                 <a:solidFill>
                   <a:schemeClr val="tx1">
                     <a:lumMod val="90000"/>
@@ -5829,8 +5531,33 @@
                 </a:solidFill>
                 <a:cs typeface="Calibri Light"/>
               </a:rPr>
-              <a:t>Configuration loaded </a:t>
-            </a:r>
+              <a:t>Configuration loaded by the device at startup</a:t>
+            </a:r>
+          </a:p>
+        </p:txBody>
+      </p:sp>
+      <p:sp>
+        <p:nvSpPr>
+          <p:cNvPr id="17" name="Rectangle 16"/>
+          <p:cNvSpPr/>
+          <p:nvPr/>
+        </p:nvSpPr>
+        <p:spPr>
+          <a:xfrm>
+            <a:off x="5791200" y="6705600"/>
+            <a:ext cx="3235829" cy="701725"/>
+          </a:xfrm>
+          <a:prstGeom prst="rect">
+            <a:avLst/>
+          </a:prstGeom>
+        </p:spPr>
+        <p:txBody>
+          <a:bodyPr wrap="square" lIns="146298" tIns="73149" rIns="146298" bIns="73149">
+            <a:spAutoFit/>
+          </a:bodyPr>
+          <a:lstStyle/>
+          <a:p>
+            <a:pPr algn="ctr"/>
             <a:r>
               <a:rPr lang="en-US" sz="1800" dirty="0">
                 <a:solidFill>
@@ -5841,209 +5568,84 @@
                 </a:solidFill>
                 <a:cs typeface="Calibri Light"/>
               </a:rPr>
-              <a:t>by the device </a:t>
-            </a:r>
-            <a:r>
-              <a:rPr lang="en-US" sz="1800" dirty="0" smtClean="0">
+              <a:t>Complete and active configuration</a:t>
+            </a:r>
+          </a:p>
+        </p:txBody>
+      </p:sp>
+      <p:sp>
+        <p:nvSpPr>
+          <p:cNvPr id="18" name="Rectangle 17"/>
+          <p:cNvSpPr/>
+          <p:nvPr/>
+        </p:nvSpPr>
+        <p:spPr>
+          <a:xfrm>
+            <a:off x="685800" y="6705600"/>
+            <a:ext cx="3733800" cy="701725"/>
+          </a:xfrm>
+          <a:prstGeom prst="rect">
+            <a:avLst/>
+          </a:prstGeom>
+        </p:spPr>
+        <p:txBody>
+          <a:bodyPr wrap="square" lIns="146298" tIns="73149" rIns="146298" bIns="73149">
+            <a:spAutoFit/>
+          </a:bodyPr>
+          <a:lstStyle/>
+          <a:p>
+            <a:pPr algn="ctr"/>
+            <a:r>
+              <a:rPr lang="en-US" sz="1800" dirty="0">
+                <a:cs typeface="Calibri Light"/>
+              </a:rPr>
+              <a:t>Working copy to manipulate with no impact on current configuration</a:t>
+            </a:r>
+          </a:p>
+        </p:txBody>
+      </p:sp>
+      <p:sp>
+        <p:nvSpPr>
+          <p:cNvPr id="5" name="TextBox 4"/>
+          <p:cNvSpPr txBox="1"/>
+          <p:nvPr/>
+        </p:nvSpPr>
+        <p:spPr>
+          <a:xfrm>
+            <a:off x="6705600" y="3048000"/>
+            <a:ext cx="4419600" cy="764312"/>
+          </a:xfrm>
+          <a:prstGeom prst="rect">
+            <a:avLst/>
+          </a:prstGeom>
+          <a:noFill/>
+        </p:spPr>
+        <p:txBody>
+          <a:bodyPr wrap="square" rtlCol="0">
+            <a:spAutoFit/>
+          </a:bodyPr>
+          <a:lstStyle/>
+          <a:p>
+            <a:pPr>
+              <a:lnSpc>
+                <a:spcPct val="110000"/>
+              </a:lnSpc>
+            </a:pPr>
+            <a:r>
+              <a:rPr lang="en-US" sz="2000" dirty="0">
                 <a:solidFill>
                   <a:schemeClr val="tx1">
                     <a:lumMod val="90000"/>
                     <a:lumOff val="10000"/>
                   </a:schemeClr>
                 </a:solidFill>
-                <a:cs typeface="Calibri Light"/>
-              </a:rPr>
-              <a:t>at startup</a:t>
-            </a:r>
-            <a:endParaRPr lang="en-US" sz="1800" dirty="0">
-              <a:solidFill>
-                <a:schemeClr val="tx1">
-                  <a:lumMod val="90000"/>
-                  <a:lumOff val="10000"/>
-                </a:schemeClr>
-              </a:solidFill>
-              <a:cs typeface="Calibri Light"/>
-            </a:endParaRPr>
-          </a:p>
-        </p:txBody>
-      </p:sp>
-      <p:sp>
-        <p:nvSpPr>
-          <p:cNvPr id="17" name="Rectangle 16"/>
-          <p:cNvSpPr/>
-          <p:nvPr/>
-        </p:nvSpPr>
-        <p:spPr>
-          <a:xfrm>
-            <a:off x="5791200" y="6705600"/>
-            <a:ext cx="3235829" cy="701725"/>
-          </a:xfrm>
-          <a:prstGeom prst="rect">
-            <a:avLst/>
-          </a:prstGeom>
-        </p:spPr>
-        <p:txBody>
-          <a:bodyPr wrap="square" lIns="146298" tIns="73149" rIns="146298" bIns="73149">
-            <a:spAutoFit/>
-          </a:bodyPr>
-          <a:lstStyle/>
-          <a:p>
-            <a:pPr algn="ctr"/>
-            <a:r>
-              <a:rPr lang="en-US" sz="1800" dirty="0">
-                <a:solidFill>
-                  <a:schemeClr val="tx1">
-                    <a:lumMod val="90000"/>
-                    <a:lumOff val="10000"/>
-                  </a:schemeClr>
-                </a:solidFill>
-                <a:cs typeface="Calibri Light"/>
-              </a:rPr>
-              <a:t>C</a:t>
-            </a:r>
-            <a:r>
-              <a:rPr lang="en-US" sz="1800" dirty="0" smtClean="0">
-                <a:solidFill>
-                  <a:schemeClr val="tx1">
-                    <a:lumMod val="90000"/>
-                    <a:lumOff val="10000"/>
-                  </a:schemeClr>
-                </a:solidFill>
-                <a:cs typeface="Calibri Light"/>
-              </a:rPr>
-              <a:t>omplete and active configuration</a:t>
-            </a:r>
-            <a:endParaRPr lang="en-US" sz="1800" dirty="0">
-              <a:solidFill>
-                <a:schemeClr val="tx1">
-                  <a:lumMod val="90000"/>
-                  <a:lumOff val="10000"/>
-                </a:schemeClr>
-              </a:solidFill>
-              <a:cs typeface="Calibri Light"/>
-            </a:endParaRPr>
-          </a:p>
-        </p:txBody>
-      </p:sp>
-      <p:sp>
-        <p:nvSpPr>
-          <p:cNvPr id="18" name="Rectangle 17"/>
-          <p:cNvSpPr/>
-          <p:nvPr/>
-        </p:nvSpPr>
-        <p:spPr>
-          <a:xfrm>
-            <a:off x="685800" y="6705600"/>
-            <a:ext cx="3733800" cy="701725"/>
-          </a:xfrm>
-          <a:prstGeom prst="rect">
-            <a:avLst/>
-          </a:prstGeom>
-        </p:spPr>
-        <p:txBody>
-          <a:bodyPr wrap="square" lIns="146298" tIns="73149" rIns="146298" bIns="73149">
-            <a:spAutoFit/>
-          </a:bodyPr>
-          <a:lstStyle/>
-          <a:p>
-            <a:pPr algn="ctr"/>
-            <a:r>
-              <a:rPr lang="en-US" sz="1800" dirty="0">
-                <a:cs typeface="Calibri Light"/>
-              </a:rPr>
-              <a:t>W</a:t>
-            </a:r>
-            <a:r>
-              <a:rPr lang="en-US" sz="1800" dirty="0" smtClean="0">
-                <a:cs typeface="Calibri Light"/>
-              </a:rPr>
-              <a:t>orking </a:t>
-            </a:r>
-            <a:r>
-              <a:rPr lang="en-US" sz="1800" dirty="0">
-                <a:cs typeface="Calibri Light"/>
-              </a:rPr>
-              <a:t>copy </a:t>
-            </a:r>
-            <a:r>
-              <a:rPr lang="en-US" sz="1800" dirty="0" smtClean="0">
-                <a:cs typeface="Calibri Light"/>
-              </a:rPr>
-              <a:t>to manipulate with no impact on </a:t>
-            </a:r>
-            <a:r>
-              <a:rPr lang="en-US" sz="1800" dirty="0">
-                <a:cs typeface="Calibri Light"/>
-              </a:rPr>
-              <a:t>current </a:t>
-            </a:r>
-            <a:r>
-              <a:rPr lang="en-US" sz="1800" dirty="0" smtClean="0">
-                <a:cs typeface="Calibri Light"/>
-              </a:rPr>
-              <a:t>configuration</a:t>
-            </a:r>
-            <a:endParaRPr lang="en-US" sz="1800" dirty="0">
-              <a:cs typeface="Calibri Light"/>
-            </a:endParaRPr>
-          </a:p>
-        </p:txBody>
-      </p:sp>
-      <p:sp>
-        <p:nvSpPr>
-          <p:cNvPr id="5" name="TextBox 4"/>
-          <p:cNvSpPr txBox="1"/>
-          <p:nvPr/>
-        </p:nvSpPr>
-        <p:spPr>
-          <a:xfrm>
-            <a:off x="6705600" y="3048000"/>
-            <a:ext cx="4419600" cy="764312"/>
-          </a:xfrm>
-          <a:prstGeom prst="rect">
-            <a:avLst/>
-          </a:prstGeom>
-          <a:noFill/>
-        </p:spPr>
-        <p:txBody>
-          <a:bodyPr wrap="square" rtlCol="0">
-            <a:spAutoFit/>
-          </a:bodyPr>
-          <a:lstStyle/>
-          <a:p>
-            <a:pPr>
-              <a:lnSpc>
-                <a:spcPct val="110000"/>
-              </a:lnSpc>
-            </a:pPr>
-            <a:r>
-              <a:rPr lang="en-US" sz="2000" dirty="0" smtClean="0">
-                <a:solidFill>
-                  <a:schemeClr val="tx1">
-                    <a:lumMod val="90000"/>
-                    <a:lumOff val="10000"/>
-                  </a:schemeClr>
-                </a:solidFill>
                 <a:ea typeface="Verdana" panose="020B0604030504040204" pitchFamily="34" charset="0"/>
                 <a:cs typeface="Calibri Light"/>
               </a:rPr>
-              <a:t>Capabilities supporting multiple </a:t>
-            </a:r>
-            <a:r>
-              <a:rPr lang="en-US" sz="2000" dirty="0">
-                <a:solidFill>
-                  <a:schemeClr val="tx1">
-                    <a:lumMod val="90000"/>
-                    <a:lumOff val="10000"/>
-                  </a:schemeClr>
-                </a:solidFill>
-                <a:ea typeface="Verdana" panose="020B0604030504040204" pitchFamily="34" charset="0"/>
-                <a:cs typeface="Calibri Light"/>
-              </a:rPr>
-              <a:t>configuration </a:t>
-            </a:r>
-            <a:r>
-              <a:rPr lang="en-US" sz="2000" dirty="0" err="1" smtClean="0">
+              <a:t>Capabilities supporting multiple configuration </a:t>
+            </a:r>
+            <a:r>
+              <a:rPr lang="en-US" sz="2000" dirty="0" err="1">
                 <a:solidFill>
                   <a:schemeClr val="tx1">
                     <a:lumMod val="90000"/>
@@ -6091,7 +5693,7 @@
           <a:p>
             <a:pPr marL="0" lvl="1"/>
             <a:r>
-              <a:rPr lang="en-US" sz="3200" dirty="0" smtClean="0">
+              <a:rPr lang="en-US" sz="3200" dirty="0">
                 <a:solidFill>
                   <a:schemeClr val="tx1">
                     <a:lumMod val="90000"/>
@@ -6101,44 +5703,8 @@
                 <a:ea typeface="Verdana" panose="020B0604030504040204" pitchFamily="34" charset="0"/>
                 <a:cs typeface="Calibri Light"/>
               </a:rPr>
-              <a:t>Additional </a:t>
-            </a:r>
-            <a:r>
-              <a:rPr lang="en-US" sz="3200" dirty="0">
-                <a:solidFill>
-                  <a:schemeClr val="tx1">
-                    <a:lumMod val="90000"/>
-                    <a:lumOff val="10000"/>
-                  </a:schemeClr>
-                </a:solidFill>
-                <a:ea typeface="Verdana" panose="020B0604030504040204" pitchFamily="34" charset="0"/>
-                <a:cs typeface="Calibri Light"/>
-              </a:rPr>
-              <a:t>operations and content supported on a </a:t>
-            </a:r>
-            <a:r>
-              <a:rPr lang="en-US" sz="3200" dirty="0" smtClean="0">
-                <a:solidFill>
-                  <a:schemeClr val="tx1">
-                    <a:lumMod val="90000"/>
-                    <a:lumOff val="10000"/>
-                  </a:schemeClr>
-                </a:solidFill>
-                <a:ea typeface="Verdana" panose="020B0604030504040204" pitchFamily="34" charset="0"/>
-                <a:cs typeface="Calibri Light"/>
-              </a:rPr>
-              <a:t>device</a:t>
-            </a:r>
-            <a:endParaRPr lang="en-US" sz="3200" dirty="0">
-              <a:solidFill>
-                <a:schemeClr val="tx1">
-                  <a:lumMod val="90000"/>
-                  <a:lumOff val="10000"/>
-                </a:schemeClr>
-              </a:solidFill>
-              <a:ea typeface="Verdana" panose="020B0604030504040204" pitchFamily="34" charset="0"/>
-              <a:cs typeface="Calibri Light"/>
-            </a:endParaRPr>
+              <a:t>Additional operations and content supported on a device</a:t>
+            </a:r>
           </a:p>
         </p:txBody>
       </p:sp>
@@ -6223,10 +5789,9 @@
           <a:p>
             <a:pPr algn="ctr"/>
             <a:r>
-              <a:rPr lang="en-US" dirty="0" smtClean="0"/>
+              <a:rPr lang="en-US" dirty="0"/>
               <a:t>Candidate</a:t>
             </a:r>
-            <a:endParaRPr lang="en-US" dirty="0"/>
           </a:p>
         </p:txBody>
       </p:sp>
@@ -6265,10 +5830,9 @@
           <a:p>
             <a:pPr algn="ctr"/>
             <a:r>
-              <a:rPr lang="en-US" i="1" dirty="0" smtClean="0"/>
+              <a:rPr lang="en-US" i="1" dirty="0"/>
               <a:t>Running</a:t>
             </a:r>
-            <a:endParaRPr lang="en-US" i="1" dirty="0"/>
           </a:p>
         </p:txBody>
       </p:sp>
@@ -6307,10 +5871,9 @@
           <a:p>
             <a:pPr algn="ctr"/>
             <a:r>
-              <a:rPr lang="en-US" dirty="0" smtClean="0"/>
+              <a:rPr lang="en-US" dirty="0"/>
               <a:t>Startup</a:t>
             </a:r>
-            <a:endParaRPr lang="en-US" dirty="0"/>
           </a:p>
         </p:txBody>
       </p:sp>
@@ -6477,10 +6040,9 @@
           <a:lstStyle/>
           <a:p>
             <a:r>
-              <a:rPr lang="en-US" sz="1400" dirty="0" smtClean="0"/>
+              <a:rPr lang="en-US" sz="1400" dirty="0"/>
               <a:t>&lt;copy&gt;</a:t>
             </a:r>
-            <a:endParaRPr lang="en-US" sz="1400" dirty="0"/>
           </a:p>
         </p:txBody>
       </p:sp>
@@ -6507,10 +6069,9 @@
           <a:lstStyle/>
           <a:p>
             <a:r>
-              <a:rPr lang="en-US" sz="1400" dirty="0" smtClean="0"/>
+              <a:rPr lang="en-US" sz="1400" dirty="0"/>
               <a:t>&lt;commit&gt;</a:t>
             </a:r>
-            <a:endParaRPr lang="en-US" sz="1400" dirty="0"/>
           </a:p>
         </p:txBody>
       </p:sp>
@@ -6574,10 +6135,9 @@
           <a:lstStyle/>
           <a:p>
             <a:r>
-              <a:rPr lang="en-US" sz="1400" dirty="0" smtClean="0"/>
+              <a:rPr lang="en-US" sz="1400" dirty="0"/>
               <a:t>&lt;copy&gt;</a:t>
             </a:r>
-            <a:endParaRPr lang="en-US" sz="1400" dirty="0"/>
           </a:p>
         </p:txBody>
       </p:sp>
@@ -6591,13 +6151,6 @@
   <p:clrMapOvr>
     <a:masterClrMapping/>
   </p:clrMapOvr>
-  <p:timing>
-    <p:tnLst>
-      <p:par>
-        <p:cTn xmlns:p14="http://schemas.microsoft.com/office/powerpoint/2010/main" id="1" dur="indefinite" restart="never" nodeType="tmRoot"/>
-      </p:par>
-    </p:tnLst>
-  </p:timing>
 </p:sld>
 </file>
 
@@ -7104,7 +6657,7 @@
           <a:lstStyle/>
           <a:p>
             <a:r>
-              <a:rPr lang="en-US" sz="4600" dirty="0" smtClean="0">
+              <a:rPr lang="en-US" sz="4600" dirty="0">
                 <a:solidFill>
                   <a:schemeClr val="tx1">
                     <a:lumMod val="90000"/>
@@ -7116,16 +6669,6 @@
               </a:rPr>
               <a:t>Advertising Capabilities</a:t>
             </a:r>
-            <a:endParaRPr lang="en-US" sz="4600" dirty="0">
-              <a:solidFill>
-                <a:schemeClr val="tx1">
-                  <a:lumMod val="90000"/>
-                  <a:lumOff val="10000"/>
-                </a:schemeClr>
-              </a:solidFill>
-              <a:latin typeface="+mn-lt"/>
-              <a:cs typeface="Calibri Light"/>
-            </a:endParaRPr>
           </a:p>
         </p:txBody>
       </p:sp>
@@ -7165,81 +6708,78 @@
                 <a:ea typeface="Verdana" panose="020B0604030504040204" pitchFamily="34" charset="0"/>
                 <a:cs typeface="Calibri Light"/>
               </a:rPr>
-              <a:t>Capabilities </a:t>
-            </a:r>
-            <a:r>
-              <a:rPr lang="en-US" sz="3200" dirty="0" smtClean="0">
+              <a:t>Capabilities are advertised by server and client at start of session</a:t>
+            </a:r>
+          </a:p>
+        </p:txBody>
+      </p:sp>
+      <p:sp>
+        <p:nvSpPr>
+          <p:cNvPr id="12" name="TextBox 11"/>
+          <p:cNvSpPr txBox="1"/>
+          <p:nvPr/>
+        </p:nvSpPr>
+        <p:spPr>
+          <a:xfrm>
+            <a:off x="1371600" y="3048000"/>
+            <a:ext cx="11887200" cy="2667397"/>
+          </a:xfrm>
+          <a:prstGeom prst="rect">
+            <a:avLst/>
+          </a:prstGeom>
+          <a:noFill/>
+        </p:spPr>
+        <p:txBody>
+          <a:bodyPr wrap="square" rtlCol="0">
+            <a:spAutoFit/>
+          </a:bodyPr>
+          <a:lstStyle/>
+          <a:p>
+            <a:pPr lvl="0" defTabSz="396875">
+              <a:lnSpc>
+                <a:spcPct val="120000"/>
+              </a:lnSpc>
+            </a:pPr>
+            <a:r>
+              <a:rPr lang="en-US" sz="2000" dirty="0">
                 <a:solidFill>
                   <a:schemeClr val="tx1">
                     <a:lumMod val="90000"/>
                     <a:lumOff val="10000"/>
                   </a:schemeClr>
                 </a:solidFill>
-                <a:ea typeface="Verdana" panose="020B0604030504040204" pitchFamily="34" charset="0"/>
-                <a:cs typeface="Calibri Light"/>
-              </a:rPr>
-              <a:t>are advertised </a:t>
-            </a:r>
-            <a:r>
-              <a:rPr lang="en-US" sz="3200" dirty="0">
+                <a:latin typeface="Courier"/>
+                <a:cs typeface="Courier"/>
+              </a:rPr>
+              <a:t>&lt;hello </a:t>
+            </a:r>
+            <a:r>
+              <a:rPr lang="en-US" sz="2000" dirty="0" err="1">
                 <a:solidFill>
                   <a:schemeClr val="tx1">
                     <a:lumMod val="90000"/>
                     <a:lumOff val="10000"/>
                   </a:schemeClr>
                 </a:solidFill>
-                <a:ea typeface="Verdana" panose="020B0604030504040204" pitchFamily="34" charset="0"/>
-                <a:cs typeface="Calibri Light"/>
-              </a:rPr>
-              <a:t>by server </a:t>
-            </a:r>
-            <a:r>
-              <a:rPr lang="en-US" sz="3200" dirty="0" smtClean="0">
+                <a:latin typeface="Courier"/>
+                <a:cs typeface="Courier"/>
+              </a:rPr>
+              <a:t>xmlns</a:t>
+            </a:r>
+            <a:r>
+              <a:rPr lang="en-US" sz="2000" dirty="0">
                 <a:solidFill>
                   <a:schemeClr val="tx1">
                     <a:lumMod val="90000"/>
                     <a:lumOff val="10000"/>
                   </a:schemeClr>
                 </a:solidFill>
-                <a:ea typeface="Verdana" panose="020B0604030504040204" pitchFamily="34" charset="0"/>
-                <a:cs typeface="Calibri Light"/>
-              </a:rPr>
-              <a:t>and client at start of session</a:t>
-            </a:r>
-            <a:endParaRPr lang="en-US" sz="3200" dirty="0">
-              <a:solidFill>
-                <a:schemeClr val="tx1">
-                  <a:lumMod val="90000"/>
-                  <a:lumOff val="10000"/>
-                </a:schemeClr>
-              </a:solidFill>
-              <a:ea typeface="Verdana" panose="020B0604030504040204" pitchFamily="34" charset="0"/>
-              <a:cs typeface="Calibri Light"/>
-            </a:endParaRPr>
-          </a:p>
-        </p:txBody>
-      </p:sp>
-      <p:sp>
-        <p:nvSpPr>
-          <p:cNvPr id="12" name="TextBox 11"/>
-          <p:cNvSpPr txBox="1"/>
-          <p:nvPr/>
-        </p:nvSpPr>
-        <p:spPr>
-          <a:xfrm>
-            <a:off x="1371600" y="3048000"/>
-            <a:ext cx="11887200" cy="2667397"/>
-          </a:xfrm>
-          <a:prstGeom prst="rect">
-            <a:avLst/>
-          </a:prstGeom>
-          <a:noFill/>
-        </p:spPr>
-        <p:txBody>
-          <a:bodyPr wrap="square" rtlCol="0">
-            <a:spAutoFit/>
-          </a:bodyPr>
-          <a:lstStyle/>
+                <a:latin typeface="Courier"/>
+                <a:cs typeface="Courier"/>
+              </a:rPr>
+              <a:t>="urn:ietf:params:xml:ns:netconf:base:1.0"&gt;</a:t>
+            </a:r>
+          </a:p>
           <a:p>
             <a:pPr lvl="0" defTabSz="396875">
               <a:lnSpc>
@@ -7257,10 +6797,17 @@
                 <a:latin typeface="Courier"/>
                 <a:cs typeface="Courier"/>
               </a:rPr>
-              <a:t>&lt;hello </a:t>
-            </a:r>
-            <a:r>
-              <a:rPr lang="en-US" sz="2000" dirty="0" err="1">
+              <a:t>	&lt;capabilities&gt;</a:t>
+            </a:r>
+          </a:p>
+          <a:p>
+            <a:pPr lvl="0" defTabSz="396875">
+              <a:lnSpc>
+                <a:spcPct val="120000"/>
+              </a:lnSpc>
+            </a:pPr>
+            <a:r>
+              <a:rPr lang="en-US" sz="2000" dirty="0">
                 <a:solidFill>
                   <a:schemeClr val="tx1">
                     <a:lumMod val="90000"/>
@@ -7270,8 +6817,15 @@
                 <a:latin typeface="Courier"/>
                 <a:cs typeface="Courier"/>
               </a:rPr>
-              <a:t>xmlns</a:t>
-            </a:r>
+              <a:t>		&lt;capability&gt;urn:ietf:params:netconf:base:1.1&lt;/capability&gt;</a:t>
+            </a:r>
+          </a:p>
+          <a:p>
+            <a:pPr lvl="0" defTabSz="396875">
+              <a:lnSpc>
+                <a:spcPct val="120000"/>
+              </a:lnSpc>
+            </a:pPr>
             <a:r>
               <a:rPr lang="en-US" sz="2000" dirty="0">
                 <a:solidFill>
@@ -7283,7 +6837,7 @@
                 <a:latin typeface="Courier"/>
                 <a:cs typeface="Courier"/>
               </a:rPr>
-              <a:t>="urn:ietf:params:xml:ns:netconf:base:1.0"&gt;</a:t>
+              <a:t>		&lt;capability&gt;urn:ietf:params:netconf:capability:startup:1.0&lt;/capability&gt;</a:t>
             </a:r>
           </a:p>
           <a:p>
@@ -7303,10 +6857,17 @@
                 <a:latin typeface="Courier"/>
                 <a:cs typeface="Courier"/>
               </a:rPr>
-              <a:t>	</a:t>
-            </a:r>
-            <a:r>
-              <a:rPr lang="en-US" sz="2000" dirty="0" smtClean="0">
+              <a:t>	&lt;/capabilities&gt;</a:t>
+            </a:r>
+          </a:p>
+          <a:p>
+            <a:pPr lvl="0" defTabSz="396875">
+              <a:lnSpc>
+                <a:spcPct val="120000"/>
+              </a:lnSpc>
+            </a:pPr>
+            <a:r>
+              <a:rPr lang="en-US" sz="2000" dirty="0">
                 <a:solidFill>
                   <a:schemeClr val="tx1">
                     <a:lumMod val="90000"/>
@@ -7316,8 +6877,15 @@
                 <a:latin typeface="Courier"/>
                 <a:cs typeface="Courier"/>
               </a:rPr>
-              <a:t>&lt;</a:t>
-            </a:r>
+              <a:t>	&lt;session-id&gt;4&lt;/session-id&gt;</a:t>
+            </a:r>
+          </a:p>
+          <a:p>
+            <a:pPr lvl="0" defTabSz="396875">
+              <a:lnSpc>
+                <a:spcPct val="120000"/>
+              </a:lnSpc>
+            </a:pPr>
             <a:r>
               <a:rPr lang="en-US" sz="2000" dirty="0">
                 <a:solidFill>
@@ -7329,248 +6897,8 @@
                 <a:latin typeface="Courier"/>
                 <a:cs typeface="Courier"/>
               </a:rPr>
-              <a:t>capabilities&gt;</a:t>
-            </a:r>
-          </a:p>
-          <a:p>
-            <a:pPr lvl="0" defTabSz="396875">
-              <a:lnSpc>
-                <a:spcPct val="120000"/>
-              </a:lnSpc>
-            </a:pPr>
-            <a:r>
-              <a:rPr lang="en-US" sz="2000" dirty="0">
-                <a:solidFill>
-                  <a:schemeClr val="tx1">
-                    <a:lumMod val="90000"/>
-                    <a:lumOff val="10000"/>
-                  </a:schemeClr>
-                </a:solidFill>
-                <a:latin typeface="Courier"/>
-                <a:cs typeface="Courier"/>
-              </a:rPr>
-              <a:t>		</a:t>
-            </a:r>
-            <a:r>
-              <a:rPr lang="en-US" sz="2000" dirty="0" smtClean="0">
-                <a:solidFill>
-                  <a:schemeClr val="tx1">
-                    <a:lumMod val="90000"/>
-                    <a:lumOff val="10000"/>
-                  </a:schemeClr>
-                </a:solidFill>
-                <a:latin typeface="Courier"/>
-                <a:cs typeface="Courier"/>
-              </a:rPr>
-              <a:t>&lt;</a:t>
-            </a:r>
-            <a:r>
-              <a:rPr lang="en-US" sz="2000" dirty="0">
-                <a:solidFill>
-                  <a:schemeClr val="tx1">
-                    <a:lumMod val="90000"/>
-                    <a:lumOff val="10000"/>
-                  </a:schemeClr>
-                </a:solidFill>
-                <a:latin typeface="Courier"/>
-                <a:cs typeface="Courier"/>
-              </a:rPr>
-              <a:t>capability&gt;urn:ietf:params:netconf:base:1.1&lt;/capability&gt;</a:t>
-            </a:r>
-          </a:p>
-          <a:p>
-            <a:pPr lvl="0" defTabSz="396875">
-              <a:lnSpc>
-                <a:spcPct val="120000"/>
-              </a:lnSpc>
-            </a:pPr>
-            <a:r>
-              <a:rPr lang="en-US" sz="2000" dirty="0">
-                <a:solidFill>
-                  <a:schemeClr val="tx1">
-                    <a:lumMod val="90000"/>
-                    <a:lumOff val="10000"/>
-                  </a:schemeClr>
-                </a:solidFill>
-                <a:latin typeface="Courier"/>
-                <a:cs typeface="Courier"/>
-              </a:rPr>
-              <a:t>		</a:t>
-            </a:r>
-            <a:r>
-              <a:rPr lang="en-US" sz="2000" dirty="0" smtClean="0">
-                <a:solidFill>
-                  <a:schemeClr val="tx1">
-                    <a:lumMod val="90000"/>
-                    <a:lumOff val="10000"/>
-                  </a:schemeClr>
-                </a:solidFill>
-                <a:latin typeface="Courier"/>
-                <a:cs typeface="Courier"/>
-              </a:rPr>
-              <a:t>&lt;</a:t>
-            </a:r>
-            <a:r>
-              <a:rPr lang="en-US" sz="2000" dirty="0">
-                <a:solidFill>
-                  <a:schemeClr val="tx1">
-                    <a:lumMod val="90000"/>
-                    <a:lumOff val="10000"/>
-                  </a:schemeClr>
-                </a:solidFill>
-                <a:latin typeface="Courier"/>
-                <a:cs typeface="Courier"/>
-              </a:rPr>
-              <a:t>capability&gt;urn:ietf:params:netconf:capability:startup:1.0&lt;/capability&gt;</a:t>
-            </a:r>
-          </a:p>
-          <a:p>
-            <a:pPr lvl="0" defTabSz="396875">
-              <a:lnSpc>
-                <a:spcPct val="120000"/>
-              </a:lnSpc>
-            </a:pPr>
-            <a:r>
-              <a:rPr lang="en-US" sz="2000" dirty="0">
-                <a:solidFill>
-                  <a:schemeClr val="tx1">
-                    <a:lumMod val="90000"/>
-                    <a:lumOff val="10000"/>
-                  </a:schemeClr>
-                </a:solidFill>
-                <a:latin typeface="Courier"/>
-                <a:cs typeface="Courier"/>
-              </a:rPr>
-              <a:t>	</a:t>
-            </a:r>
-            <a:r>
-              <a:rPr lang="en-US" sz="2000" dirty="0" smtClean="0">
-                <a:solidFill>
-                  <a:schemeClr val="tx1">
-                    <a:lumMod val="90000"/>
-                    <a:lumOff val="10000"/>
-                  </a:schemeClr>
-                </a:solidFill>
-                <a:latin typeface="Courier"/>
-                <a:cs typeface="Courier"/>
-              </a:rPr>
-              <a:t>&lt;</a:t>
-            </a:r>
-            <a:r>
-              <a:rPr lang="en-US" sz="2000" dirty="0">
-                <a:solidFill>
-                  <a:schemeClr val="tx1">
-                    <a:lumMod val="90000"/>
-                    <a:lumOff val="10000"/>
-                  </a:schemeClr>
-                </a:solidFill>
-                <a:latin typeface="Courier"/>
-                <a:cs typeface="Courier"/>
-              </a:rPr>
-              <a:t>/capabilities</a:t>
-            </a:r>
-            <a:r>
-              <a:rPr lang="en-US" sz="2000" dirty="0" smtClean="0">
-                <a:solidFill>
-                  <a:schemeClr val="tx1">
-                    <a:lumMod val="90000"/>
-                    <a:lumOff val="10000"/>
-                  </a:schemeClr>
-                </a:solidFill>
-                <a:latin typeface="Courier"/>
-                <a:cs typeface="Courier"/>
-              </a:rPr>
-              <a:t>&gt;</a:t>
-            </a:r>
-          </a:p>
-          <a:p>
-            <a:pPr lvl="0" defTabSz="396875">
-              <a:lnSpc>
-                <a:spcPct val="120000"/>
-              </a:lnSpc>
-            </a:pPr>
-            <a:r>
-              <a:rPr lang="en-US" sz="2000" dirty="0">
-                <a:solidFill>
-                  <a:schemeClr val="tx1">
-                    <a:lumMod val="90000"/>
-                    <a:lumOff val="10000"/>
-                  </a:schemeClr>
-                </a:solidFill>
-                <a:latin typeface="Courier"/>
-                <a:cs typeface="Courier"/>
-              </a:rPr>
-              <a:t>	</a:t>
-            </a:r>
-            <a:r>
-              <a:rPr lang="en-US" sz="2000" dirty="0" smtClean="0">
-                <a:solidFill>
-                  <a:schemeClr val="tx1">
-                    <a:lumMod val="90000"/>
-                    <a:lumOff val="10000"/>
-                  </a:schemeClr>
-                </a:solidFill>
-                <a:latin typeface="Courier"/>
-                <a:cs typeface="Courier"/>
-              </a:rPr>
-              <a:t>&lt;session-id&gt;4&lt;/session-id&gt;</a:t>
-            </a:r>
-          </a:p>
-          <a:p>
-            <a:pPr lvl="0" defTabSz="396875">
-              <a:lnSpc>
-                <a:spcPct val="120000"/>
-              </a:lnSpc>
-            </a:pPr>
-            <a:r>
-              <a:rPr lang="en-US" sz="2000" dirty="0" smtClean="0">
-                <a:solidFill>
-                  <a:schemeClr val="tx1">
-                    <a:lumMod val="90000"/>
-                    <a:lumOff val="10000"/>
-                  </a:schemeClr>
-                </a:solidFill>
-                <a:latin typeface="Courier"/>
-                <a:cs typeface="Courier"/>
-              </a:rPr>
-              <a:t>&lt;</a:t>
-            </a:r>
-            <a:r>
-              <a:rPr lang="en-US" sz="2000" dirty="0">
-                <a:solidFill>
-                  <a:schemeClr val="tx1">
-                    <a:lumMod val="90000"/>
-                    <a:lumOff val="10000"/>
-                  </a:schemeClr>
-                </a:solidFill>
-                <a:latin typeface="Courier"/>
-                <a:cs typeface="Courier"/>
-              </a:rPr>
-              <a:t>/hello</a:t>
-            </a:r>
-            <a:r>
-              <a:rPr lang="en-US" sz="2000" dirty="0" smtClean="0">
-                <a:solidFill>
-                  <a:schemeClr val="tx1">
-                    <a:lumMod val="90000"/>
-                    <a:lumOff val="10000"/>
-                  </a:schemeClr>
-                </a:solidFill>
-                <a:latin typeface="Courier"/>
-                <a:cs typeface="Courier"/>
-              </a:rPr>
-              <a:t>&gt;</a:t>
-            </a:r>
-            <a:endParaRPr lang="en-US" sz="2000" dirty="0">
-              <a:solidFill>
-                <a:schemeClr val="tx1">
-                  <a:lumMod val="90000"/>
-                  <a:lumOff val="10000"/>
-                </a:schemeClr>
-              </a:solidFill>
-              <a:latin typeface="Courier"/>
-              <a:cs typeface="Courier"/>
-            </a:endParaRPr>
+              <a:t>&lt;/hello&gt;</a:t>
+            </a:r>
           </a:p>
         </p:txBody>
       </p:sp>
@@ -7694,10 +7022,9 @@
           <a:lstStyle/>
           <a:p>
             <a:r>
-              <a:rPr lang="en-US" sz="2000" dirty="0" smtClean="0"/>
+              <a:rPr lang="en-US" sz="2000" dirty="0"/>
               <a:t>Client</a:t>
             </a:r>
-            <a:endParaRPr lang="en-US" sz="2000" dirty="0"/>
           </a:p>
         </p:txBody>
       </p:sp>
@@ -7724,10 +7051,9 @@
           <a:lstStyle/>
           <a:p>
             <a:r>
-              <a:rPr lang="en-US" sz="2000" dirty="0" smtClean="0"/>
+              <a:rPr lang="en-US" sz="2000" dirty="0"/>
               <a:t>Server</a:t>
             </a:r>
-            <a:endParaRPr lang="en-US" sz="2000" dirty="0"/>
           </a:p>
         </p:txBody>
       </p:sp>
@@ -7741,13 +7067,6 @@
   <p:clrMapOvr>
     <a:masterClrMapping/>
   </p:clrMapOvr>
-  <p:timing>
-    <p:tnLst>
-      <p:par>
-        <p:cTn xmlns:p14="http://schemas.microsoft.com/office/powerpoint/2010/main" id="1" dur="indefinite" restart="never" nodeType="tmRoot"/>
-      </p:par>
-    </p:tnLst>
-  </p:timing>
 </p:sld>
 </file>
 
@@ -7784,10 +7103,9 @@
           <a:lstStyle/>
           <a:p>
             <a:r>
-              <a:rPr lang="en-US" dirty="0" smtClean="0"/>
+              <a:rPr lang="en-US" dirty="0"/>
               <a:t>Network Management Problems Needing Solutions</a:t>
             </a:r>
-            <a:endParaRPr lang="en-US" dirty="0"/>
           </a:p>
         </p:txBody>
       </p:sp>
@@ -7819,7 +7137,7 @@
               </a:lnSpc>
             </a:pPr>
             <a:r>
-              <a:rPr lang="en-US" sz="2800" dirty="0" smtClean="0">
+              <a:rPr lang="en-US" sz="2800" dirty="0">
                 <a:solidFill>
                   <a:srgbClr val="000000"/>
                 </a:solidFill>
@@ -7827,12 +7145,6 @@
               </a:rPr>
               <a:t>I must configure everything manually from the CLI. I need a programmatic interface!</a:t>
             </a:r>
-            <a:endParaRPr lang="en-US" sz="2800" dirty="0">
-              <a:solidFill>
-                <a:srgbClr val="000000"/>
-              </a:solidFill>
-              <a:cs typeface="Calibri Light"/>
-            </a:endParaRPr>
           </a:p>
           <a:p>
             <a:pPr>
@@ -7841,7 +7153,7 @@
               </a:lnSpc>
             </a:pPr>
             <a:r>
-              <a:rPr lang="en-US" sz="2800" dirty="0" smtClean="0">
+              <a:rPr lang="en-US" sz="2800" dirty="0">
                 <a:solidFill>
                   <a:srgbClr val="000000"/>
                 </a:solidFill>
@@ -7857,7 +7169,7 @@
               </a:lnSpc>
             </a:pPr>
             <a:r>
-              <a:rPr lang="en-US" sz="2800" dirty="0" smtClean="0">
+              <a:rPr lang="en-US" sz="2800" dirty="0">
                 <a:solidFill>
                   <a:srgbClr val="000000"/>
                 </a:solidFill>
@@ -7866,7 +7178,7 @@
               <a:t>I can’t tell the difference between </a:t>
             </a:r>
             <a:r>
-              <a:rPr lang="en-US" sz="2800" dirty="0" err="1" smtClean="0">
+              <a:rPr lang="en-US" sz="2800" dirty="0" err="1">
                 <a:solidFill>
                   <a:srgbClr val="000000"/>
                 </a:solidFill>
@@ -7875,7 +7187,7 @@
               <a:t>config</a:t>
             </a:r>
             <a:r>
-              <a:rPr lang="en-US" sz="2800" dirty="0" smtClean="0">
+              <a:rPr lang="en-US" sz="2800" dirty="0">
                 <a:solidFill>
                   <a:srgbClr val="000000"/>
                 </a:solidFill>
@@ -7891,7 +7203,7 @@
               </a:lnSpc>
             </a:pPr>
             <a:r>
-              <a:rPr lang="en-US" sz="2800" dirty="0" smtClean="0">
+              <a:rPr lang="en-US" sz="2800" dirty="0">
                 <a:solidFill>
                   <a:srgbClr val="000000"/>
                 </a:solidFill>
@@ -7907,7 +7219,7 @@
               </a:lnSpc>
             </a:pPr>
             <a:r>
-              <a:rPr lang="en-US" sz="2800" dirty="0" smtClean="0">
+              <a:rPr lang="en-US" sz="2800" dirty="0">
                 <a:solidFill>
                   <a:srgbClr val="000000"/>
                 </a:solidFill>
@@ -7923,7 +7235,7 @@
               </a:lnSpc>
             </a:pPr>
             <a:r>
-              <a:rPr lang="en-US" sz="2800" dirty="0" smtClean="0">
+              <a:rPr lang="en-US" sz="2800" dirty="0">
                 <a:solidFill>
                   <a:srgbClr val="000000"/>
                 </a:solidFill>
@@ -7931,12 +7243,6 @@
               </a:rPr>
               <a:t>I cannot test a configuration before committing it!</a:t>
             </a:r>
-            <a:endParaRPr lang="en-US" sz="2800" dirty="0">
-              <a:solidFill>
-                <a:srgbClr val="000000"/>
-              </a:solidFill>
-              <a:cs typeface="Calibri Light"/>
-            </a:endParaRPr>
           </a:p>
         </p:txBody>
       </p:sp>
@@ -7950,13 +7256,6 @@
   <p:clrMapOvr>
     <a:masterClrMapping/>
   </p:clrMapOvr>
-  <p:timing>
-    <p:tnLst>
-      <p:par>
-        <p:cTn xmlns:p14="http://schemas.microsoft.com/office/powerpoint/2010/main" id="1" dur="indefinite" restart="never" nodeType="tmRoot"/>
-      </p:par>
-    </p:tnLst>
-  </p:timing>
 </p:sld>
 </file>
 
@@ -8692,22 +7991,10 @@
                 </a:solidFill>
                 <a:cs typeface="Calibri Light"/>
               </a:rPr>
-              <a:t>NETCONF provides the fundamental programming features for comfortable and robust automation of network </a:t>
-            </a:r>
-            <a:r>
-              <a:rPr lang="en-US" sz="2800" dirty="0" smtClean="0">
-                <a:solidFill>
-                  <a:schemeClr val="tx1">
-                    <a:lumMod val="90000"/>
-                    <a:lumOff val="10000"/>
-                  </a:schemeClr>
-                </a:solidFill>
-                <a:cs typeface="Calibri Light"/>
-              </a:rPr>
-              <a:t>services</a:t>
+              <a:t>NETCONF provides the fundamental programming features for comfortable and robust automation of network services</a:t>
             </a:r>
             <a:br>
-              <a:rPr lang="en-US" sz="2800" dirty="0" smtClean="0">
+              <a:rPr lang="en-US" sz="2800" dirty="0">
                 <a:solidFill>
                   <a:schemeClr val="tx1">
                     <a:lumMod val="90000"/>
@@ -8735,7 +8022,7 @@
               <a:buNone/>
             </a:pPr>
             <a:r>
-              <a:rPr lang="en-US" sz="2800" dirty="0" smtClean="0">
+              <a:rPr lang="en-US" sz="2800" dirty="0">
                 <a:solidFill>
                   <a:schemeClr val="tx1">
                     <a:lumMod val="90000"/>
@@ -8746,15 +8033,6 @@
               </a:rPr>
               <a:t>Scripting can be done via Python or PERL</a:t>
             </a:r>
-            <a:endParaRPr lang="en-US" sz="2800" dirty="0">
-              <a:solidFill>
-                <a:schemeClr val="tx1">
-                  <a:lumMod val="90000"/>
-                  <a:lumOff val="10000"/>
-                </a:schemeClr>
-              </a:solidFill>
-              <a:cs typeface="Calibri Light"/>
-            </a:endParaRPr>
           </a:p>
           <a:p>
             <a:pPr marL="0" indent="0">
@@ -8786,14 +8064,11 @@
           <a:lstStyle/>
           <a:p>
             <a:r>
-              <a:rPr lang="en-US" dirty="0" smtClean="0">
+              <a:rPr lang="en-US" dirty="0">
                 <a:latin typeface="+mn-lt"/>
               </a:rPr>
               <a:t>I must configure everything manually from the CLI. I need a programmatic interface!</a:t>
             </a:r>
-            <a:endParaRPr lang="en-US" dirty="0">
-              <a:latin typeface="+mn-lt"/>
-            </a:endParaRPr>
           </a:p>
         </p:txBody>
       </p:sp>
@@ -8996,7 +8271,7 @@
               <a:t>				&lt;</a:t>
             </a:r>
             <a:r>
-              <a:rPr lang="en-US" sz="1600" dirty="0" err="1" smtClean="0">
+              <a:rPr lang="en-US" sz="1600" dirty="0" err="1">
                 <a:solidFill>
                   <a:schemeClr val="tx1">
                     <a:lumMod val="90000"/>
@@ -9069,31 +8344,8 @@
                 <a:latin typeface="Courier"/>
                 <a:cs typeface="Courier"/>
               </a:rPr>
-              <a:t>			&lt;</a:t>
-            </a:r>
-            <a:r>
-              <a:rPr lang="en-US" sz="1600" dirty="0" smtClean="0">
-                <a:solidFill>
-                  <a:schemeClr val="tx1">
-                    <a:lumMod val="90000"/>
-                    <a:lumOff val="10000"/>
-                  </a:schemeClr>
-                </a:solidFill>
-                <a:latin typeface="Courier"/>
-                <a:cs typeface="Courier"/>
-              </a:rPr>
-              <a:t>source&gt;</a:t>
-            </a:r>
-            <a:endParaRPr lang="en-US" sz="1600" dirty="0">
-              <a:solidFill>
-                <a:schemeClr val="tx1">
-                  <a:lumMod val="90000"/>
-                  <a:lumOff val="10000"/>
-                </a:schemeClr>
-              </a:solidFill>
-              <a:latin typeface="Courier"/>
-              <a:cs typeface="Courier"/>
-            </a:endParaRPr>
+              <a:t>			&lt;source&gt;</a:t>
+            </a:r>
           </a:p>
           <a:p>
             <a:pPr marL="393700" indent="-393700">
@@ -9312,13 +8564,6 @@
   <p:clrMapOvr>
     <a:masterClrMapping/>
   </p:clrMapOvr>
-  <p:timing>
-    <p:tnLst>
-      <p:par>
-        <p:cTn xmlns:p14="http://schemas.microsoft.com/office/powerpoint/2010/main" id="1" dur="indefinite" restart="never" nodeType="tmRoot"/>
-      </p:par>
-    </p:tnLst>
-  </p:timing>
 </p:sld>
 </file>
 
@@ -9357,14 +8602,11 @@
           <a:lstStyle/>
           <a:p>
             <a:r>
-              <a:rPr lang="en-US" dirty="0" smtClean="0">
+              <a:rPr lang="en-US" dirty="0">
                 <a:latin typeface="+mn-lt"/>
               </a:rPr>
               <a:t>All devices seem to have a different syntax or configuration file!</a:t>
             </a:r>
-            <a:endParaRPr lang="en-US" dirty="0">
-              <a:latin typeface="+mn-lt"/>
-            </a:endParaRPr>
           </a:p>
         </p:txBody>
       </p:sp>
@@ -9400,7 +8642,7 @@
           <a:noFill/>
           <a:extLst>
             <a:ext uri="{909E8E84-426E-40dd-AFC4-6F175D3DCCD1}">
-              <a14:hiddenFill xmlns:a14="http://schemas.microsoft.com/office/drawing/2010/main">
+              <a14:hiddenFill xmlns:a14="http://schemas.microsoft.com/office/drawing/2010/main" xmlns="">
                 <a:solidFill>
                   <a:srgbClr val="FFFFFF"/>
                 </a:solidFill>
@@ -9437,49 +8679,13 @@
               </a:lnSpc>
             </a:pPr>
             <a:r>
-              <a:rPr lang="en-US" sz="2800" dirty="0" smtClean="0">
+              <a:rPr lang="en-US" sz="2800" dirty="0">
                 <a:solidFill>
                   <a:srgbClr val="000000"/>
                 </a:solidFill>
                 <a:cs typeface="Calibri Light"/>
               </a:rPr>
-              <a:t>There is a single standard </a:t>
-            </a:r>
-            <a:r>
-              <a:rPr lang="en-US" sz="2800" dirty="0">
-                <a:solidFill>
-                  <a:srgbClr val="000000"/>
-                </a:solidFill>
-                <a:cs typeface="Calibri Light"/>
-              </a:rPr>
-              <a:t>IETF XML configuration </a:t>
-            </a:r>
-            <a:r>
-              <a:rPr lang="en-US" sz="2800" dirty="0" smtClean="0">
-                <a:solidFill>
-                  <a:srgbClr val="000000"/>
-                </a:solidFill>
-                <a:cs typeface="Calibri Light"/>
-              </a:rPr>
-              <a:t>schema </a:t>
-            </a:r>
-            <a:r>
-              <a:rPr lang="en-US" sz="2800" dirty="0">
-                <a:solidFill>
-                  <a:srgbClr val="000000"/>
-                </a:solidFill>
-                <a:cs typeface="Calibri Light"/>
-              </a:rPr>
-              <a:t>to </a:t>
-            </a:r>
-            <a:r>
-              <a:rPr lang="en-US" sz="2800" dirty="0" smtClean="0">
-                <a:solidFill>
-                  <a:srgbClr val="000000"/>
-                </a:solidFill>
-                <a:cs typeface="Calibri Light"/>
-              </a:rPr>
-              <a:t>upload/download regardless of device.</a:t>
+              <a:t>There is a single standard IETF XML configuration schema to upload/download regardless of device.</a:t>
             </a:r>
           </a:p>
         </p:txBody>
@@ -9511,7 +8717,7 @@
               </a:lnSpc>
             </a:pPr>
             <a:r>
-              <a:rPr lang="en-US" sz="2400" dirty="0" smtClean="0">
+              <a:rPr lang="en-US" sz="2400" dirty="0">
                 <a:solidFill>
                   <a:srgbClr val="000000"/>
                 </a:solidFill>
@@ -9529,29 +8735,14 @@
               <a:buChar char="–"/>
             </a:pPr>
             <a:r>
-              <a:rPr lang="en-US" sz="2400" dirty="0" smtClean="0">
+              <a:rPr lang="en-US" sz="2400" dirty="0">
                 <a:solidFill>
                   <a:srgbClr val="000000"/>
                 </a:solidFill>
                 <a:cs typeface="Calibri Light"/>
               </a:rPr>
-              <a:t>Human </a:t>
-            </a:r>
-            <a:r>
-              <a:rPr lang="en-US" sz="2400" dirty="0">
-                <a:solidFill>
-                  <a:srgbClr val="000000"/>
-                </a:solidFill>
-                <a:cs typeface="Calibri Light"/>
-              </a:rPr>
-              <a:t>readable, easy to learn </a:t>
-            </a:r>
-            <a:endParaRPr lang="en-US" sz="2400" dirty="0" smtClean="0">
-              <a:solidFill>
-                <a:srgbClr val="000000"/>
-              </a:solidFill>
-              <a:cs typeface="Calibri Light"/>
-            </a:endParaRPr>
+              <a:t>Human readable, easy to learn </a:t>
+            </a:r>
           </a:p>
           <a:p>
             <a:pPr marL="457200" indent="-457200">
@@ -9562,38 +8753,14 @@
               <a:buChar char="–"/>
             </a:pPr>
             <a:r>
-              <a:rPr lang="en-US" sz="2400" dirty="0" smtClean="0">
+              <a:rPr lang="en-US" sz="2400" dirty="0">
                 <a:solidFill>
                   <a:srgbClr val="000000"/>
                 </a:solidFill>
                 <a:cs typeface="Calibri Light"/>
               </a:rPr>
-              <a:t>Hierarchical </a:t>
-            </a:r>
-            <a:r>
-              <a:rPr lang="en-US" sz="2400" dirty="0">
-                <a:solidFill>
-                  <a:srgbClr val="000000"/>
-                </a:solidFill>
-                <a:cs typeface="Calibri Light"/>
-              </a:rPr>
-              <a:t>configuration </a:t>
-            </a:r>
-            <a:r>
-              <a:rPr lang="en-US" sz="2400" dirty="0" smtClean="0">
-                <a:solidFill>
-                  <a:srgbClr val="000000"/>
-                </a:solidFill>
-                <a:cs typeface="Calibri Light"/>
-              </a:rPr>
-              <a:t>data models</a:t>
-            </a:r>
-            <a:endParaRPr lang="en-US" sz="2400" dirty="0">
-              <a:solidFill>
-                <a:srgbClr val="000000"/>
-              </a:solidFill>
-              <a:cs typeface="Calibri Light"/>
-            </a:endParaRPr>
+              <a:t>Hierarchical configuration data models</a:t>
+            </a:r>
           </a:p>
           <a:p>
             <a:pPr marL="457200" indent="-457200">
@@ -9604,49 +8771,13 @@
               <a:buChar char="–"/>
             </a:pPr>
             <a:r>
-              <a:rPr lang="en-US" sz="2400" dirty="0" smtClean="0">
+              <a:rPr lang="en-US" sz="2400" dirty="0">
                 <a:solidFill>
                   <a:srgbClr val="000000"/>
                 </a:solidFill>
                 <a:cs typeface="Calibri Light"/>
               </a:rPr>
-              <a:t>Reusable </a:t>
-            </a:r>
-            <a:r>
-              <a:rPr lang="en-US" sz="2400" dirty="0">
-                <a:solidFill>
-                  <a:srgbClr val="000000"/>
-                </a:solidFill>
-                <a:cs typeface="Calibri Light"/>
-              </a:rPr>
-              <a:t>types and </a:t>
-            </a:r>
-            <a:r>
-              <a:rPr lang="en-US" sz="2400" dirty="0" smtClean="0">
-                <a:solidFill>
-                  <a:srgbClr val="000000"/>
-                </a:solidFill>
-                <a:cs typeface="Calibri Light"/>
-              </a:rPr>
-              <a:t>groupings (</a:t>
-            </a:r>
-            <a:r>
-              <a:rPr lang="en-US" sz="2400" dirty="0">
-                <a:solidFill>
-                  <a:srgbClr val="000000"/>
-                </a:solidFill>
-                <a:cs typeface="Calibri Light"/>
-              </a:rPr>
-              <a:t>structured types</a:t>
-            </a:r>
-            <a:r>
-              <a:rPr lang="en-US" sz="2400" dirty="0" smtClean="0">
-                <a:solidFill>
-                  <a:srgbClr val="000000"/>
-                </a:solidFill>
-                <a:cs typeface="Calibri Light"/>
-              </a:rPr>
-              <a:t>)</a:t>
+              <a:t>Reusable types and groupings (structured types)</a:t>
             </a:r>
           </a:p>
           <a:p>
@@ -9658,29 +8789,14 @@
               <a:buChar char="–"/>
             </a:pPr>
             <a:r>
-              <a:rPr lang="en-US" sz="2400" dirty="0" smtClean="0">
+              <a:rPr lang="en-US" sz="2400" dirty="0">
                 <a:solidFill>
                   <a:srgbClr val="000000"/>
                 </a:solidFill>
                 <a:cs typeface="Calibri Light"/>
               </a:rPr>
-              <a:t>Extensibility </a:t>
-            </a:r>
-            <a:r>
-              <a:rPr lang="en-US" sz="2400" dirty="0">
-                <a:solidFill>
-                  <a:srgbClr val="000000"/>
-                </a:solidFill>
-                <a:cs typeface="Calibri Light"/>
-              </a:rPr>
-              <a:t>through augmentation </a:t>
-            </a:r>
-            <a:endParaRPr lang="en-US" sz="2400" dirty="0" smtClean="0">
-              <a:solidFill>
-                <a:srgbClr val="000000"/>
-              </a:solidFill>
-              <a:cs typeface="Calibri Light"/>
-            </a:endParaRPr>
+              <a:t>Extensibility through augmentation </a:t>
+            </a:r>
           </a:p>
           <a:p>
             <a:pPr marL="457200" indent="-457200">
@@ -9691,31 +8807,13 @@
               <a:buChar char="–"/>
             </a:pPr>
             <a:r>
-              <a:rPr lang="en-US" sz="2400" dirty="0" smtClean="0">
+              <a:rPr lang="en-US" sz="2400" dirty="0">
                 <a:solidFill>
                   <a:srgbClr val="000000"/>
                 </a:solidFill>
                 <a:cs typeface="Calibri Light"/>
               </a:rPr>
-              <a:t>Formal </a:t>
-            </a:r>
-            <a:r>
-              <a:rPr lang="en-US" sz="2400" dirty="0">
-                <a:solidFill>
-                  <a:srgbClr val="000000"/>
-                </a:solidFill>
-                <a:cs typeface="Calibri Light"/>
-              </a:rPr>
-              <a:t>constraints </a:t>
-            </a:r>
-            <a:r>
-              <a:rPr lang="en-US" sz="2400" dirty="0" smtClean="0">
-                <a:solidFill>
-                  <a:srgbClr val="000000"/>
-                </a:solidFill>
-                <a:cs typeface="Calibri Light"/>
-              </a:rPr>
-              <a:t>validation</a:t>
+              <a:t>Formal constraints validation</a:t>
             </a:r>
           </a:p>
           <a:p>
@@ -9727,31 +8825,13 @@
               <a:buChar char="–"/>
             </a:pPr>
             <a:r>
-              <a:rPr lang="en-US" sz="2400" dirty="0" smtClean="0">
+              <a:rPr lang="en-US" sz="2400" dirty="0">
                 <a:solidFill>
                   <a:srgbClr val="000000"/>
                 </a:solidFill>
                 <a:cs typeface="Calibri Light"/>
               </a:rPr>
-              <a:t>Modular </a:t>
-            </a:r>
-            <a:r>
-              <a:rPr lang="en-US" sz="2400" dirty="0">
-                <a:solidFill>
-                  <a:srgbClr val="000000"/>
-                </a:solidFill>
-                <a:cs typeface="Calibri Light"/>
-              </a:rPr>
-              <a:t>(modules and sub-modules</a:t>
-            </a:r>
-            <a:r>
-              <a:rPr lang="en-US" sz="2400" dirty="0" smtClean="0">
-                <a:solidFill>
-                  <a:srgbClr val="000000"/>
-                </a:solidFill>
-                <a:cs typeface="Calibri Light"/>
-              </a:rPr>
-              <a:t>)</a:t>
+              <a:t>Modular (modules and sub-modules)</a:t>
             </a:r>
           </a:p>
           <a:p>
@@ -9763,22 +8843,13 @@
               <a:buChar char="–"/>
             </a:pPr>
             <a:r>
-              <a:rPr lang="en-US" sz="2400" dirty="0" smtClean="0">
+              <a:rPr lang="en-US" sz="2400" dirty="0">
                 <a:solidFill>
                   <a:srgbClr val="000000"/>
                 </a:solidFill>
                 <a:cs typeface="Calibri Light"/>
               </a:rPr>
-              <a:t>Well </a:t>
-            </a:r>
-            <a:r>
-              <a:rPr lang="en-US" sz="2400" dirty="0">
-                <a:solidFill>
-                  <a:srgbClr val="000000"/>
-                </a:solidFill>
-                <a:cs typeface="Calibri Light"/>
-              </a:rPr>
-              <a:t>defined versioning rules</a:t>
+              <a:t>Well defined versioning rules</a:t>
             </a:r>
           </a:p>
         </p:txBody>
@@ -9793,13 +8864,6 @@
   <p:clrMapOvr>
     <a:masterClrMapping/>
   </p:clrMapOvr>
-  <p:timing>
-    <p:tnLst>
-      <p:par>
-        <p:cTn xmlns:p14="http://schemas.microsoft.com/office/powerpoint/2010/main" id="1" dur="indefinite" restart="never" nodeType="tmRoot"/>
-      </p:par>
-    </p:tnLst>
-  </p:timing>
 </p:sld>
 </file>
 
@@ -9838,7 +8902,7 @@
           <a:lstStyle/>
           <a:p>
             <a:r>
-              <a:rPr lang="en-US" smtClean="0">
+              <a:rPr lang="en-US">
                 <a:latin typeface="+mn-lt"/>
               </a:rPr>
               <a:t>I can’t tell the difference between config and state data!</a:t>
@@ -10026,7 +9090,7 @@
               <a:defRPr/>
             </a:pPr>
             <a:r>
-              <a:rPr kumimoji="0" lang="en-US" sz="3200" b="0" i="0" u="none" strike="noStrike" kern="1200" cap="none" spc="0" normalizeH="0" baseline="0" noProof="0" dirty="0" smtClean="0">
+              <a:rPr kumimoji="0" lang="en-US" sz="3200" b="0" i="0" u="none" strike="noStrike" kern="1200" cap="none" spc="0" normalizeH="0" baseline="0" noProof="0" dirty="0">
                 <a:ln>
                   <a:noFill/>
                 </a:ln>
@@ -10043,7 +9107,7 @@
               <a:t>YANG Models clearly divided into Configuration and State </a:t>
             </a:r>
             <a:r>
-              <a:rPr kumimoji="0" lang="en-US" sz="3200" b="0" i="0" u="none" strike="noStrike" kern="1200" cap="none" spc="0" normalizeH="0" baseline="0" noProof="0" dirty="0" err="1" smtClean="0">
+              <a:rPr kumimoji="0" lang="en-US" sz="3200" b="0" i="0" u="none" strike="noStrike" kern="1200" cap="none" spc="0" normalizeH="0" baseline="0" noProof="0" dirty="0" err="1">
                 <a:ln>
                   <a:noFill/>
                 </a:ln>
@@ -10059,7 +9123,7 @@
               </a:rPr>
               <a:t>Datastores</a:t>
             </a:r>
-            <a:endParaRPr kumimoji="0" lang="en-US" sz="3200" b="0" i="0" u="none" strike="noStrike" kern="1200" cap="none" spc="0" normalizeH="0" baseline="0" noProof="0" dirty="0" smtClean="0">
+            <a:endParaRPr kumimoji="0" lang="en-US" sz="3200" b="0" i="0" u="none" strike="noStrike" kern="1200" cap="none" spc="0" normalizeH="0" baseline="0" noProof="0" dirty="0">
               <a:ln>
                 <a:noFill/>
               </a:ln>
@@ -10093,7 +9157,7 @@
               <a:defRPr/>
             </a:pPr>
             <a:r>
-              <a:rPr kumimoji="0" lang="en-US" sz="3200" b="0" i="0" u="none" strike="noStrike" kern="1200" cap="none" spc="0" normalizeH="0" baseline="0" noProof="0" dirty="0" smtClean="0">
+              <a:rPr kumimoji="0" lang="en-US" sz="3200" b="0" i="0" u="none" strike="noStrike" kern="1200" cap="none" spc="0" normalizeH="0" baseline="0" noProof="0" dirty="0">
                 <a:ln>
                   <a:noFill/>
                 </a:ln>
@@ -10494,13 +9558,6 @@
   <p:clrMapOvr>
     <a:masterClrMapping/>
   </p:clrMapOvr>
-  <p:timing>
-    <p:tnLst>
-      <p:par>
-        <p:cTn xmlns:p14="http://schemas.microsoft.com/office/powerpoint/2010/main" id="1" dur="indefinite" restart="never" nodeType="tmRoot"/>
-      </p:par>
-    </p:tnLst>
-  </p:timing>
 </p:sld>
 </file>
 
@@ -10568,7 +9625,7 @@
           <a:lstStyle/>
           <a:p>
             <a:r>
-              <a:rPr lang="en-US" smtClean="0"/>
+              <a:rPr lang="en-US"/>
               <a:t>I need to be able to configure a service on the network and not individual devices!</a:t>
             </a:r>
             <a:endParaRPr lang="en-US" dirty="0"/>
@@ -10603,7 +9660,7 @@
               </a:lnSpc>
             </a:pPr>
             <a:r>
-              <a:rPr lang="en-US" sz="3600" dirty="0" smtClean="0">
+              <a:rPr lang="en-US" sz="3600" dirty="0">
                 <a:solidFill>
                   <a:srgbClr val="000000"/>
                 </a:solidFill>
@@ -10619,7 +9676,7 @@
               </a:lnSpc>
             </a:pPr>
             <a:r>
-              <a:rPr lang="en-US" sz="3600" dirty="0" smtClean="0">
+              <a:rPr lang="en-US" sz="3600" dirty="0">
                 <a:solidFill>
                   <a:srgbClr val="000000"/>
                 </a:solidFill>
@@ -10637,7 +9694,7 @@
               <a:buChar char="–"/>
             </a:pPr>
             <a:r>
-              <a:rPr lang="en-US" sz="3200" dirty="0" smtClean="0">
+              <a:rPr lang="en-US" sz="3200" dirty="0">
                 <a:solidFill>
                   <a:srgbClr val="000000"/>
                 </a:solidFill>
@@ -10655,7 +9712,7 @@
               <a:buChar char="–"/>
             </a:pPr>
             <a:r>
-              <a:rPr lang="en-US" sz="3200" dirty="0" smtClean="0">
+              <a:rPr lang="en-US" sz="3200" dirty="0">
                 <a:solidFill>
                   <a:srgbClr val="000000"/>
                 </a:solidFill>
@@ -10673,7 +9730,7 @@
               <a:buChar char="–"/>
             </a:pPr>
             <a:r>
-              <a:rPr lang="en-US" sz="3200" dirty="0" smtClean="0">
+              <a:rPr lang="en-US" sz="3200" dirty="0">
                 <a:solidFill>
                   <a:srgbClr val="000000"/>
                 </a:solidFill>
@@ -10691,7 +9748,7 @@
               <a:buChar char="–"/>
             </a:pPr>
             <a:r>
-              <a:rPr lang="en-US" sz="3200" dirty="0" smtClean="0">
+              <a:rPr lang="en-US" sz="3200" dirty="0">
                 <a:solidFill>
                   <a:srgbClr val="000000"/>
                 </a:solidFill>
@@ -10709,7 +9766,7 @@
               <a:buChar char="–"/>
             </a:pPr>
             <a:r>
-              <a:rPr lang="en-US" sz="3200" dirty="0" smtClean="0">
+              <a:rPr lang="en-US" sz="3200" dirty="0">
                 <a:solidFill>
                   <a:srgbClr val="000000"/>
                 </a:solidFill>
@@ -10717,12 +9774,6 @@
               </a:rPr>
               <a:t>Release locks</a:t>
             </a:r>
-            <a:endParaRPr lang="en-US" sz="3200" dirty="0">
-              <a:solidFill>
-                <a:srgbClr val="000000"/>
-              </a:solidFill>
-              <a:cs typeface="Calibri Light"/>
-            </a:endParaRPr>
           </a:p>
         </p:txBody>
       </p:sp>
@@ -10736,13 +9787,6 @@
   <p:clrMapOvr>
     <a:masterClrMapping/>
   </p:clrMapOvr>
-  <p:timing>
-    <p:tnLst>
-      <p:par>
-        <p:cTn xmlns:p14="http://schemas.microsoft.com/office/powerpoint/2010/main" id="1" dur="indefinite" restart="never" nodeType="tmRoot"/>
-      </p:par>
-    </p:tnLst>
-  </p:timing>
 </p:sld>
 </file>
 
@@ -10816,10 +9860,9 @@
           <a:lstStyle/>
           <a:p>
             <a:r>
-              <a:rPr lang="en-US" dirty="0" smtClean="0"/>
+              <a:rPr lang="en-US" dirty="0"/>
               <a:t>If I hit an error while configuring one of several devices, I must go back and reconfigure all devices back to the way they were!</a:t>
             </a:r>
-            <a:endParaRPr lang="en-US" dirty="0"/>
           </a:p>
         </p:txBody>
       </p:sp>
@@ -10850,7 +9893,7 @@
               <a:buNone/>
             </a:pPr>
             <a:r>
-              <a:rPr lang="en-US" sz="3000" dirty="0" smtClean="0">
+              <a:rPr lang="en-US" sz="3000" dirty="0">
                 <a:solidFill>
                   <a:schemeClr val="tx1">
                     <a:lumMod val="90000"/>
@@ -10867,7 +9910,7 @@
               <a:buNone/>
             </a:pPr>
             <a:r>
-              <a:rPr lang="en-US" sz="3000" dirty="0" smtClean="0">
+              <a:rPr lang="en-US" sz="3000" dirty="0">
                 <a:solidFill>
                   <a:schemeClr val="tx1">
                     <a:lumMod val="90000"/>
@@ -10876,43 +9919,7 @@
                 </a:solidFill>
                 <a:cs typeface="Calibri Light"/>
               </a:rPr>
-              <a:t>:</a:t>
-            </a:r>
-            <a:r>
-              <a:rPr lang="en-US" sz="3000" dirty="0">
-                <a:solidFill>
-                  <a:schemeClr val="tx1">
-                    <a:lumMod val="90000"/>
-                    <a:lumOff val="10000"/>
-                  </a:schemeClr>
-                </a:solidFill>
-                <a:cs typeface="Calibri Light"/>
-              </a:rPr>
-              <a:t>confirmed-commit </a:t>
-            </a:r>
-            <a:r>
-              <a:rPr lang="en-US" sz="3000" dirty="0" smtClean="0">
-                <a:solidFill>
-                  <a:schemeClr val="tx1">
-                    <a:lumMod val="90000"/>
-                    <a:lumOff val="10000"/>
-                  </a:schemeClr>
-                </a:solidFill>
-                <a:cs typeface="Calibri Light"/>
-              </a:rPr>
-              <a:t> 	             &lt;cancel-commit</a:t>
-            </a:r>
-            <a:r>
-              <a:rPr lang="en-US" sz="3000" dirty="0">
-                <a:solidFill>
-                  <a:schemeClr val="tx1">
-                    <a:lumMod val="90000"/>
-                    <a:lumOff val="10000"/>
-                  </a:schemeClr>
-                </a:solidFill>
-                <a:cs typeface="Calibri Light"/>
-              </a:rPr>
-              <a:t>&gt;</a:t>
+              <a:t>:confirmed-commit  	             &lt;cancel-commit&gt;</a:t>
             </a:r>
           </a:p>
           <a:p>
@@ -10958,25 +9965,7 @@
               <a:rPr lang="en-US" sz="3200" dirty="0">
                 <a:cs typeface="Calibri Light"/>
               </a:rPr>
-              <a:t>Transactions can be </a:t>
-            </a:r>
-            <a:r>
-              <a:rPr lang="en-US" sz="3200" dirty="0" smtClean="0">
-                <a:cs typeface="Calibri Light"/>
-              </a:rPr>
-              <a:t>atomic – </a:t>
-            </a:r>
-            <a:r>
-              <a:rPr lang="en-US" sz="3200" dirty="0">
-                <a:cs typeface="Calibri Light"/>
-              </a:rPr>
-              <a:t>either it completely succeeds or there is no change</a:t>
-            </a:r>
-            <a:r>
-              <a:rPr lang="en-US" sz="3200" dirty="0" smtClean="0">
-                <a:cs typeface="Calibri Light"/>
-              </a:rPr>
-              <a:t>!</a:t>
+              <a:t>Transactions can be atomic – either it completely succeeds or there is no change!</a:t>
             </a:r>
           </a:p>
           <a:p>
@@ -10986,14 +9975,11 @@
           </a:p>
           <a:p>
             <a:r>
-              <a:rPr lang="en-US" sz="3200" dirty="0" smtClean="0">
+              <a:rPr lang="en-US" sz="3200" dirty="0">
                 <a:cs typeface="Calibri Light"/>
               </a:rPr>
               <a:t>This gives you the ability to “UNDO”</a:t>
             </a:r>
-            <a:endParaRPr lang="en-US" sz="3200" dirty="0">
-              <a:cs typeface="Calibri Light"/>
-            </a:endParaRPr>
           </a:p>
         </p:txBody>
       </p:sp>
@@ -11054,13 +10040,6 @@
   <p:clrMapOvr>
     <a:masterClrMapping/>
   </p:clrMapOvr>
-  <p:timing>
-    <p:tnLst>
-      <p:par>
-        <p:cTn xmlns:p14="http://schemas.microsoft.com/office/powerpoint/2010/main" id="1" dur="indefinite" restart="never" nodeType="tmRoot"/>
-      </p:par>
-    </p:tnLst>
-  </p:timing>
 </p:sld>
 </file>
 
@@ -11099,16 +10078,12 @@
           <a:lstStyle/>
           <a:p>
             <a:r>
-              <a:rPr lang="en-US" sz="6000" dirty="0" smtClean="0">
+              <a:rPr lang="en-US" sz="6000" dirty="0">
                 <a:latin typeface="+mn-lt"/>
                 <a:cs typeface="Arial"/>
               </a:rPr>
               <a:t>Session Objectives</a:t>
             </a:r>
-            <a:endParaRPr lang="en-US" sz="6000" dirty="0">
-              <a:latin typeface="+mn-lt"/>
-              <a:cs typeface="Arial"/>
-            </a:endParaRPr>
           </a:p>
         </p:txBody>
       </p:sp>
@@ -11252,13 +10227,6 @@
   <p:clrMapOvr>
     <a:masterClrMapping/>
   </p:clrMapOvr>
-  <p:timing>
-    <p:tnLst>
-      <p:par>
-        <p:cTn xmlns:p14="http://schemas.microsoft.com/office/powerpoint/2010/main" id="1" dur="indefinite" restart="never" nodeType="tmRoot"/>
-      </p:par>
-    </p:tnLst>
-  </p:timing>
 </p:sld>
 </file>
 
@@ -11297,14 +10265,11 @@
           <a:lstStyle/>
           <a:p>
             <a:r>
-              <a:rPr lang="en-US" dirty="0" smtClean="0">
+              <a:rPr lang="en-US" dirty="0">
                 <a:latin typeface="+mn-lt"/>
               </a:rPr>
               <a:t>I cannot test a configuration before implementing it!</a:t>
             </a:r>
-            <a:endParaRPr lang="en-US" dirty="0">
-              <a:latin typeface="+mn-lt"/>
-            </a:endParaRPr>
           </a:p>
         </p:txBody>
       </p:sp>
@@ -11335,7 +10300,7 @@
               <a:buNone/>
             </a:pPr>
             <a:r>
-              <a:rPr lang="en-US" sz="3000" dirty="0" smtClean="0">
+              <a:rPr lang="en-US" sz="3000" dirty="0">
                 <a:solidFill>
                   <a:schemeClr val="tx1">
                     <a:lumMod val="90000"/>
@@ -11352,7 +10317,7 @@
               <a:buNone/>
             </a:pPr>
             <a:r>
-              <a:rPr lang="en-US" sz="3000" dirty="0" smtClean="0">
+              <a:rPr lang="en-US" sz="3000" dirty="0">
                 <a:solidFill>
                   <a:schemeClr val="tx1">
                     <a:lumMod val="90000"/>
@@ -11361,53 +10326,8 @@
                 </a:solidFill>
                 <a:cs typeface="Calibri Light"/>
               </a:rPr>
-              <a:t>:</a:t>
-            </a:r>
-            <a:r>
-              <a:rPr lang="en-US" sz="3000" dirty="0">
-                <a:solidFill>
-                  <a:schemeClr val="tx1">
-                    <a:lumMod val="90000"/>
-                    <a:lumOff val="10000"/>
-                  </a:schemeClr>
-                </a:solidFill>
-                <a:cs typeface="Calibri Light"/>
-              </a:rPr>
-              <a:t>confirmed-commit </a:t>
-            </a:r>
-            <a:r>
-              <a:rPr lang="en-US" sz="3000" dirty="0" smtClean="0">
-                <a:solidFill>
-                  <a:schemeClr val="tx1">
-                    <a:lumMod val="90000"/>
-                    <a:lumOff val="10000"/>
-                  </a:schemeClr>
-                </a:solidFill>
-                <a:cs typeface="Calibri Light"/>
-              </a:rPr>
-              <a:t> 	             </a:t>
-            </a:r>
-            <a:r>
-              <a:rPr lang="en-US" sz="3000" dirty="0" smtClean="0">
-                <a:solidFill>
-                  <a:schemeClr val="tx1">
-                    <a:lumMod val="90000"/>
-                    <a:lumOff val="10000"/>
-                  </a:schemeClr>
-                </a:solidFill>
-                <a:cs typeface="Calibri Light"/>
-              </a:rPr>
-              <a:t>      &lt;validate&gt;</a:t>
-            </a:r>
-            <a:endParaRPr lang="en-US" sz="3000" dirty="0">
-              <a:solidFill>
-                <a:schemeClr val="tx1">
-                  <a:lumMod val="90000"/>
-                  <a:lumOff val="10000"/>
-                </a:schemeClr>
-              </a:solidFill>
-              <a:cs typeface="Calibri Light"/>
-            </a:endParaRPr>
+              <a:t>:confirmed-commit  	                   &lt;validate&gt;</a:t>
+            </a:r>
           </a:p>
           <a:p>
             <a:pPr marL="0" indent="0">
@@ -11550,10 +10470,9 @@
           <a:p>
             <a:pPr algn="ctr"/>
             <a:r>
-              <a:rPr lang="en-US" dirty="0" smtClean="0"/>
+              <a:rPr lang="en-US" dirty="0"/>
               <a:t>Candidate</a:t>
             </a:r>
-            <a:endParaRPr lang="en-US" dirty="0"/>
           </a:p>
         </p:txBody>
       </p:sp>
@@ -11581,10 +10500,9 @@
           <a:p>
             <a:pPr algn="ctr"/>
             <a:r>
-              <a:rPr lang="en-US" dirty="0" smtClean="0"/>
+              <a:rPr lang="en-US" dirty="0"/>
               <a:t>validate</a:t>
             </a:r>
-            <a:endParaRPr lang="en-US" dirty="0"/>
           </a:p>
         </p:txBody>
       </p:sp>
@@ -11679,13 +10597,6 @@
   <p:clrMapOvr>
     <a:masterClrMapping/>
   </p:clrMapOvr>
-  <p:timing>
-    <p:tnLst>
-      <p:par>
-        <p:cTn xmlns:p14="http://schemas.microsoft.com/office/powerpoint/2010/main" id="1" dur="indefinite" restart="never" nodeType="tmRoot"/>
-      </p:par>
-    </p:tnLst>
-  </p:timing>
 </p:sld>
 </file>
 
@@ -11722,7 +10633,7 @@
           <a:lstStyle/>
           <a:p>
             <a:r>
-              <a:rPr lang="en-US" smtClean="0">
+              <a:rPr lang="en-US">
                 <a:latin typeface="+mn-lt"/>
               </a:rPr>
               <a:t>Use Case:</a:t>
@@ -11761,7 +10672,7 @@
               </a:lnSpc>
             </a:pPr>
             <a:r>
-              <a:rPr lang="en-US" sz="3600" dirty="0" smtClean="0">
+              <a:rPr lang="en-US" sz="3600" dirty="0">
                 <a:solidFill>
                   <a:schemeClr val="tx1">
                     <a:lumMod val="90000"/>
@@ -11780,7 +10691,7 @@
               </a:lnSpc>
             </a:pPr>
             <a:r>
-              <a:rPr lang="en-US" sz="3000" dirty="0" smtClean="0">
+              <a:rPr lang="en-US" sz="3000" dirty="0">
                 <a:solidFill>
                   <a:schemeClr val="tx1">
                     <a:lumMod val="90000"/>
@@ -11799,7 +10710,7 @@
               </a:lnSpc>
             </a:pPr>
             <a:r>
-              <a:rPr lang="en-US" sz="3000" dirty="0" smtClean="0">
+              <a:rPr lang="en-US" sz="3000" dirty="0">
                 <a:solidFill>
                   <a:schemeClr val="tx1">
                     <a:lumMod val="90000"/>
@@ -11818,7 +10729,7 @@
               </a:lnSpc>
             </a:pPr>
             <a:r>
-              <a:rPr lang="en-US" sz="3000" dirty="0" smtClean="0">
+              <a:rPr lang="en-US" sz="3000" dirty="0">
                 <a:solidFill>
                   <a:schemeClr val="tx1">
                     <a:lumMod val="90000"/>
@@ -11829,15 +10740,6 @@
               </a:rPr>
               <a:t>Task 3: Configure MPLS VPN Tunnel</a:t>
             </a:r>
-            <a:endParaRPr lang="en-US" sz="3000" dirty="0">
-              <a:solidFill>
-                <a:schemeClr val="tx1">
-                  <a:lumMod val="90000"/>
-                  <a:lumOff val="10000"/>
-                </a:schemeClr>
-              </a:solidFill>
-              <a:cs typeface="Calibri Light"/>
-            </a:endParaRPr>
           </a:p>
         </p:txBody>
       </p:sp>
@@ -11869,7 +10771,7 @@
               </a:lnSpc>
             </a:pPr>
             <a:r>
-              <a:rPr lang="en-US" sz="2800" dirty="0" smtClean="0">
+              <a:rPr lang="en-US" sz="2800" dirty="0">
                 <a:solidFill>
                   <a:schemeClr val="tx1">
                     <a:lumMod val="90000"/>
@@ -11888,7 +10790,7 @@
               </a:lnSpc>
             </a:pPr>
             <a:r>
-              <a:rPr lang="en-US" sz="2800" dirty="0" smtClean="0">
+              <a:rPr lang="en-US" sz="2800" dirty="0">
                 <a:solidFill>
                   <a:schemeClr val="tx1">
                     <a:lumMod val="90000"/>
@@ -11897,31 +10799,38 @@
                 </a:solidFill>
                 <a:cs typeface="Calibri Light"/>
               </a:rPr>
-              <a:t>FastEth0</a:t>
-            </a:r>
-            <a:r>
-              <a:rPr lang="en-US" sz="2800" dirty="0">
+              <a:t>FastEth0: </a:t>
+            </a:r>
+            <a:r>
+              <a:rPr lang="en-US" b="1" dirty="0">
                 <a:solidFill>
                   <a:schemeClr val="tx1">
                     <a:lumMod val="90000"/>
                     <a:lumOff val="10000"/>
                   </a:schemeClr>
                 </a:solidFill>
-                <a:cs typeface="Calibri Light"/>
-              </a:rPr>
-              <a:t>: </a:t>
-            </a:r>
-            <a:r>
-              <a:rPr lang="en-US" b="1" dirty="0">
+                <a:cs typeface="Courier New"/>
+              </a:rPr>
+              <a:t>2001:db8:c18:1::3/128</a:t>
+            </a:r>
+          </a:p>
+          <a:p>
+            <a:pPr>
+              <a:lnSpc>
+                <a:spcPct val="120000"/>
+              </a:lnSpc>
+            </a:pPr>
+            <a:r>
+              <a:rPr lang="en-US" sz="2800" dirty="0">
                 <a:solidFill>
                   <a:schemeClr val="tx1">
                     <a:lumMod val="90000"/>
                     <a:lumOff val="10000"/>
                   </a:schemeClr>
                 </a:solidFill>
-                <a:cs typeface="Courier New"/>
-              </a:rPr>
-              <a:t>2001:db8:c18:1::3/128</a:t>
+                <a:cs typeface="Calibri Light"/>
+              </a:rPr>
+              <a:t>Router 2:</a:t>
             </a:r>
           </a:p>
           <a:p>
@@ -11940,59 +10849,7 @@
                 </a:solidFill>
                 <a:cs typeface="Calibri Light"/>
               </a:rPr>
-              <a:t>Router </a:t>
-            </a:r>
-            <a:r>
-              <a:rPr lang="en-US" sz="2800" dirty="0" smtClean="0">
-                <a:solidFill>
-                  <a:schemeClr val="tx1">
-                    <a:lumMod val="90000"/>
-                    <a:lumOff val="10000"/>
-                  </a:schemeClr>
-                </a:solidFill>
-                <a:cs typeface="Calibri Light"/>
-              </a:rPr>
-              <a:t>2:</a:t>
-            </a:r>
-            <a:endParaRPr lang="en-US" sz="2800" dirty="0">
-              <a:solidFill>
-                <a:schemeClr val="tx1">
-                  <a:lumMod val="90000"/>
-                  <a:lumOff val="10000"/>
-                </a:schemeClr>
-              </a:solidFill>
-              <a:cs typeface="Calibri Light"/>
-            </a:endParaRPr>
-          </a:p>
-          <a:p>
-            <a:pPr>
-              <a:lnSpc>
-                <a:spcPct val="120000"/>
-              </a:lnSpc>
-            </a:pPr>
-            <a:r>
-              <a:rPr lang="en-US" sz="2800" dirty="0" smtClean="0">
-                <a:solidFill>
-                  <a:schemeClr val="tx1">
-                    <a:lumMod val="90000"/>
-                    <a:lumOff val="10000"/>
-                  </a:schemeClr>
-                </a:solidFill>
-                <a:cs typeface="Calibri Light"/>
-              </a:rPr>
-              <a:t>FastEth0</a:t>
-            </a:r>
-            <a:r>
-              <a:rPr lang="en-US" sz="2800" dirty="0">
-                <a:solidFill>
-                  <a:schemeClr val="tx1">
-                    <a:lumMod val="90000"/>
-                    <a:lumOff val="10000"/>
-                  </a:schemeClr>
-                </a:solidFill>
-                <a:cs typeface="Calibri Light"/>
-              </a:rPr>
-              <a:t>: </a:t>
+              <a:t>FastEth0: </a:t>
             </a:r>
             <a:r>
               <a:rPr lang="en-US" b="1" dirty="0">
@@ -12065,13 +10922,6 @@
   <p:clrMapOvr>
     <a:masterClrMapping/>
   </p:clrMapOvr>
-  <p:timing>
-    <p:tnLst>
-      <p:par>
-        <p:cTn xmlns:p14="http://schemas.microsoft.com/office/powerpoint/2010/main" id="1" dur="indefinite" restart="never" nodeType="tmRoot"/>
-      </p:par>
-    </p:tnLst>
-  </p:timing>
 </p:sld>
 </file>
 
@@ -12108,7 +10958,7 @@
           <a:lstStyle/>
           <a:p>
             <a:r>
-              <a:rPr lang="en-US" smtClean="0">
+              <a:rPr lang="en-US">
                 <a:solidFill>
                   <a:srgbClr val="000000"/>
                 </a:solidFill>
@@ -12157,31 +11007,13 @@
               </a:buClr>
             </a:pPr>
             <a:r>
-              <a:rPr lang="en-US" dirty="0" smtClean="0">
+              <a:rPr lang="en-US" dirty="0">
                 <a:solidFill>
                   <a:srgbClr val="000000"/>
                 </a:solidFill>
                 <a:cs typeface="Calibri Light"/>
               </a:rPr>
-              <a:t>NETCONF </a:t>
-            </a:r>
-            <a:r>
-              <a:rPr lang="en-US" dirty="0">
-                <a:solidFill>
-                  <a:srgbClr val="000000"/>
-                </a:solidFill>
-                <a:cs typeface="Calibri Light"/>
-              </a:rPr>
-              <a:t>provides the fundamental programming features for comfortable and robust automation of network </a:t>
-            </a:r>
-            <a:r>
-              <a:rPr lang="en-US" dirty="0" smtClean="0">
-                <a:solidFill>
-                  <a:srgbClr val="000000"/>
-                </a:solidFill>
-                <a:cs typeface="Calibri Light"/>
-              </a:rPr>
-              <a:t>services</a:t>
+              <a:t>NETCONF provides the fundamental programming features for comfortable and robust automation of network services</a:t>
             </a:r>
           </a:p>
           <a:p>
@@ -12197,22 +11029,13 @@
               </a:buClr>
             </a:pPr>
             <a:r>
-              <a:rPr lang="en-US" dirty="0" smtClean="0">
+              <a:rPr lang="en-US" dirty="0">
                 <a:solidFill>
                   <a:srgbClr val="000000"/>
                 </a:solidFill>
                 <a:cs typeface="Calibri Light"/>
               </a:rPr>
-              <a:t>YANG </a:t>
-            </a:r>
-            <a:r>
-              <a:rPr lang="en-US" dirty="0">
-                <a:solidFill>
-                  <a:srgbClr val="000000"/>
-                </a:solidFill>
-                <a:cs typeface="Calibri Light"/>
-              </a:rPr>
-              <a:t>is a full, formal contract language with rich syntax and semantics to build applications on</a:t>
+              <a:t>YANG is a full, formal contract language with rich syntax and semantics to build applications on</a:t>
             </a:r>
           </a:p>
           <a:p>
@@ -12240,13 +11063,6 @@
   <p:clrMapOvr>
     <a:masterClrMapping/>
   </p:clrMapOvr>
-  <p:timing>
-    <p:tnLst>
-      <p:par>
-        <p:cTn xmlns:p14="http://schemas.microsoft.com/office/powerpoint/2010/main" id="1" dur="indefinite" restart="never" nodeType="tmRoot"/>
-      </p:par>
-    </p:tnLst>
-  </p:timing>
 </p:sld>
 </file>
 
@@ -12285,16 +11101,12 @@
           <a:lstStyle/>
           <a:p>
             <a:r>
-              <a:rPr lang="en-US" sz="6000" dirty="0" smtClean="0">
+              <a:rPr lang="en-US" sz="6000" dirty="0">
                 <a:latin typeface="+mn-lt"/>
                 <a:cs typeface="Arial"/>
               </a:rPr>
               <a:t>Outline</a:t>
             </a:r>
-            <a:endParaRPr lang="en-US" sz="6000" dirty="0">
-              <a:latin typeface="+mn-lt"/>
-              <a:cs typeface="Arial"/>
-            </a:endParaRPr>
           </a:p>
         </p:txBody>
       </p:sp>
@@ -12326,7 +11138,7 @@
               </a:lnSpc>
             </a:pPr>
             <a:r>
-              <a:rPr lang="en-US" dirty="0" smtClean="0">
+              <a:rPr lang="en-US" dirty="0">
                 <a:solidFill>
                   <a:schemeClr val="tx1">
                     <a:lumMod val="90000"/>
@@ -12335,19 +11147,7 @@
                 </a:solidFill>
                 <a:cs typeface="Arial"/>
               </a:rPr>
-              <a:t>NETCONF</a:t>
-            </a:r>
-            <a:r>
-              <a:rPr lang="en-US" dirty="0">
-                <a:solidFill>
-                  <a:schemeClr val="tx1">
-                    <a:lumMod val="90000"/>
-                    <a:lumOff val="10000"/>
-                  </a:schemeClr>
-                </a:solidFill>
-                <a:cs typeface="Arial"/>
-              </a:rPr>
-              <a:t>/YANG</a:t>
+              <a:t>NETCONF/YANG</a:t>
             </a:r>
           </a:p>
           <a:p>
@@ -12464,7 +11264,7 @@
               <a:buChar char="–"/>
             </a:pPr>
             <a:r>
-              <a:rPr lang="en-US" sz="2800" dirty="0" smtClean="0">
+              <a:rPr lang="en-US" sz="2800" dirty="0">
                 <a:solidFill>
                   <a:schemeClr val="tx1">
                     <a:lumMod val="90000"/>
@@ -12509,10 +11309,17 @@
                 </a:solidFill>
                 <a:cs typeface="Arial"/>
               </a:rPr>
-              <a:t>Solutions for Network </a:t>
-            </a:r>
-            <a:r>
-              <a:rPr lang="en-US" dirty="0" smtClean="0">
+              <a:t>Solutions for Network Managers</a:t>
+            </a:r>
+          </a:p>
+          <a:p>
+            <a:pPr>
+              <a:lnSpc>
+                <a:spcPct val="110000"/>
+              </a:lnSpc>
+            </a:pPr>
+            <a:r>
+              <a:rPr lang="en-US" dirty="0">
                 <a:solidFill>
                   <a:schemeClr val="tx1">
                     <a:lumMod val="90000"/>
@@ -12521,48 +11328,8 @@
                 </a:solidFill>
                 <a:cs typeface="Arial"/>
               </a:rPr>
-              <a:t>Managers</a:t>
-            </a:r>
-          </a:p>
-          <a:p>
-            <a:pPr>
-              <a:lnSpc>
-                <a:spcPct val="110000"/>
-              </a:lnSpc>
-            </a:pPr>
-            <a:r>
-              <a:rPr lang="en-US" dirty="0">
-                <a:solidFill>
-                  <a:schemeClr val="tx1">
-                    <a:lumMod val="90000"/>
-                    <a:lumOff val="10000"/>
-                  </a:schemeClr>
-                </a:solidFill>
-                <a:cs typeface="Arial"/>
-              </a:rPr>
-              <a:t>Problems for Network </a:t>
-            </a:r>
-            <a:r>
-              <a:rPr lang="en-US" dirty="0" smtClean="0">
-                <a:solidFill>
-                  <a:schemeClr val="tx1">
-                    <a:lumMod val="90000"/>
-                    <a:lumOff val="10000"/>
-                  </a:schemeClr>
-                </a:solidFill>
-                <a:cs typeface="Arial"/>
-              </a:rPr>
-              <a:t>Managers</a:t>
-            </a:r>
-            <a:endParaRPr lang="en-US" dirty="0">
-              <a:solidFill>
-                <a:schemeClr val="tx1">
-                  <a:lumMod val="90000"/>
-                  <a:lumOff val="10000"/>
-                </a:schemeClr>
-              </a:solidFill>
-              <a:cs typeface="Arial"/>
-            </a:endParaRPr>
+              <a:t>Problems for Network Managers</a:t>
+            </a:r>
           </a:p>
           <a:p>
             <a:pPr>
@@ -12595,13 +11362,6 @@
   <p:clrMapOvr>
     <a:masterClrMapping/>
   </p:clrMapOvr>
-  <p:timing>
-    <p:tnLst>
-      <p:par>
-        <p:cTn xmlns:p14="http://schemas.microsoft.com/office/powerpoint/2010/main" id="1" dur="indefinite" restart="never" nodeType="tmRoot"/>
-      </p:par>
-    </p:tnLst>
-  </p:timing>
 </p:sld>
 </file>
 
@@ -12650,33 +11410,7 @@
                 <a:latin typeface="+mn-lt"/>
                 <a:cs typeface="Calibri Light"/>
               </a:rPr>
-              <a:t>Network </a:t>
-            </a:r>
-            <a:r>
-              <a:rPr lang="en-US" dirty="0" smtClean="0">
-                <a:solidFill>
-                  <a:schemeClr val="tx1">
-                    <a:lumMod val="90000"/>
-                    <a:lumOff val="10000"/>
-                  </a:schemeClr>
-                </a:solidFill>
-                <a:latin typeface="+mn-lt"/>
-                <a:cs typeface="Calibri Light"/>
-              </a:rPr>
-              <a:t>Management Problems </a:t>
-            </a:r>
-            <a:r>
-              <a:rPr lang="en-US" dirty="0">
-                <a:solidFill>
-                  <a:schemeClr val="tx1">
-                    <a:lumMod val="90000"/>
-                    <a:lumOff val="10000"/>
-                  </a:schemeClr>
-                </a:solidFill>
-                <a:latin typeface="+mn-lt"/>
-                <a:cs typeface="Calibri Light"/>
-              </a:rPr>
-              <a:t>Needing Solutions</a:t>
+              <a:t>Network Management Problems Needing Solutions</a:t>
             </a:r>
             <a:endParaRPr lang="en-US" dirty="0">
               <a:latin typeface="+mn-lt"/>
@@ -12741,10 +11475,17 @@
                 </a:solidFill>
                 <a:cs typeface="Calibri Light"/>
               </a:rPr>
-              <a:t>All devices have a different syntax or </a:t>
-            </a:r>
-            <a:r>
-              <a:rPr lang="en-US" sz="2800" dirty="0" smtClean="0">
+              <a:t>All devices have a different syntax or operations!</a:t>
+            </a:r>
+          </a:p>
+          <a:p>
+            <a:pPr>
+              <a:lnSpc>
+                <a:spcPct val="120000"/>
+              </a:lnSpc>
+            </a:pPr>
+            <a:r>
+              <a:rPr lang="en-US" sz="2800" dirty="0">
                 <a:solidFill>
                   <a:schemeClr val="tx1">
                     <a:lumMod val="90000"/>
@@ -12753,17 +11494,8 @@
                 </a:solidFill>
                 <a:cs typeface="Calibri Light"/>
               </a:rPr>
-              <a:t>operations!</a:t>
-            </a:r>
-            <a:endParaRPr lang="en-US" sz="2800" dirty="0">
-              <a:solidFill>
-                <a:schemeClr val="tx1">
-                  <a:lumMod val="90000"/>
-                  <a:lumOff val="10000"/>
-                </a:schemeClr>
-              </a:solidFill>
-              <a:cs typeface="Calibri Light"/>
-            </a:endParaRPr>
+              <a:t>I can’t tell the difference between configuration and operational data!</a:t>
+            </a:r>
           </a:p>
           <a:p>
             <a:pPr>
@@ -12781,10 +11513,17 @@
                 </a:solidFill>
                 <a:cs typeface="Calibri Light"/>
               </a:rPr>
-              <a:t>I can’t tell the difference between </a:t>
-            </a:r>
-            <a:r>
-              <a:rPr lang="en-US" sz="2800" dirty="0" smtClean="0">
+              <a:t>I need to be able to configure services on the network and not just individual devices!</a:t>
+            </a:r>
+          </a:p>
+          <a:p>
+            <a:pPr>
+              <a:lnSpc>
+                <a:spcPct val="120000"/>
+              </a:lnSpc>
+            </a:pPr>
+            <a:r>
+              <a:rPr lang="en-US" sz="2800" dirty="0">
                 <a:solidFill>
                   <a:schemeClr val="tx1">
                     <a:lumMod val="90000"/>
@@ -12793,8 +11532,15 @@
                 </a:solidFill>
                 <a:cs typeface="Calibri Light"/>
               </a:rPr>
-              <a:t>configuration </a:t>
-            </a:r>
+              <a:t>If I hit an error while configuring one of several devices, I must go back and reconfigure all devices back to the way they were!</a:t>
+            </a:r>
+          </a:p>
+          <a:p>
+            <a:pPr>
+              <a:lnSpc>
+                <a:spcPct val="120000"/>
+              </a:lnSpc>
+            </a:pPr>
             <a:r>
               <a:rPr lang="en-US" sz="2800" dirty="0">
                 <a:solidFill>
@@ -12805,135 +11551,6 @@
                 </a:solidFill>
                 <a:cs typeface="Calibri Light"/>
               </a:rPr>
-              <a:t>and </a:t>
-            </a:r>
-            <a:r>
-              <a:rPr lang="en-US" sz="2800" dirty="0" smtClean="0">
-                <a:solidFill>
-                  <a:schemeClr val="tx1">
-                    <a:lumMod val="90000"/>
-                    <a:lumOff val="10000"/>
-                  </a:schemeClr>
-                </a:solidFill>
-                <a:cs typeface="Calibri Light"/>
-              </a:rPr>
-              <a:t>operational </a:t>
-            </a:r>
-            <a:r>
-              <a:rPr lang="en-US" sz="2800" dirty="0">
-                <a:solidFill>
-                  <a:schemeClr val="tx1">
-                    <a:lumMod val="90000"/>
-                    <a:lumOff val="10000"/>
-                  </a:schemeClr>
-                </a:solidFill>
-                <a:cs typeface="Calibri Light"/>
-              </a:rPr>
-              <a:t>data!</a:t>
-            </a:r>
-          </a:p>
-          <a:p>
-            <a:pPr>
-              <a:lnSpc>
-                <a:spcPct val="120000"/>
-              </a:lnSpc>
-            </a:pPr>
-            <a:r>
-              <a:rPr lang="en-US" sz="2800" dirty="0">
-                <a:solidFill>
-                  <a:schemeClr val="tx1">
-                    <a:lumMod val="90000"/>
-                    <a:lumOff val="10000"/>
-                  </a:schemeClr>
-                </a:solidFill>
-                <a:cs typeface="Calibri Light"/>
-              </a:rPr>
-              <a:t>I need to be able to configure </a:t>
-            </a:r>
-            <a:r>
-              <a:rPr lang="en-US" sz="2800" dirty="0" smtClean="0">
-                <a:solidFill>
-                  <a:schemeClr val="tx1">
-                    <a:lumMod val="90000"/>
-                    <a:lumOff val="10000"/>
-                  </a:schemeClr>
-                </a:solidFill>
-                <a:cs typeface="Calibri Light"/>
-              </a:rPr>
-              <a:t>services </a:t>
-            </a:r>
-            <a:r>
-              <a:rPr lang="en-US" sz="2800" dirty="0">
-                <a:solidFill>
-                  <a:schemeClr val="tx1">
-                    <a:lumMod val="90000"/>
-                    <a:lumOff val="10000"/>
-                  </a:schemeClr>
-                </a:solidFill>
-                <a:cs typeface="Calibri Light"/>
-              </a:rPr>
-              <a:t>on the network and not </a:t>
-            </a:r>
-            <a:r>
-              <a:rPr lang="en-US" sz="2800" dirty="0" smtClean="0">
-                <a:solidFill>
-                  <a:schemeClr val="tx1">
-                    <a:lumMod val="90000"/>
-                    <a:lumOff val="10000"/>
-                  </a:schemeClr>
-                </a:solidFill>
-                <a:cs typeface="Calibri Light"/>
-              </a:rPr>
-              <a:t>just individual </a:t>
-            </a:r>
-            <a:r>
-              <a:rPr lang="en-US" sz="2800" dirty="0">
-                <a:solidFill>
-                  <a:schemeClr val="tx1">
-                    <a:lumMod val="90000"/>
-                    <a:lumOff val="10000"/>
-                  </a:schemeClr>
-                </a:solidFill>
-                <a:cs typeface="Calibri Light"/>
-              </a:rPr>
-              <a:t>devices!</a:t>
-            </a:r>
-          </a:p>
-          <a:p>
-            <a:pPr>
-              <a:lnSpc>
-                <a:spcPct val="120000"/>
-              </a:lnSpc>
-            </a:pPr>
-            <a:r>
-              <a:rPr lang="en-US" sz="2800" dirty="0">
-                <a:solidFill>
-                  <a:schemeClr val="tx1">
-                    <a:lumMod val="90000"/>
-                    <a:lumOff val="10000"/>
-                  </a:schemeClr>
-                </a:solidFill>
-                <a:cs typeface="Calibri Light"/>
-              </a:rPr>
-              <a:t>If I hit an error while configuring one of several devices, I must go back and reconfigure all devices back to the way they were!</a:t>
-            </a:r>
-          </a:p>
-          <a:p>
-            <a:pPr>
-              <a:lnSpc>
-                <a:spcPct val="120000"/>
-              </a:lnSpc>
-            </a:pPr>
-            <a:r>
-              <a:rPr lang="en-US" sz="2800" dirty="0">
-                <a:solidFill>
-                  <a:schemeClr val="tx1">
-                    <a:lumMod val="90000"/>
-                    <a:lumOff val="10000"/>
-                  </a:schemeClr>
-                </a:solidFill>
-                <a:cs typeface="Calibri Light"/>
-              </a:rPr>
               <a:t>I cannot test a configuration before committing it!</a:t>
             </a:r>
           </a:p>
@@ -12948,7 +11565,7 @@
         <p:spPr>
           <a:xfrm>
             <a:off x="1630438" y="6781800"/>
-            <a:ext cx="11933162" cy="954107"/>
+            <a:ext cx="12262139" cy="954107"/>
           </a:xfrm>
           <a:prstGeom prst="rect">
             <a:avLst/>
@@ -12968,7 +11585,7 @@
                 </a:solidFill>
                 <a:cs typeface="Calibri"/>
               </a:rPr>
-              <a:t>You will learn to overcome these problems in this training using NETCONF/YANG</a:t>
+              <a:t>You will learn to overcome these problems in this training using NETCONF and YANG</a:t>
             </a:r>
           </a:p>
           <a:p>
@@ -12990,13 +11607,6 @@
   <p:clrMapOvr>
     <a:masterClrMapping/>
   </p:clrMapOvr>
-  <p:timing>
-    <p:tnLst>
-      <p:par>
-        <p:cTn xmlns:p14="http://schemas.microsoft.com/office/powerpoint/2010/main" id="1" dur="indefinite" restart="never" nodeType="tmRoot"/>
-      </p:par>
-    </p:tnLst>
-  </p:timing>
 </p:sld>
 </file>
 
@@ -13035,7 +11645,7 @@
           <a:lstStyle/>
           <a:p>
             <a:r>
-              <a:rPr lang="en-US" dirty="0" smtClean="0">
+              <a:rPr lang="en-US" dirty="0">
                 <a:solidFill>
                   <a:schemeClr val="tx1">
                     <a:lumMod val="90000"/>
@@ -13080,7 +11690,7 @@
               <a:buNone/>
             </a:pPr>
             <a:r>
-              <a:rPr lang="en-US" sz="3200" dirty="0" smtClean="0">
+              <a:rPr lang="en-US" sz="3200" dirty="0">
                 <a:solidFill>
                   <a:srgbClr val="0F142A"/>
                 </a:solidFill>
@@ -13123,7 +11733,7 @@
           <a:noFill/>
           <a:extLst>
             <a:ext uri="{909E8E84-426E-40dd-AFC4-6F175D3DCCD1}">
-              <a14:hiddenFill xmlns:a14="http://schemas.microsoft.com/office/drawing/2010/main">
+              <a14:hiddenFill xmlns:a14="http://schemas.microsoft.com/office/drawing/2010/main" xmlns="">
                 <a:solidFill>
                   <a:srgbClr val="FFFFFF"/>
                 </a:solidFill>
@@ -13295,7 +11905,7 @@
               <a:buNone/>
             </a:pPr>
             <a:r>
-              <a:rPr lang="en-US" sz="3200" dirty="0" smtClean="0">
+              <a:rPr lang="en-US" sz="3200" dirty="0">
                 <a:solidFill>
                   <a:srgbClr val="0F142A"/>
                 </a:solidFill>
@@ -13336,7 +11946,7 @@
               <a:buChar char="–"/>
             </a:pPr>
             <a:r>
-              <a:rPr lang="en-US" dirty="0" smtClean="0">
+              <a:rPr lang="en-US" dirty="0">
                 <a:solidFill>
                   <a:schemeClr val="tx1">
                     <a:lumMod val="90000"/>
@@ -13345,79 +11955,7 @@
                 </a:solidFill>
                 <a:cs typeface="Calibri Light"/>
               </a:rPr>
-              <a:t>Protocol </a:t>
-            </a:r>
-            <a:r>
-              <a:rPr lang="en-US" dirty="0">
-                <a:solidFill>
-                  <a:schemeClr val="tx1">
-                    <a:lumMod val="90000"/>
-                    <a:lumOff val="10000"/>
-                  </a:schemeClr>
-                </a:solidFill>
-                <a:cs typeface="Calibri Light"/>
-              </a:rPr>
-              <a:t>to </a:t>
-            </a:r>
-            <a:r>
-              <a:rPr lang="en-US" dirty="0" smtClean="0">
-                <a:solidFill>
-                  <a:schemeClr val="tx1">
-                    <a:lumMod val="90000"/>
-                    <a:lumOff val="10000"/>
-                  </a:schemeClr>
-                </a:solidFill>
-                <a:cs typeface="Calibri Light"/>
-              </a:rPr>
-              <a:t>install, manipulate</a:t>
-            </a:r>
-            <a:r>
-              <a:rPr lang="en-US" dirty="0">
-                <a:solidFill>
-                  <a:schemeClr val="tx1">
-                    <a:lumMod val="90000"/>
-                    <a:lumOff val="10000"/>
-                  </a:schemeClr>
-                </a:solidFill>
-                <a:cs typeface="Calibri Light"/>
-              </a:rPr>
-              <a:t>, and delete the configuration </a:t>
-            </a:r>
-            <a:r>
-              <a:rPr lang="en-US" dirty="0" smtClean="0">
-                <a:solidFill>
-                  <a:schemeClr val="tx1">
-                    <a:lumMod val="90000"/>
-                    <a:lumOff val="10000"/>
-                  </a:schemeClr>
-                </a:solidFill>
-                <a:cs typeface="Calibri Light"/>
-              </a:rPr>
-              <a:t>of </a:t>
-            </a:r>
-            <a:r>
-              <a:rPr lang="en-US" dirty="0">
-                <a:solidFill>
-                  <a:schemeClr val="tx1">
-                    <a:lumMod val="90000"/>
-                    <a:lumOff val="10000"/>
-                  </a:schemeClr>
-                </a:solidFill>
-                <a:cs typeface="Calibri Light"/>
-              </a:rPr>
-              <a:t>network </a:t>
-            </a:r>
-            <a:r>
-              <a:rPr lang="en-US" dirty="0" smtClean="0">
-                <a:solidFill>
-                  <a:schemeClr val="tx1">
-                    <a:lumMod val="90000"/>
-                    <a:lumOff val="10000"/>
-                  </a:schemeClr>
-                </a:solidFill>
-                <a:cs typeface="Calibri Light"/>
-              </a:rPr>
-              <a:t>devices</a:t>
+              <a:t>Protocol to install, manipulate, and delete the configuration of network devices</a:t>
             </a:r>
           </a:p>
           <a:p>
@@ -13429,7 +11967,7 @@
               <a:buChar char="–"/>
             </a:pPr>
             <a:r>
-              <a:rPr lang="en-US" dirty="0" smtClean="0">
+              <a:rPr lang="en-US" dirty="0">
                 <a:solidFill>
                   <a:schemeClr val="tx1">
                     <a:lumMod val="90000"/>
@@ -13440,6 +11978,13 @@
               </a:rPr>
               <a:t>RPC-based with XML-based data encoding</a:t>
             </a:r>
+          </a:p>
+          <a:p>
+            <a:pPr>
+              <a:lnSpc>
+                <a:spcPct val="120000"/>
+              </a:lnSpc>
+            </a:pPr>
             <a:endParaRPr lang="en-US" dirty="0">
               <a:solidFill>
                 <a:schemeClr val="tx1">
@@ -13450,22 +11995,6 @@
               <a:cs typeface="Calibri Light"/>
             </a:endParaRPr>
           </a:p>
-          <a:p>
-            <a:pPr>
-              <a:lnSpc>
-                <a:spcPct val="120000"/>
-              </a:lnSpc>
-            </a:pPr>
-            <a:endParaRPr lang="en-US" dirty="0">
-              <a:solidFill>
-                <a:schemeClr val="tx1">
-                  <a:lumMod val="90000"/>
-                  <a:lumOff val="10000"/>
-                </a:schemeClr>
-              </a:solidFill>
-              <a:cs typeface="Calibri Light"/>
-            </a:endParaRPr>
-          </a:p>
         </p:txBody>
       </p:sp>
       <p:sp>
@@ -13498,46 +12027,10 @@
               <a:buChar char="–"/>
             </a:pPr>
             <a:r>
-              <a:rPr lang="en-US" dirty="0" smtClean="0">
-                <a:cs typeface="Calibri Light"/>
-              </a:rPr>
-              <a:t>Data </a:t>
-            </a:r>
-            <a:r>
               <a:rPr lang="en-US" dirty="0">
                 <a:cs typeface="Calibri Light"/>
               </a:rPr>
-              <a:t>modeling language </a:t>
-            </a:r>
-            <a:r>
-              <a:rPr lang="en-US" dirty="0" smtClean="0">
-                <a:cs typeface="Calibri Light"/>
-              </a:rPr>
-              <a:t>to </a:t>
-            </a:r>
-            <a:r>
-              <a:rPr lang="en-US" dirty="0">
-                <a:cs typeface="Calibri Light"/>
-              </a:rPr>
-              <a:t>model </a:t>
-            </a:r>
-            <a:r>
-              <a:rPr lang="en-US" dirty="0" smtClean="0">
-                <a:cs typeface="Calibri Light"/>
-              </a:rPr>
-              <a:t>configuration, state </a:t>
-            </a:r>
-            <a:r>
-              <a:rPr lang="en-US" dirty="0">
-                <a:cs typeface="Calibri Light"/>
-              </a:rPr>
-              <a:t>data </a:t>
-            </a:r>
-            <a:r>
-              <a:rPr lang="en-US" dirty="0" smtClean="0">
-                <a:cs typeface="Calibri Light"/>
-              </a:rPr>
-              <a:t>and operations</a:t>
+              <a:t>Data modeling language to model configuration, state data and operations</a:t>
             </a:r>
           </a:p>
           <a:p>
@@ -13549,14 +12042,11 @@
               <a:buChar char="–"/>
             </a:pPr>
             <a:r>
-              <a:rPr lang="en-US" dirty="0" smtClean="0">
+              <a:rPr lang="en-US" dirty="0">
                 <a:cs typeface="Calibri Light"/>
               </a:rPr>
-              <a:t>Mappings to NETCONF and RESTCONF (draft)</a:t>
-            </a:r>
-            <a:endParaRPr lang="en-US" dirty="0">
-              <a:cs typeface="Calibri Light"/>
-            </a:endParaRPr>
+              <a:t>Mappings to NETCONF and RESTCONF</a:t>
+            </a:r>
           </a:p>
           <a:p>
             <a:pPr>
@@ -13580,13 +12070,6 @@
   <p:clrMapOvr>
     <a:masterClrMapping/>
   </p:clrMapOvr>
-  <p:timing>
-    <p:tnLst>
-      <p:par>
-        <p:cTn xmlns:p14="http://schemas.microsoft.com/office/powerpoint/2010/main" id="1" dur="indefinite" restart="never" nodeType="tmRoot"/>
-      </p:par>
-    </p:tnLst>
-  </p:timing>
 </p:sld>
 </file>
 
@@ -13758,7 +12241,7 @@
                 </a:solidFill>
                 <a:cs typeface="Calibri"/>
               </a:rPr>
-              <a:t>NETCONF: A Protocol</a:t>
+              <a:t>NETCONF and RESTCONF: Protocols</a:t>
             </a:r>
           </a:p>
           <a:p>
@@ -13873,7 +12356,7 @@
               </a:lnSpc>
             </a:pPr>
             <a:r>
-              <a:rPr lang="en-US" sz="2000" kern="0" dirty="0" smtClean="0">
+              <a:rPr lang="en-US" sz="2000" kern="0" dirty="0">
                 <a:solidFill>
                   <a:sysClr val="windowText" lastClr="000000"/>
                 </a:solidFill>
@@ -13890,7 +12373,7 @@
               </a:lnSpc>
             </a:pPr>
             <a:r>
-              <a:rPr lang="en-US" sz="2000" kern="0" dirty="0" smtClean="0">
+              <a:rPr lang="en-US" sz="2000" kern="0" dirty="0">
                 <a:solidFill>
                   <a:sysClr val="windowText" lastClr="000000"/>
                 </a:solidFill>
@@ -13899,13 +12382,6 @@
               </a:rPr>
               <a:t>Model</a:t>
             </a:r>
-            <a:endParaRPr lang="en-US" sz="2000" kern="0" dirty="0">
-              <a:solidFill>
-                <a:sysClr val="windowText" lastClr="000000"/>
-              </a:solidFill>
-              <a:latin typeface="Verdana"/>
-              <a:cs typeface="Verdana"/>
-            </a:endParaRPr>
           </a:p>
         </p:txBody>
       </p:sp>
@@ -13933,17 +12409,16 @@
           <a:p>
             <a:pPr algn="r"/>
             <a:r>
-              <a:rPr lang="en-US" dirty="0" smtClean="0"/>
+              <a:rPr lang="en-US" dirty="0"/>
               <a:t>Instance </a:t>
             </a:r>
           </a:p>
           <a:p>
             <a:pPr algn="r"/>
             <a:r>
-              <a:rPr lang="en-US" dirty="0" smtClean="0"/>
+              <a:rPr lang="en-US" dirty="0"/>
               <a:t>Data</a:t>
             </a:r>
-            <a:endParaRPr lang="en-US" dirty="0"/>
           </a:p>
         </p:txBody>
       </p:sp>
@@ -13971,10 +12446,9 @@
           <a:p>
             <a:pPr algn="r"/>
             <a:r>
-              <a:rPr lang="en-US" dirty="0" smtClean="0"/>
+              <a:rPr lang="en-US" dirty="0"/>
               <a:t>Protocol</a:t>
             </a:r>
-            <a:endParaRPr lang="en-US" dirty="0"/>
           </a:p>
         </p:txBody>
       </p:sp>
@@ -14027,13 +12501,6 @@
   <p:clrMapOvr>
     <a:masterClrMapping/>
   </p:clrMapOvr>
-  <p:timing>
-    <p:tnLst>
-      <p:par>
-        <p:cTn xmlns:p14="http://schemas.microsoft.com/office/powerpoint/2010/main" id="1" dur="indefinite" restart="never" nodeType="tmRoot"/>
-      </p:par>
-    </p:tnLst>
-  </p:timing>
 </p:sld>
 </file>
 
@@ -14072,7 +12539,7 @@
           <a:lstStyle/>
           <a:p>
             <a:r>
-              <a:rPr lang="en-US" dirty="0" smtClean="0">
+              <a:rPr lang="en-US" dirty="0">
                 <a:solidFill>
                   <a:schemeClr val="tx1">
                     <a:lumMod val="90000"/>
@@ -14135,7 +12602,7 @@
               </a:lnSpc>
             </a:pPr>
             <a:r>
-              <a:rPr lang="en-US" dirty="0" smtClean="0">
+              <a:rPr lang="en-US" dirty="0">
                 <a:solidFill>
                   <a:srgbClr val="0F142A"/>
                 </a:solidFill>
@@ -14143,12 +12610,6 @@
               </a:rPr>
               <a:t>Server</a:t>
             </a:r>
-            <a:endParaRPr lang="en-US" dirty="0">
-              <a:solidFill>
-                <a:srgbClr val="0F142A"/>
-              </a:solidFill>
-              <a:cs typeface="Calibri Light"/>
-            </a:endParaRPr>
           </a:p>
           <a:p>
             <a:pPr>
@@ -14770,7 +13231,7 @@
               </a:lnSpc>
             </a:pPr>
             <a:r>
-              <a:rPr lang="en-US" sz="1800" dirty="0" smtClean="0">
+              <a:rPr lang="en-US" sz="1800" dirty="0">
                 <a:solidFill>
                   <a:schemeClr val="bg1"/>
                 </a:solidFill>
@@ -14780,14 +13241,6 @@
               </a:rPr>
               <a:t>Applications</a:t>
             </a:r>
-            <a:endParaRPr lang="en-US" sz="1800" dirty="0">
-              <a:solidFill>
-                <a:schemeClr val="bg1"/>
-              </a:solidFill>
-              <a:latin typeface="Verdana" pitchFamily="34" charset="0"/>
-              <a:ea typeface="Verdana" pitchFamily="34" charset="0"/>
-              <a:cs typeface="Verdana" pitchFamily="34" charset="0"/>
-            </a:endParaRPr>
           </a:p>
         </p:txBody>
       </p:sp>
@@ -14876,25 +13329,8 @@
                 <a:latin typeface="Verdana"/>
                 <a:cs typeface="Verdana"/>
               </a:rPr>
-              <a:t>YANG </a:t>
-            </a:r>
-            <a:r>
-              <a:rPr lang="en-US" sz="1300" kern="0" dirty="0" smtClean="0">
-                <a:solidFill>
-                  <a:sysClr val="windowText" lastClr="000000"/>
-                </a:solidFill>
-                <a:latin typeface="Verdana"/>
-                <a:cs typeface="Verdana"/>
-              </a:rPr>
-              <a:t>Modules</a:t>
-            </a:r>
-            <a:endParaRPr lang="en-US" sz="1300" kern="0" dirty="0">
-              <a:solidFill>
-                <a:sysClr val="windowText" lastClr="000000"/>
-              </a:solidFill>
-              <a:latin typeface="Verdana"/>
-              <a:cs typeface="Verdana"/>
-            </a:endParaRPr>
+              <a:t>YANG Modules</a:t>
+            </a:r>
           </a:p>
         </p:txBody>
       </p:sp>
@@ -14983,25 +13419,8 @@
                 <a:latin typeface="Verdana"/>
                 <a:cs typeface="Verdana"/>
               </a:rPr>
-              <a:t>YANG </a:t>
-            </a:r>
-            <a:r>
-              <a:rPr lang="en-US" sz="1300" kern="0" dirty="0" smtClean="0">
-                <a:solidFill>
-                  <a:sysClr val="windowText" lastClr="000000"/>
-                </a:solidFill>
-                <a:latin typeface="Verdana"/>
-                <a:cs typeface="Verdana"/>
-              </a:rPr>
-              <a:t>Modules</a:t>
-            </a:r>
-            <a:endParaRPr lang="en-US" sz="1300" kern="0" dirty="0">
-              <a:solidFill>
-                <a:sysClr val="windowText" lastClr="000000"/>
-              </a:solidFill>
-              <a:latin typeface="Verdana"/>
-              <a:cs typeface="Verdana"/>
-            </a:endParaRPr>
+              <a:t>YANG Modules</a:t>
+            </a:r>
           </a:p>
         </p:txBody>
       </p:sp>
@@ -15090,25 +13509,8 @@
                 <a:latin typeface="Verdana"/>
                 <a:cs typeface="Verdana"/>
               </a:rPr>
-              <a:t>YANG </a:t>
-            </a:r>
-            <a:r>
-              <a:rPr lang="en-US" sz="1300" kern="0" dirty="0" smtClean="0">
-                <a:solidFill>
-                  <a:sysClr val="windowText" lastClr="000000"/>
-                </a:solidFill>
-                <a:latin typeface="Verdana"/>
-                <a:cs typeface="Verdana"/>
-              </a:rPr>
-              <a:t>Modules</a:t>
-            </a:r>
-            <a:endParaRPr lang="en-US" sz="1300" kern="0" dirty="0">
-              <a:solidFill>
-                <a:sysClr val="windowText" lastClr="000000"/>
-              </a:solidFill>
-              <a:latin typeface="Verdana"/>
-              <a:cs typeface="Verdana"/>
-            </a:endParaRPr>
+              <a:t>YANG Modules</a:t>
+            </a:r>
           </a:p>
         </p:txBody>
       </p:sp>
@@ -15235,7 +13637,7 @@
               <a:defRPr/>
             </a:pPr>
             <a:r>
-              <a:rPr lang="en-GB" sz="1100" kern="0" dirty="0" smtClean="0">
+              <a:rPr lang="en-GB" sz="1100" kern="0" dirty="0">
                 <a:solidFill>
                   <a:sysClr val="windowText" lastClr="000000"/>
                 </a:solidFill>
@@ -15276,7 +13678,7 @@
               <a:defRPr/>
             </a:pPr>
             <a:r>
-              <a:rPr lang="en-GB" sz="1100" kern="0" dirty="0" smtClean="0">
+              <a:rPr lang="en-GB" sz="1100" kern="0" dirty="0">
                 <a:solidFill>
                   <a:sysClr val="windowText" lastClr="000000"/>
                 </a:solidFill>
@@ -15285,13 +13687,6 @@
               </a:rPr>
               <a:t>Modules</a:t>
             </a:r>
-            <a:endParaRPr lang="en-GB" sz="1100" kern="0" dirty="0">
-              <a:solidFill>
-                <a:sysClr val="windowText" lastClr="000000"/>
-              </a:solidFill>
-              <a:latin typeface="Verdana"/>
-              <a:cs typeface="Verdana"/>
-            </a:endParaRPr>
           </a:p>
         </p:txBody>
       </p:sp>
@@ -15342,10 +13737,9 @@
           <a:lstStyle/>
           <a:p>
             <a:r>
-              <a:rPr lang="en-US" dirty="0" smtClean="0"/>
+              <a:rPr lang="en-US" dirty="0"/>
               <a:t>NETCONF</a:t>
             </a:r>
-            <a:endParaRPr lang="en-US" dirty="0"/>
           </a:p>
         </p:txBody>
       </p:sp>
@@ -15359,13 +13753,6 @@
   <p:clrMapOvr>
     <a:masterClrMapping/>
   </p:clrMapOvr>
-  <p:timing>
-    <p:tnLst>
-      <p:par>
-        <p:cTn xmlns:p14="http://schemas.microsoft.com/office/powerpoint/2010/main" id="1" dur="indefinite" restart="never" nodeType="tmRoot"/>
-      </p:par>
-    </p:tnLst>
-  </p:timing>
 </p:sld>
 </file>
 
@@ -15512,7 +13899,7 @@
           <a:lstStyle/>
           <a:p>
             <a:r>
-              <a:rPr lang="en-US" dirty="0" smtClean="0">
+              <a:rPr lang="en-US" dirty="0">
                 <a:solidFill>
                   <a:schemeClr val="tx1">
                     <a:lumMod val="90000"/>
@@ -15587,7 +13974,7 @@
           <a:p>
             <a:pPr algn="ctr"/>
             <a:r>
-              <a:rPr lang="en-US" sz="2400" dirty="0" smtClean="0">
+              <a:rPr lang="en-US" sz="2400" dirty="0">
                 <a:solidFill>
                   <a:schemeClr val="tx1"/>
                 </a:solidFill>
@@ -15653,23 +14040,18 @@
           <a:p>
             <a:pPr algn="ctr"/>
             <a:r>
-              <a:rPr lang="en-US" sz="2400" dirty="0" smtClean="0">
+              <a:rPr lang="en-US" sz="2400" dirty="0">
                 <a:solidFill>
                   <a:schemeClr val="tx1"/>
                 </a:solidFill>
               </a:rPr>
               <a:t>&lt;get&gt;</a:t>
             </a:r>
-            <a:endParaRPr lang="en-US" sz="2400" dirty="0">
-              <a:solidFill>
-                <a:schemeClr val="tx1"/>
-              </a:solidFill>
-            </a:endParaRPr>
           </a:p>
           <a:p>
             <a:pPr algn="ctr"/>
             <a:r>
-              <a:rPr lang="en-US" sz="2400" dirty="0" smtClean="0">
+              <a:rPr lang="en-US" sz="2400" dirty="0">
                 <a:solidFill>
                   <a:schemeClr val="tx1"/>
                 </a:solidFill>
@@ -15677,7 +14059,7 @@
               <a:t>&lt;get-</a:t>
             </a:r>
             <a:r>
-              <a:rPr lang="en-US" sz="2400" dirty="0" err="1" smtClean="0">
+              <a:rPr lang="en-US" sz="2400" dirty="0" err="1">
                 <a:solidFill>
                   <a:schemeClr val="tx1"/>
                 </a:solidFill>
@@ -15685,7 +14067,7 @@
               <a:t>config</a:t>
             </a:r>
             <a:r>
-              <a:rPr lang="en-US" sz="2400" dirty="0" smtClean="0">
+              <a:rPr lang="en-US" sz="2400" dirty="0">
                 <a:solidFill>
                   <a:schemeClr val="tx1"/>
                 </a:solidFill>
@@ -15751,7 +14133,7 @@
           <a:p>
             <a:pPr algn="ctr"/>
             <a:r>
-              <a:rPr lang="en-US" sz="2400" dirty="0" smtClean="0">
+              <a:rPr lang="en-US" sz="2400" dirty="0">
                 <a:solidFill>
                   <a:schemeClr val="tx1"/>
                 </a:solidFill>
@@ -15817,7 +14199,7 @@
           <a:p>
             <a:pPr algn="ctr"/>
             <a:r>
-              <a:rPr lang="en-US" sz="2400" dirty="0" smtClean="0">
+              <a:rPr lang="en-US" sz="2400" dirty="0">
                 <a:solidFill>
                   <a:schemeClr val="tx1"/>
                 </a:solidFill>
@@ -15828,7 +14210,7 @@
           <a:p>
             <a:pPr algn="ctr"/>
             <a:r>
-              <a:rPr lang="en-US" sz="2400" dirty="0" smtClean="0">
+              <a:rPr lang="en-US" sz="2400" dirty="0">
                 <a:solidFill>
                   <a:schemeClr val="tx1"/>
                 </a:solidFill>
@@ -15894,7 +14276,7 @@
           <a:p>
             <a:pPr algn="ctr"/>
             <a:r>
-              <a:rPr lang="en-US" sz="2400" dirty="0" smtClean="0">
+              <a:rPr lang="en-US" sz="2400" dirty="0">
                 <a:solidFill>
                   <a:schemeClr val="tx1"/>
                 </a:solidFill>
@@ -15905,7 +14287,7 @@
           <a:p>
             <a:pPr algn="ctr"/>
             <a:r>
-              <a:rPr lang="en-US" sz="2400" dirty="0" smtClean="0">
+              <a:rPr lang="en-US" sz="2400" dirty="0">
                 <a:solidFill>
                   <a:schemeClr val="tx1"/>
                 </a:solidFill>
@@ -15971,7 +14353,7 @@
           <a:p>
             <a:pPr algn="ctr"/>
             <a:r>
-              <a:rPr lang="en-US" sz="2400" dirty="0" smtClean="0">
+              <a:rPr lang="en-US" sz="2400" dirty="0">
                 <a:solidFill>
                   <a:schemeClr val="accent3">
                     <a:lumMod val="50000"/>
@@ -16039,7 +14421,7 @@
           <a:p>
             <a:pPr algn="ctr"/>
             <a:r>
-              <a:rPr lang="en-US" sz="2400" dirty="0" smtClean="0">
+              <a:rPr lang="en-US" sz="2400" dirty="0">
                 <a:solidFill>
                   <a:schemeClr val="accent3">
                     <a:lumMod val="50000"/>
@@ -16049,7 +14431,7 @@
               <a:t>&lt;</a:t>
             </a:r>
             <a:r>
-              <a:rPr lang="en-US" sz="2400" dirty="0" err="1" smtClean="0">
+              <a:rPr lang="en-US" sz="2400" dirty="0" err="1">
                 <a:solidFill>
                   <a:schemeClr val="accent3">
                     <a:lumMod val="50000"/>
@@ -16059,7 +14441,7 @@
               <a:t>rpc</a:t>
             </a:r>
             <a:r>
-              <a:rPr lang="en-US" sz="2400" dirty="0" smtClean="0">
+              <a:rPr lang="en-US" sz="2400" dirty="0">
                 <a:solidFill>
                   <a:schemeClr val="accent3">
                     <a:lumMod val="50000"/>
@@ -16127,7 +14509,7 @@
           <a:p>
             <a:pPr algn="ctr"/>
             <a:r>
-              <a:rPr lang="en-US" sz="2400" dirty="0" smtClean="0">
+              <a:rPr lang="en-US" sz="2400" dirty="0">
                 <a:solidFill>
                   <a:schemeClr val="accent3">
                     <a:lumMod val="50000"/>
@@ -16192,7 +14574,7 @@
           <a:p>
             <a:pPr algn="ctr"/>
             <a:r>
-              <a:rPr lang="en-US" sz="2400" dirty="0" smtClean="0">
+              <a:rPr lang="en-US" sz="2400" dirty="0">
                 <a:solidFill>
                   <a:schemeClr val="accent3">
                     <a:lumMod val="50000"/>
@@ -16205,7 +14587,7 @@
           <a:p>
             <a:pPr algn="ctr"/>
             <a:r>
-              <a:rPr lang="en-US" sz="2400" dirty="0" smtClean="0">
+              <a:rPr lang="en-US" sz="2400" dirty="0">
                 <a:solidFill>
                   <a:schemeClr val="accent3">
                     <a:lumMod val="50000"/>
@@ -16270,7 +14652,7 @@
           <a:p>
             <a:pPr algn="ctr"/>
             <a:r>
-              <a:rPr lang="en-US" sz="2400" dirty="0" err="1" smtClean="0">
+              <a:rPr lang="en-US" sz="2400" dirty="0" err="1">
                 <a:solidFill>
                   <a:schemeClr val="accent3">
                     <a:lumMod val="50000"/>
@@ -16279,7 +14661,7 @@
               </a:rPr>
               <a:t>ssh</a:t>
             </a:r>
-            <a:endParaRPr lang="en-US" sz="2400" dirty="0" smtClean="0">
+            <a:endParaRPr lang="en-US" sz="2400" dirty="0">
               <a:solidFill>
                 <a:schemeClr val="accent3">
                   <a:lumMod val="50000"/>
@@ -16387,10 +14769,9 @@
           <a:p>
             <a:pPr algn="ctr"/>
             <a:r>
-              <a:rPr lang="en-US" dirty="0" smtClean="0"/>
+              <a:rPr lang="en-US" dirty="0"/>
               <a:t>NETCONF</a:t>
             </a:r>
-            <a:endParaRPr lang="en-US" dirty="0"/>
           </a:p>
         </p:txBody>
       </p:sp>
@@ -16418,10 +14799,9 @@
           <a:p>
             <a:pPr algn="ctr"/>
             <a:r>
-              <a:rPr lang="en-US" dirty="0" smtClean="0"/>
+              <a:rPr lang="en-US" dirty="0"/>
               <a:t>Layer</a:t>
             </a:r>
-            <a:endParaRPr lang="en-US" dirty="0"/>
           </a:p>
         </p:txBody>
       </p:sp>
@@ -16449,10 +14829,9 @@
           <a:p>
             <a:pPr algn="ctr"/>
             <a:r>
-              <a:rPr lang="en-US" dirty="0" smtClean="0"/>
+              <a:rPr lang="en-US" dirty="0"/>
               <a:t>Example</a:t>
             </a:r>
-            <a:endParaRPr lang="en-US" dirty="0"/>
           </a:p>
         </p:txBody>
       </p:sp>
@@ -16498,7 +14877,7 @@
           <a:lstStyle/>
           <a:p>
             <a:pPr algn="ctr"/>
-            <a:endParaRPr lang="en-US" dirty="0" smtClean="0"/>
+            <a:endParaRPr lang="en-US" dirty="0"/>
           </a:p>
           <a:p>
             <a:pPr algn="ctr"/>
@@ -16760,14 +15139,7 @@
                 <a:latin typeface="Courier New" panose="02070309020205020404" pitchFamily="49" charset="0"/>
                 <a:cs typeface="Courier New" panose="02070309020205020404" pitchFamily="49" charset="0"/>
               </a:rPr>
-              <a:t>="urn:ietf:params:xml:ns:netconf:base:1.0</a:t>
-            </a:r>
-            <a:r>
-              <a:rPr lang="en-US" sz="2000" dirty="0" smtClean="0">
-                <a:latin typeface="Courier New" panose="02070309020205020404" pitchFamily="49" charset="0"/>
-                <a:cs typeface="Courier New" panose="02070309020205020404" pitchFamily="49" charset="0"/>
-              </a:rPr>
-              <a:t>"&gt;</a:t>
+              <a:t>="urn:ietf:params:xml:ns:netconf:base:1.0"&gt;</a:t>
             </a:r>
           </a:p>
           <a:p>
@@ -16796,21 +15168,7 @@
                 <a:latin typeface="Courier New" panose="02070309020205020404" pitchFamily="49" charset="0"/>
                 <a:cs typeface="Courier New" panose="02070309020205020404" pitchFamily="49" charset="0"/>
               </a:rPr>
-              <a:t>     </a:t>
-            </a:r>
-            <a:r>
-              <a:rPr lang="en-US" sz="2000" dirty="0" smtClean="0">
-                <a:latin typeface="Courier New" panose="02070309020205020404" pitchFamily="49" charset="0"/>
-                <a:cs typeface="Courier New" panose="02070309020205020404" pitchFamily="49" charset="0"/>
-              </a:rPr>
-              <a:t>&lt;</a:t>
-            </a:r>
-            <a:r>
-              <a:rPr lang="en-US" sz="2000" dirty="0">
-                <a:latin typeface="Courier New" panose="02070309020205020404" pitchFamily="49" charset="0"/>
-                <a:cs typeface="Courier New" panose="02070309020205020404" pitchFamily="49" charset="0"/>
-              </a:rPr>
-              <a:t>get-</a:t>
+              <a:t>     &lt;get-</a:t>
             </a:r>
             <a:r>
               <a:rPr lang="en-US" sz="2000" dirty="0" err="1">
@@ -16820,7 +15178,7 @@
               <a:t>config</a:t>
             </a:r>
             <a:r>
-              <a:rPr lang="en-US" sz="2000" dirty="0" smtClean="0">
+              <a:rPr lang="en-US" sz="2000" dirty="0">
                 <a:latin typeface="Courier New" panose="02070309020205020404" pitchFamily="49" charset="0"/>
                 <a:cs typeface="Courier New" panose="02070309020205020404" pitchFamily="49" charset="0"/>
               </a:rPr>
@@ -16853,21 +15211,7 @@
                 <a:latin typeface="Courier New" panose="02070309020205020404" pitchFamily="49" charset="0"/>
                 <a:cs typeface="Courier New" panose="02070309020205020404" pitchFamily="49" charset="0"/>
               </a:rPr>
-              <a:t>        </a:t>
-            </a:r>
-            <a:r>
-              <a:rPr lang="en-US" sz="2000" dirty="0" smtClean="0">
-                <a:latin typeface="Courier New" panose="02070309020205020404" pitchFamily="49" charset="0"/>
-                <a:cs typeface="Courier New" panose="02070309020205020404" pitchFamily="49" charset="0"/>
-              </a:rPr>
-              <a:t>&lt;</a:t>
-            </a:r>
-            <a:r>
-              <a:rPr lang="en-US" sz="2000" dirty="0">
-                <a:latin typeface="Courier New" panose="02070309020205020404" pitchFamily="49" charset="0"/>
-                <a:cs typeface="Courier New" panose="02070309020205020404" pitchFamily="49" charset="0"/>
-              </a:rPr>
-              <a:t>source&gt;</a:t>
+              <a:t>        &lt;source&gt;</a:t>
             </a:r>
           </a:p>
           <a:p>
@@ -16883,21 +15227,7 @@
                 <a:latin typeface="Courier New" panose="02070309020205020404" pitchFamily="49" charset="0"/>
                 <a:cs typeface="Courier New" panose="02070309020205020404" pitchFamily="49" charset="0"/>
               </a:rPr>
-              <a:t>          </a:t>
-            </a:r>
-            <a:r>
-              <a:rPr lang="en-US" sz="2000" dirty="0" smtClean="0">
-                <a:latin typeface="Courier New" panose="02070309020205020404" pitchFamily="49" charset="0"/>
-                <a:cs typeface="Courier New" panose="02070309020205020404" pitchFamily="49" charset="0"/>
-              </a:rPr>
-              <a:t>&lt;</a:t>
-            </a:r>
-            <a:r>
-              <a:rPr lang="en-US" sz="2000" dirty="0">
-                <a:latin typeface="Courier New" panose="02070309020205020404" pitchFamily="49" charset="0"/>
-                <a:cs typeface="Courier New" panose="02070309020205020404" pitchFamily="49" charset="0"/>
-              </a:rPr>
-              <a:t>running/&gt;</a:t>
+              <a:t>          &lt;running/&gt;</a:t>
             </a:r>
           </a:p>
           <a:p>
@@ -16913,28 +15243,7 @@
                 <a:latin typeface="Courier New" panose="02070309020205020404" pitchFamily="49" charset="0"/>
                 <a:cs typeface="Courier New" panose="02070309020205020404" pitchFamily="49" charset="0"/>
               </a:rPr>
-              <a:t>        </a:t>
-            </a:r>
-            <a:r>
-              <a:rPr lang="en-US" sz="2000" dirty="0" smtClean="0">
-                <a:latin typeface="Courier New" panose="02070309020205020404" pitchFamily="49" charset="0"/>
-                <a:cs typeface="Courier New" panose="02070309020205020404" pitchFamily="49" charset="0"/>
-              </a:rPr>
-              <a:t>&lt;/</a:t>
-            </a:r>
-            <a:r>
-              <a:rPr lang="en-US" sz="2000" dirty="0">
-                <a:latin typeface="Courier New" panose="02070309020205020404" pitchFamily="49" charset="0"/>
-                <a:cs typeface="Courier New" panose="02070309020205020404" pitchFamily="49" charset="0"/>
-              </a:rPr>
-              <a:t>source</a:t>
-            </a:r>
-            <a:r>
-              <a:rPr lang="en-US" sz="2000" dirty="0" smtClean="0">
-                <a:latin typeface="Courier New" panose="02070309020205020404" pitchFamily="49" charset="0"/>
-                <a:cs typeface="Courier New" panose="02070309020205020404" pitchFamily="49" charset="0"/>
-              </a:rPr>
-              <a:t>&gt;</a:t>
+              <a:t>        &lt;/source&gt;</a:t>
             </a:r>
           </a:p>
           <a:p>
@@ -16963,21 +15272,7 @@
                 <a:latin typeface="Courier New" panose="02070309020205020404" pitchFamily="49" charset="0"/>
                 <a:cs typeface="Courier New" panose="02070309020205020404" pitchFamily="49" charset="0"/>
               </a:rPr>
-              <a:t>     </a:t>
-            </a:r>
-            <a:r>
-              <a:rPr lang="en-US" sz="2000" dirty="0" smtClean="0">
-                <a:latin typeface="Courier New" panose="02070309020205020404" pitchFamily="49" charset="0"/>
-                <a:cs typeface="Courier New" panose="02070309020205020404" pitchFamily="49" charset="0"/>
-              </a:rPr>
-              <a:t>&lt;/</a:t>
-            </a:r>
-            <a:r>
-              <a:rPr lang="en-US" sz="2000" dirty="0">
-                <a:latin typeface="Courier New" panose="02070309020205020404" pitchFamily="49" charset="0"/>
-                <a:cs typeface="Courier New" panose="02070309020205020404" pitchFamily="49" charset="0"/>
-              </a:rPr>
-              <a:t>get-</a:t>
+              <a:t>     &lt;/get-</a:t>
             </a:r>
             <a:r>
               <a:rPr lang="en-US" sz="2000" dirty="0" err="1">
@@ -16987,7 +15282,7 @@
               <a:t>config</a:t>
             </a:r>
             <a:r>
-              <a:rPr lang="en-US" sz="2000" dirty="0" smtClean="0">
+              <a:rPr lang="en-US" sz="2000" dirty="0">
                 <a:latin typeface="Courier New" panose="02070309020205020404" pitchFamily="49" charset="0"/>
                 <a:cs typeface="Courier New" panose="02070309020205020404" pitchFamily="49" charset="0"/>
               </a:rPr>
@@ -17016,7 +15311,7 @@
               </a:tabLst>
             </a:pPr>
             <a:r>
-              <a:rPr lang="en-US" sz="2000" dirty="0" smtClean="0">
+              <a:rPr lang="en-US" sz="2000" dirty="0">
                 <a:latin typeface="Courier New" panose="02070309020205020404" pitchFamily="49" charset="0"/>
                 <a:cs typeface="Courier New" panose="02070309020205020404" pitchFamily="49" charset="0"/>
               </a:rPr>
@@ -17049,13 +15344,6 @@
   <p:clrMapOvr>
     <a:masterClrMapping/>
   </p:clrMapOvr>
-  <p:timing>
-    <p:tnLst>
-      <p:par>
-        <p:cTn xmlns:p14="http://schemas.microsoft.com/office/powerpoint/2010/main" id="1" dur="indefinite" restart="never" nodeType="tmRoot"/>
-      </p:par>
-    </p:tnLst>
-  </p:timing>
 </p:sld>
 </file>
 
@@ -17094,7 +15382,7 @@
           <a:lstStyle/>
           <a:p>
             <a:r>
-              <a:rPr lang="en-US" sz="4600" smtClean="0">
+              <a:rPr lang="en-US" sz="4600">
                 <a:solidFill>
                   <a:schemeClr val="tx1">
                     <a:lumMod val="90000"/>
@@ -17107,7 +15395,7 @@
               <a:t>NETCONF and YANG </a:t>
             </a:r>
             <a:r>
-              <a:rPr lang="en-US" sz="4600" dirty="0" smtClean="0">
+              <a:rPr lang="en-US" sz="4600" dirty="0">
                 <a:solidFill>
                   <a:schemeClr val="tx1">
                     <a:lumMod val="90000"/>
@@ -17119,16 +15407,6 @@
               </a:rPr>
               <a:t>Architecture</a:t>
             </a:r>
-            <a:endParaRPr lang="en-US" sz="4600" dirty="0">
-              <a:solidFill>
-                <a:schemeClr val="tx1">
-                  <a:lumMod val="90000"/>
-                  <a:lumOff val="10000"/>
-                </a:schemeClr>
-              </a:solidFill>
-              <a:latin typeface="+mn-lt"/>
-              <a:cs typeface="Calibri Light"/>
-            </a:endParaRPr>
           </a:p>
         </p:txBody>
       </p:sp>
@@ -17180,10 +15458,9 @@
           <a:p>
             <a:pPr algn="ctr"/>
             <a:r>
-              <a:rPr lang="en-US" dirty="0" smtClean="0"/>
+              <a:rPr lang="en-US" dirty="0"/>
               <a:t>Client</a:t>
             </a:r>
-            <a:endParaRPr lang="en-US" dirty="0"/>
           </a:p>
         </p:txBody>
       </p:sp>
@@ -17241,7 +15518,7 @@
               <a:defRPr/>
             </a:pPr>
             <a:r>
-              <a:rPr kumimoji="0" lang="en-US" sz="2400" b="0" i="0" u="none" strike="noStrike" kern="0" cap="none" spc="0" normalizeH="0" baseline="0" noProof="0" dirty="0" smtClean="0">
+              <a:rPr kumimoji="0" lang="en-US" sz="2400" b="0" i="0" u="none" strike="noStrike" kern="0" cap="none" spc="0" normalizeH="0" baseline="0" noProof="0" dirty="0">
                 <a:ln>
                   <a:noFill/>
                 </a:ln>
@@ -17313,7 +15590,7 @@
               <a:defRPr/>
             </a:pPr>
             <a:r>
-              <a:rPr kumimoji="0" lang="en-US" sz="2400" b="0" i="0" u="none" strike="noStrike" kern="0" cap="none" spc="0" normalizeH="0" baseline="0" noProof="0" dirty="0" smtClean="0">
+              <a:rPr kumimoji="0" lang="en-US" sz="2400" b="0" i="0" u="none" strike="noStrike" kern="0" cap="none" spc="0" normalizeH="0" baseline="0" noProof="0" dirty="0">
                 <a:ln>
                   <a:noFill/>
                 </a:ln>
@@ -17388,7 +15665,7 @@
               <a:defRPr/>
             </a:pPr>
             <a:r>
-              <a:rPr kumimoji="0" lang="en-US" sz="2400" b="0" i="0" u="none" strike="noStrike" kern="0" cap="none" spc="0" normalizeH="0" baseline="0" noProof="0" dirty="0" smtClean="0">
+              <a:rPr kumimoji="0" lang="en-US" sz="2400" b="0" i="0" u="none" strike="noStrike" kern="0" cap="none" spc="0" normalizeH="0" baseline="0" noProof="0" dirty="0">
                 <a:ln>
                   <a:noFill/>
                 </a:ln>
@@ -17465,7 +15742,7 @@
               <a:defRPr/>
             </a:pPr>
             <a:r>
-              <a:rPr kumimoji="0" lang="en-US" sz="2400" b="0" i="0" u="none" strike="noStrike" kern="0" cap="none" spc="0" normalizeH="0" baseline="0" noProof="0" dirty="0" smtClean="0">
+              <a:rPr kumimoji="0" lang="en-US" sz="2400" b="0" i="0" u="none" strike="noStrike" kern="0" cap="none" spc="0" normalizeH="0" baseline="0" noProof="0" dirty="0">
                 <a:ln>
                   <a:noFill/>
                 </a:ln>
@@ -17538,7 +15815,7 @@
               <a:tabLst/>
               <a:defRPr/>
             </a:pPr>
-            <a:endParaRPr kumimoji="0" lang="en-US" sz="2400" b="0" i="0" u="none" strike="noStrike" kern="0" cap="none" spc="0" normalizeH="0" baseline="0" noProof="0" dirty="0" smtClean="0">
+            <a:endParaRPr kumimoji="0" lang="en-US" sz="2400" b="0" i="0" u="none" strike="noStrike" kern="0" cap="none" spc="0" normalizeH="0" baseline="0" noProof="0" dirty="0">
               <a:ln>
                 <a:noFill/>
               </a:ln>
@@ -17577,10 +15854,9 @@
           <a:lstStyle/>
           <a:p>
             <a:r>
-              <a:rPr lang="en-US" dirty="0" smtClean="0"/>
+              <a:rPr lang="en-US" dirty="0"/>
               <a:t>Modeled in YANG</a:t>
             </a:r>
-            <a:endParaRPr lang="en-US" dirty="0"/>
           </a:p>
         </p:txBody>
       </p:sp>
@@ -17638,7 +15914,7 @@
               <a:defRPr/>
             </a:pPr>
             <a:r>
-              <a:rPr kumimoji="0" lang="en-US" sz="2400" b="0" i="0" u="none" strike="noStrike" kern="0" cap="none" spc="0" normalizeH="0" baseline="0" noProof="0" dirty="0" smtClean="0">
+              <a:rPr kumimoji="0" lang="en-US" sz="2400" b="0" i="0" u="none" strike="noStrike" kern="0" cap="none" spc="0" normalizeH="0" baseline="0" noProof="0" dirty="0">
                 <a:ln>
                   <a:noFill/>
                 </a:ln>
@@ -17710,7 +15986,7 @@
               <a:defRPr/>
             </a:pPr>
             <a:r>
-              <a:rPr kumimoji="0" lang="en-US" sz="2400" b="0" i="0" u="none" strike="noStrike" kern="0" cap="none" spc="0" normalizeH="0" baseline="0" noProof="0" dirty="0" smtClean="0">
+              <a:rPr kumimoji="0" lang="en-US" sz="2400" b="0" i="0" u="none" strike="noStrike" kern="0" cap="none" spc="0" normalizeH="0" baseline="0" noProof="0" dirty="0">
                 <a:ln>
                   <a:noFill/>
                 </a:ln>
@@ -17785,7 +16061,7 @@
               <a:defRPr/>
             </a:pPr>
             <a:r>
-              <a:rPr kumimoji="0" lang="en-US" sz="2400" b="0" i="0" u="none" strike="noStrike" kern="0" cap="none" spc="0" normalizeH="0" baseline="0" noProof="0" dirty="0" smtClean="0">
+              <a:rPr kumimoji="0" lang="en-US" sz="2400" b="0" i="0" u="none" strike="noStrike" kern="0" cap="none" spc="0" normalizeH="0" baseline="0" noProof="0" dirty="0">
                 <a:ln>
                   <a:noFill/>
                 </a:ln>
@@ -17862,7 +16138,7 @@
               <a:defRPr/>
             </a:pPr>
             <a:r>
-              <a:rPr kumimoji="0" lang="en-US" sz="2400" b="0" i="0" u="none" strike="noStrike" kern="0" cap="none" spc="0" normalizeH="0" baseline="0" noProof="0" dirty="0" smtClean="0">
+              <a:rPr kumimoji="0" lang="en-US" sz="2400" b="0" i="0" u="none" strike="noStrike" kern="0" cap="none" spc="0" normalizeH="0" baseline="0" noProof="0" dirty="0">
                 <a:ln>
                   <a:noFill/>
                 </a:ln>
@@ -17972,10 +16248,9 @@
           <a:p>
             <a:pPr algn="ctr"/>
             <a:r>
-              <a:rPr lang="en-US" dirty="0" smtClean="0"/>
+              <a:rPr lang="en-US" dirty="0"/>
               <a:t>Server</a:t>
             </a:r>
-            <a:endParaRPr lang="en-US" dirty="0"/>
           </a:p>
         </p:txBody>
       </p:sp>
@@ -18069,17 +16344,16 @@
           <a:p>
             <a:pPr algn="r"/>
             <a:r>
-              <a:rPr lang="en-US" sz="2000" dirty="0" smtClean="0"/>
+              <a:rPr lang="en-US" sz="2000" dirty="0"/>
               <a:t>Configuration </a:t>
             </a:r>
           </a:p>
           <a:p>
             <a:pPr algn="r"/>
             <a:r>
-              <a:rPr lang="en-US" sz="2000" dirty="0" smtClean="0"/>
+              <a:rPr lang="en-US" sz="2000" dirty="0"/>
               <a:t>Data Storage</a:t>
             </a:r>
-            <a:endParaRPr lang="en-US" sz="2000" dirty="0"/>
           </a:p>
         </p:txBody>
       </p:sp>
@@ -18107,10 +16381,9 @@
           <a:p>
             <a:pPr algn="ctr"/>
             <a:r>
-              <a:rPr lang="en-US" dirty="0" smtClean="0"/>
+              <a:rPr lang="en-US" dirty="0"/>
               <a:t>NETCONF</a:t>
             </a:r>
-            <a:endParaRPr lang="en-US" dirty="0"/>
           </a:p>
         </p:txBody>
       </p:sp>
@@ -18138,10 +16411,9 @@
           <a:p>
             <a:pPr algn="ctr"/>
             <a:r>
-              <a:rPr lang="en-US" dirty="0" smtClean="0"/>
+              <a:rPr lang="en-US" dirty="0"/>
               <a:t>NETCONF</a:t>
             </a:r>
-            <a:endParaRPr lang="en-US" dirty="0"/>
           </a:p>
         </p:txBody>
       </p:sp>
@@ -18155,13 +16427,6 @@
   <p:clrMapOvr>
     <a:masterClrMapping/>
   </p:clrMapOvr>
-  <p:timing>
-    <p:tnLst>
-      <p:par>
-        <p:cTn xmlns:p14="http://schemas.microsoft.com/office/powerpoint/2010/main" id="1" dur="indefinite" restart="never" nodeType="tmRoot"/>
-      </p:par>
-    </p:tnLst>
-  </p:timing>
 </p:sld>
 </file>
 
